--- a/slide_mugen.pptx
+++ b/slide_mugen.pptx
@@ -5,7 +5,7 @@
     <p:sldMasterId id="2147483648" r:id="rId2"/>
   </p:sldMasterIdLst>
   <p:notesMasterIdLst>
-    <p:notesMasterId r:id="rId42"/>
+    <p:notesMasterId r:id="rId41"/>
   </p:notesMasterIdLst>
   <p:sldIdLst>
     <p:sldId id="277" r:id="rId3"/>
@@ -23,30 +23,29 @@
     <p:sldId id="394" r:id="rId15"/>
     <p:sldId id="395" r:id="rId16"/>
     <p:sldId id="388" r:id="rId17"/>
-    <p:sldId id="389" r:id="rId18"/>
-    <p:sldId id="270" r:id="rId19"/>
-    <p:sldId id="382" r:id="rId20"/>
-    <p:sldId id="383" r:id="rId21"/>
-    <p:sldId id="384" r:id="rId22"/>
-    <p:sldId id="387" r:id="rId23"/>
-    <p:sldId id="396" r:id="rId24"/>
-    <p:sldId id="397" r:id="rId25"/>
-    <p:sldId id="398" r:id="rId26"/>
-    <p:sldId id="399" r:id="rId27"/>
-    <p:sldId id="400" r:id="rId28"/>
-    <p:sldId id="401" r:id="rId29"/>
-    <p:sldId id="402" r:id="rId30"/>
-    <p:sldId id="403" r:id="rId31"/>
-    <p:sldId id="404" r:id="rId32"/>
-    <p:sldId id="405" r:id="rId33"/>
-    <p:sldId id="406" r:id="rId34"/>
-    <p:sldId id="407" r:id="rId35"/>
-    <p:sldId id="408" r:id="rId36"/>
-    <p:sldId id="409" r:id="rId37"/>
-    <p:sldId id="410" r:id="rId38"/>
-    <p:sldId id="411" r:id="rId39"/>
-    <p:sldId id="412" r:id="rId40"/>
-    <p:sldId id="413" r:id="rId41"/>
+    <p:sldId id="270" r:id="rId18"/>
+    <p:sldId id="382" r:id="rId19"/>
+    <p:sldId id="383" r:id="rId20"/>
+    <p:sldId id="384" r:id="rId21"/>
+    <p:sldId id="387" r:id="rId22"/>
+    <p:sldId id="396" r:id="rId23"/>
+    <p:sldId id="397" r:id="rId24"/>
+    <p:sldId id="398" r:id="rId25"/>
+    <p:sldId id="399" r:id="rId26"/>
+    <p:sldId id="400" r:id="rId27"/>
+    <p:sldId id="401" r:id="rId28"/>
+    <p:sldId id="402" r:id="rId29"/>
+    <p:sldId id="403" r:id="rId30"/>
+    <p:sldId id="404" r:id="rId31"/>
+    <p:sldId id="405" r:id="rId32"/>
+    <p:sldId id="406" r:id="rId33"/>
+    <p:sldId id="407" r:id="rId34"/>
+    <p:sldId id="408" r:id="rId35"/>
+    <p:sldId id="409" r:id="rId36"/>
+    <p:sldId id="410" r:id="rId37"/>
+    <p:sldId id="411" r:id="rId38"/>
+    <p:sldId id="412" r:id="rId39"/>
+    <p:sldId id="413" r:id="rId40"/>
   </p:sldIdLst>
   <p:sldSz cx="9144000" cy="6858000" type="screen4x3"/>
   <p:notesSz cx="6858000" cy="9144000"/>
@@ -173,7 +172,6 @@
             <p14:sldId id="394"/>
             <p14:sldId id="395"/>
             <p14:sldId id="388"/>
-            <p14:sldId id="389"/>
           </p14:sldIdLst>
         </p14:section>
         <p14:section name="Weighted Sum Method" id="{71D59651-8EFA-4415-9623-98B4C4A8699C}">
@@ -313,7 +311,7 @@
             <a:fld id="{00F830A1-3891-4B82-A120-081866556DA0}" type="datetimeFigureOut">
               <a:rPr lang="en-US" smtClean="0"/>
               <a:pPr/>
-              <a:t>10/15/2019</a:t>
+              <a:t>10/17/2019</a:t>
             </a:fld>
             <a:endParaRPr lang="en-US" dirty="0"/>
           </a:p>
@@ -1680,153 +1678,12 @@
         </p:nvSpPr>
         <p:spPr/>
         <p:txBody>
-          <a:bodyPr/>
+          <a:bodyPr>
+            <a:normAutofit/>
+          </a:bodyPr>
           <a:lstStyle/>
           <a:p>
-            <a:r>
-              <a:rPr lang="en-US" sz="1200" kern="1200">
-                <a:solidFill>
-                  <a:schemeClr val="tx1"/>
-                </a:solidFill>
-                <a:effectLst/>
-                <a:latin typeface="+mn-lt"/>
-                <a:ea typeface="+mn-ea"/>
-                <a:cs typeface="+mn-cs"/>
-              </a:rPr>
-              <a:t>Các vấn đề lựa chọn thành phần COTS</a:t>
-            </a:r>
-          </a:p>
-          <a:p>
-            <a:pPr lvl="0"/>
-            <a:r>
-              <a:rPr lang="en-US" sz="1200" kern="1200">
-                <a:solidFill>
-                  <a:schemeClr val="tx1"/>
-                </a:solidFill>
-                <a:effectLst/>
-                <a:latin typeface="+mn-lt"/>
-                <a:ea typeface="+mn-ea"/>
-                <a:cs typeface="+mn-cs"/>
-              </a:rPr>
-              <a:t>Thiếu các quy trình rõ ràng: Hầu hết các công ty chịu áp lực </a:t>
-            </a:r>
-            <a:r>
-              <a:rPr lang="en-US" sz="1200" kern="1200" smtClean="0">
-                <a:solidFill>
-                  <a:schemeClr val="tx1"/>
-                </a:solidFill>
-                <a:effectLst/>
-                <a:latin typeface="+mn-lt"/>
-                <a:ea typeface="+mn-ea"/>
-                <a:cs typeface="+mn-cs"/>
-              </a:rPr>
-              <a:t>hoàn </a:t>
-            </a:r>
-            <a:r>
-              <a:rPr lang="en-US" sz="1200" kern="1200">
-                <a:solidFill>
-                  <a:schemeClr val="tx1"/>
-                </a:solidFill>
-                <a:effectLst/>
-                <a:latin typeface="+mn-lt"/>
-                <a:ea typeface="+mn-ea"/>
-                <a:cs typeface="+mn-cs"/>
-              </a:rPr>
-              <a:t>thành dự án </a:t>
-            </a:r>
-            <a:r>
-              <a:rPr lang="en-US" sz="1200" kern="1200" smtClean="0">
-                <a:solidFill>
-                  <a:schemeClr val="tx1"/>
-                </a:solidFill>
-                <a:effectLst/>
-                <a:latin typeface="+mn-lt"/>
-                <a:ea typeface="+mn-ea"/>
-                <a:cs typeface="+mn-cs"/>
-              </a:rPr>
-              <a:t>,Người </a:t>
-            </a:r>
-            <a:r>
-              <a:rPr lang="en-US" sz="1200" kern="1200">
-                <a:solidFill>
-                  <a:schemeClr val="tx1"/>
-                </a:solidFill>
-                <a:effectLst/>
-                <a:latin typeface="+mn-lt"/>
-                <a:ea typeface="+mn-ea"/>
-                <a:cs typeface="+mn-cs"/>
-              </a:rPr>
-              <a:t>đánh giá có thể không đủ thời gian hoặc kinh nghiệm để lên kế hoạch cho quá trình lựa </a:t>
-            </a:r>
-            <a:r>
-              <a:rPr lang="en-US" sz="1200" kern="1200" smtClean="0">
-                <a:solidFill>
-                  <a:schemeClr val="tx1"/>
-                </a:solidFill>
-                <a:effectLst/>
-                <a:latin typeface="+mn-lt"/>
-                <a:ea typeface="+mn-ea"/>
-                <a:cs typeface="+mn-cs"/>
-              </a:rPr>
-              <a:t>chọn</a:t>
-            </a:r>
-            <a:endParaRPr lang="en-US" sz="1200" kern="1200">
-              <a:solidFill>
-                <a:schemeClr val="tx1"/>
-              </a:solidFill>
-              <a:effectLst/>
-              <a:latin typeface="+mn-lt"/>
-              <a:ea typeface="+mn-ea"/>
-              <a:cs typeface="+mn-cs"/>
-            </a:endParaRPr>
-          </a:p>
-          <a:p>
-            <a:pPr lvl="0"/>
-            <a:r>
-              <a:rPr lang="en-US" sz="1200" kern="1200">
-                <a:solidFill>
-                  <a:schemeClr val="tx1"/>
-                </a:solidFill>
-                <a:effectLst/>
-                <a:latin typeface="+mn-lt"/>
-                <a:ea typeface="+mn-ea"/>
-                <a:cs typeface="+mn-cs"/>
-              </a:rPr>
-              <a:t>Bản chất “hộp đen” của các thành phần COTS: Thiếu quyền truy cập mã nguồn của các thành phần COTS khiến việc hiểu rõ chúng trở nên khó khăn, và vì vậy việc đánh giá chúng cũng khó hơn. .</a:t>
-            </a:r>
-          </a:p>
-          <a:p>
-            <a:pPr lvl="0"/>
-            <a:r>
-              <a:rPr lang="en-US" sz="1200" kern="1200">
-                <a:solidFill>
-                  <a:schemeClr val="tx1"/>
-                </a:solidFill>
-                <a:effectLst/>
-                <a:latin typeface="+mn-lt"/>
-                <a:ea typeface="+mn-ea"/>
-                <a:cs typeface="+mn-cs"/>
-              </a:rPr>
-              <a:t>Những thay đổi nhanh chóng trên thị trường. Người dùng COTS bị hạn chế hoặc không có quyền kiểm soát sự tiến hóa của chúng. Sự thường xuyên cập nhật của các thành phần COTS và các biến động trên thị trường cũng khiến việc đánh giá trở nên khó khăn..</a:t>
-            </a:r>
-          </a:p>
-          <a:p>
-            <a:pPr lvl="0"/>
-            <a:r>
-              <a:rPr lang="en-US" sz="1200" kern="1200">
-                <a:solidFill>
-                  <a:schemeClr val="tx1"/>
-                </a:solidFill>
-                <a:effectLst/>
-                <a:latin typeface="+mn-lt"/>
-                <a:ea typeface="+mn-ea"/>
-                <a:cs typeface="+mn-cs"/>
-              </a:rPr>
-              <a:t>Sử dụng sai phương pháp hợp nhất dữ liệu. Một cách tiếp cận phổ biến để củng cố kết quả đánh giá là sử dụng các phương pháp tính tổng trọng số (WSM – Weighted sum method).</a:t>
-            </a:r>
-          </a:p>
-          <a:p>
-            <a:endParaRPr lang="en-US"/>
+            <a:endParaRPr lang="en-US" dirty="0"/>
           </a:p>
         </p:txBody>
       </p:sp>
@@ -1845,19 +1702,27 @@
           <a:bodyPr/>
           <a:lstStyle/>
           <a:p>
-            <a:fld id="{58CC9574-A819-4FE4-99A7-1E27AD09ADC2}" type="slidenum">
-              <a:rPr lang="en-US" smtClean="0"/>
+            <a:fld id="{2B891980-0BF3-461C-95D4-87E094E9751C}" type="slidenum">
+              <a:rPr lang="en-US" smtClean="0">
+                <a:solidFill>
+                  <a:prstClr val="black"/>
+                </a:solidFill>
+              </a:rPr>
               <a:pPr/>
               <a:t>16</a:t>
             </a:fld>
-            <a:endParaRPr lang="en-US" dirty="0"/>
+            <a:endParaRPr lang="en-US" dirty="0">
+              <a:solidFill>
+                <a:prstClr val="black"/>
+              </a:solidFill>
+            </a:endParaRPr>
           </a:p>
         </p:txBody>
       </p:sp>
     </p:spTree>
     <p:extLst>
       <p:ext uri="{BB962C8B-B14F-4D97-AF65-F5344CB8AC3E}">
-        <p14:creationId xmlns:p14="http://schemas.microsoft.com/office/powerpoint/2010/main" val="2174939390"/>
+        <p14:creationId xmlns:p14="http://schemas.microsoft.com/office/powerpoint/2010/main" val="3615123071"/>
       </p:ext>
     </p:extLst>
   </p:cSld>
@@ -1908,12 +1773,66 @@
         </p:nvSpPr>
         <p:spPr/>
         <p:txBody>
-          <a:bodyPr>
-            <a:normAutofit/>
-          </a:bodyPr>
+          <a:bodyPr/>
           <a:lstStyle/>
           <a:p>
-            <a:endParaRPr lang="en-US" dirty="0"/>
+            <a:pPr marL="0" marR="0" lvl="0" indent="0" algn="l" defTabSz="914400" rtl="0" eaLnBrk="1" fontAlgn="auto" latinLnBrk="0" hangingPunct="1">
+              <a:lnSpc>
+                <a:spcPct val="100000"/>
+              </a:lnSpc>
+              <a:spcBef>
+                <a:spcPts val="0"/>
+              </a:spcBef>
+              <a:spcAft>
+                <a:spcPts val="0"/>
+              </a:spcAft>
+              <a:buClrTx/>
+              <a:buSzTx/>
+              <a:buFontTx/>
+              <a:buNone/>
+              <a:tabLst/>
+              <a:defRPr/>
+            </a:pPr>
+            <a:r>
+              <a:rPr lang="en-US" sz="1200"/>
+              <a:t>Trong cuộc sống hàng ngày, chúng ta thường đối diện với những sự lựa chọn khó khăn mà ở đó chúng ta không thể quyết định giữa một số lượng các nhu cầu. </a:t>
+            </a:r>
+            <a:r>
+              <a:rPr lang="en-US" sz="1200" kern="1200">
+                <a:solidFill>
+                  <a:schemeClr val="tx1"/>
+                </a:solidFill>
+                <a:effectLst/>
+                <a:latin typeface="+mn-lt"/>
+                <a:ea typeface="+mn-ea"/>
+                <a:cs typeface="+mn-cs"/>
+              </a:rPr>
+              <a:t>Dưới đây là một vài ví dụ của loại tình huống này.  Giả sử chúng ta có nhiều mô hình khác nhau X1, X220, T420… của dòng máy tính xách tay IBM ThinkPad. Mỗi mô hình có những đặc điểm, điểm mạnh riêng (nhỏ gọn, màn hình, cảm ứng, giá….). Những đặc điểm khác nhau này là các tiêu chí mua. Kinh nghiệm nói cho chúng ta biết rằng sản phẩm rẻ nhất không hẳn là yếu nhất, giá và độ mạnh là hai tiêu chí xung đột nhau. Nếu chúng ta sử dụng giá như một tiêu chí để chọn, chúng ta có thể đi đến việc mua một sản phẩm không nằm trong số mạnh nhất. Mặt khác, nếu chúng ta mua sản phẩm mạnh nhất, cũng có thể chúng ta đã mua cái đắt nhất. những nhu cầu xung đột sẽ luôn đi đến một sự thỏa hiệp. Đây là kiểu tình huống chúng ta sẽ quan tâm.</a:t>
+            </a:r>
+          </a:p>
+          <a:p>
+            <a:pPr marL="0" lvl="0" indent="0">
+              <a:buNone/>
+            </a:pPr>
+            <a:r>
+              <a:rPr lang="en-US" sz="1200"/>
+              <a:t>Mỗi quyết định chúng ta thực hiện đòi hỏi sự </a:t>
+            </a:r>
+            <a:r>
+              <a:rPr lang="en-US" sz="1200">
+                <a:solidFill>
+                  <a:srgbClr val="FF0000"/>
+                </a:solidFill>
+              </a:rPr>
+              <a:t>cân bằng nhiều yếu tố </a:t>
+            </a:r>
+            <a:r>
+              <a:rPr lang="en-US" sz="1200"/>
+              <a:t>và điều này hình thành nên một quyết định đa tiêu chí. </a:t>
+            </a:r>
+          </a:p>
+          <a:p>
+            <a:endParaRPr lang="en-US"/>
           </a:p>
         </p:txBody>
       </p:sp>
@@ -1924,7 +1843,7 @@
             <a:spLocks noGrp="1"/>
           </p:cNvSpPr>
           <p:nvPr>
-            <p:ph type="sldNum" sz="quarter" idx="10"/>
+            <p:ph type="sldNum" sz="quarter" idx="5"/>
           </p:nvPr>
         </p:nvSpPr>
         <p:spPr/>
@@ -1932,27 +1851,19 @@
           <a:bodyPr/>
           <a:lstStyle/>
           <a:p>
-            <a:fld id="{2B891980-0BF3-461C-95D4-87E094E9751C}" type="slidenum">
-              <a:rPr lang="en-US" smtClean="0">
-                <a:solidFill>
-                  <a:prstClr val="black"/>
-                </a:solidFill>
-              </a:rPr>
+            <a:fld id="{58CC9574-A819-4FE4-99A7-1E27AD09ADC2}" type="slidenum">
+              <a:rPr lang="en-US" smtClean="0"/>
               <a:pPr/>
               <a:t>17</a:t>
             </a:fld>
-            <a:endParaRPr lang="en-US" dirty="0">
-              <a:solidFill>
-                <a:prstClr val="black"/>
-              </a:solidFill>
-            </a:endParaRPr>
+            <a:endParaRPr lang="en-US" dirty="0"/>
           </a:p>
         </p:txBody>
       </p:sp>
     </p:spTree>
     <p:extLst>
       <p:ext uri="{BB962C8B-B14F-4D97-AF65-F5344CB8AC3E}">
-        <p14:creationId xmlns:p14="http://schemas.microsoft.com/office/powerpoint/2010/main" val="3615123071"/>
+        <p14:creationId xmlns:p14="http://schemas.microsoft.com/office/powerpoint/2010/main" val="1508811968"/>
       </p:ext>
     </p:extLst>
   </p:cSld>
@@ -2024,10 +1935,6 @@
               <a:defRPr/>
             </a:pPr>
             <a:r>
-              <a:rPr lang="en-US" sz="1200"/>
-              <a:t>Trong cuộc sống hàng ngày, chúng ta thường đối diện với những sự lựa chọn khó khăn mà ở đó chúng ta không thể quyết định giữa một số lượng các nhu cầu. </a:t>
-            </a:r>
-            <a:r>
               <a:rPr lang="en-US" sz="1200" kern="1200">
                 <a:solidFill>
                   <a:schemeClr val="tx1"/>
@@ -2037,28 +1944,7 @@
                 <a:ea typeface="+mn-ea"/>
                 <a:cs typeface="+mn-cs"/>
               </a:rPr>
-              <a:t>Dưới đây là một vài ví dụ của loại tình huống này.  Giả sử chúng ta có nhiều mô hình khác nhau X1, X220, T420… của dòng máy tính xách tay IBM ThinkPad. Mỗi mô hình có những đặc điểm, điểm mạnh riêng (nhỏ gọn, màn hình, cảm ứng, giá….). Những đặc điểm khác nhau này là các tiêu chí mua. Kinh nghiệm nói cho chúng ta biết rằng sản phẩm rẻ nhất không hẳn là yếu nhất, giá và độ mạnh là hai tiêu chí xung đột nhau. Nếu chúng ta sử dụng giá như một tiêu chí để chọn, chúng ta có thể đi đến việc mua một sản phẩm không nằm trong số mạnh nhất. Mặt khác, nếu chúng ta mua sản phẩm mạnh nhất, cũng có thể chúng ta đã mua cái đắt nhất. những nhu cầu xung đột sẽ luôn đi đến một sự thỏa hiệp. Đây là kiểu tình huống chúng ta sẽ quan tâm.</a:t>
-            </a:r>
-          </a:p>
-          <a:p>
-            <a:pPr marL="0" lvl="0" indent="0">
-              <a:buNone/>
-            </a:pPr>
-            <a:r>
-              <a:rPr lang="en-US" sz="1200"/>
-              <a:t>Mỗi quyết định chúng ta thực hiện đòi hỏi sự </a:t>
-            </a:r>
-            <a:r>
-              <a:rPr lang="en-US" sz="1200">
-                <a:solidFill>
-                  <a:srgbClr val="FF0000"/>
-                </a:solidFill>
-              </a:rPr>
-              <a:t>cân bằng nhiều yếu tố </a:t>
-            </a:r>
-            <a:r>
-              <a:rPr lang="en-US" sz="1200"/>
-              <a:t>và điều này hình thành nên một quyết định đa tiêu chí. </a:t>
+              <a:t>Một trong những mục tiêu nguyên lý của cách tiếp cận MCDA là hỗ trợ người ra quyết định (Decision Maker) tổ chức và tổng hợp các thông tin theo cách khiến họ cảm thấy tiện nghi hơn và tin tưởng hơn về việc ra quyết định, tối thiểu hóa tiềm năng hối tiếc về những quyết định đã ra bằng việc thỏa mãn rằng tất cả tiêu chí đã được xem xét.</a:t>
             </a:r>
           </a:p>
           <a:p>
@@ -2093,7 +1979,7 @@
     </p:spTree>
     <p:extLst>
       <p:ext uri="{BB962C8B-B14F-4D97-AF65-F5344CB8AC3E}">
-        <p14:creationId xmlns:p14="http://schemas.microsoft.com/office/powerpoint/2010/main" val="1508811968"/>
+        <p14:creationId xmlns:p14="http://schemas.microsoft.com/office/powerpoint/2010/main" val="1642437500"/>
       </p:ext>
     </p:extLst>
   </p:cSld>
@@ -2104,209 +1990,6 @@
 </file>
 
 <file path=ppt/notesSlides/notesSlide19.xml><?xml version="1.0" encoding="utf-8"?>
-<p:notes xmlns:a="http://schemas.openxmlformats.org/drawingml/2006/main" xmlns:r="http://schemas.openxmlformats.org/officeDocument/2006/relationships" xmlns:p="http://schemas.openxmlformats.org/presentationml/2006/main">
-  <p:cSld>
-    <p:spTree>
-      <p:nvGrpSpPr>
-        <p:cNvPr id="1" name=""/>
-        <p:cNvGrpSpPr/>
-        <p:nvPr/>
-      </p:nvGrpSpPr>
-      <p:grpSpPr>
-        <a:xfrm>
-          <a:off x="0" y="0"/>
-          <a:ext cx="0" cy="0"/>
-          <a:chOff x="0" y="0"/>
-          <a:chExt cx="0" cy="0"/>
-        </a:xfrm>
-      </p:grpSpPr>
-      <p:sp>
-        <p:nvSpPr>
-          <p:cNvPr id="2" name="Slide Image Placeholder 1"/>
-          <p:cNvSpPr>
-            <a:spLocks noGrp="1" noRot="1" noChangeAspect="1"/>
-          </p:cNvSpPr>
-          <p:nvPr>
-            <p:ph type="sldImg"/>
-          </p:nvPr>
-        </p:nvSpPr>
-        <p:spPr/>
-      </p:sp>
-      <p:sp>
-        <p:nvSpPr>
-          <p:cNvPr id="3" name="Notes Placeholder 2"/>
-          <p:cNvSpPr>
-            <a:spLocks noGrp="1"/>
-          </p:cNvSpPr>
-          <p:nvPr>
-            <p:ph type="body" idx="1"/>
-          </p:nvPr>
-        </p:nvSpPr>
-        <p:spPr/>
-        <p:txBody>
-          <a:bodyPr/>
-          <a:lstStyle/>
-          <a:p>
-            <a:pPr marL="0" marR="0" lvl="0" indent="0" algn="l" defTabSz="914400" rtl="0" eaLnBrk="1" fontAlgn="auto" latinLnBrk="0" hangingPunct="1">
-              <a:lnSpc>
-                <a:spcPct val="100000"/>
-              </a:lnSpc>
-              <a:spcBef>
-                <a:spcPts val="0"/>
-              </a:spcBef>
-              <a:spcAft>
-                <a:spcPts val="0"/>
-              </a:spcAft>
-              <a:buClrTx/>
-              <a:buSzTx/>
-              <a:buFontTx/>
-              <a:buNone/>
-              <a:tabLst/>
-              <a:defRPr/>
-            </a:pPr>
-            <a:r>
-              <a:rPr lang="en-US" sz="1200" kern="1200">
-                <a:solidFill>
-                  <a:schemeClr val="tx1"/>
-                </a:solidFill>
-                <a:effectLst/>
-                <a:latin typeface="+mn-lt"/>
-                <a:ea typeface="+mn-ea"/>
-                <a:cs typeface="+mn-cs"/>
-              </a:rPr>
-              <a:t>Một trong những mục tiêu nguyên lý của cách tiếp cận MCDA là hỗ trợ người ra quyết định (Decision Maker) tổ chức và tổng hợp các thông tin theo cách khiến họ cảm thấy tiện nghi hơn và tin tưởng hơn về việc ra quyết định, tối thiểu hóa tiềm năng hối tiếc về những quyết định đã ra bằng việc thỏa mãn rằng tất cả tiêu chí đã được xem xét.</a:t>
-            </a:r>
-          </a:p>
-          <a:p>
-            <a:endParaRPr lang="en-US"/>
-          </a:p>
-        </p:txBody>
-      </p:sp>
-      <p:sp>
-        <p:nvSpPr>
-          <p:cNvPr id="4" name="Slide Number Placeholder 3"/>
-          <p:cNvSpPr>
-            <a:spLocks noGrp="1"/>
-          </p:cNvSpPr>
-          <p:nvPr>
-            <p:ph type="sldNum" sz="quarter" idx="5"/>
-          </p:nvPr>
-        </p:nvSpPr>
-        <p:spPr/>
-        <p:txBody>
-          <a:bodyPr/>
-          <a:lstStyle/>
-          <a:p>
-            <a:fld id="{58CC9574-A819-4FE4-99A7-1E27AD09ADC2}" type="slidenum">
-              <a:rPr lang="en-US" smtClean="0"/>
-              <a:pPr/>
-              <a:t>19</a:t>
-            </a:fld>
-            <a:endParaRPr lang="en-US" dirty="0"/>
-          </a:p>
-        </p:txBody>
-      </p:sp>
-    </p:spTree>
-    <p:extLst>
-      <p:ext uri="{BB962C8B-B14F-4D97-AF65-F5344CB8AC3E}">
-        <p14:creationId xmlns:p14="http://schemas.microsoft.com/office/powerpoint/2010/main" val="1642437500"/>
-      </p:ext>
-    </p:extLst>
-  </p:cSld>
-  <p:clrMapOvr>
-    <a:masterClrMapping/>
-  </p:clrMapOvr>
-</p:notes>
-</file>
-
-<file path=ppt/notesSlides/notesSlide2.xml><?xml version="1.0" encoding="utf-8"?>
-<p:notes xmlns:a="http://schemas.openxmlformats.org/drawingml/2006/main" xmlns:r="http://schemas.openxmlformats.org/officeDocument/2006/relationships" xmlns:p="http://schemas.openxmlformats.org/presentationml/2006/main">
-  <p:cSld>
-    <p:spTree>
-      <p:nvGrpSpPr>
-        <p:cNvPr id="1" name=""/>
-        <p:cNvGrpSpPr/>
-        <p:nvPr/>
-      </p:nvGrpSpPr>
-      <p:grpSpPr>
-        <a:xfrm>
-          <a:off x="0" y="0"/>
-          <a:ext cx="0" cy="0"/>
-          <a:chOff x="0" y="0"/>
-          <a:chExt cx="0" cy="0"/>
-        </a:xfrm>
-      </p:grpSpPr>
-      <p:sp>
-        <p:nvSpPr>
-          <p:cNvPr id="2" name="Slide Image Placeholder 1"/>
-          <p:cNvSpPr>
-            <a:spLocks noGrp="1" noRot="1" noChangeAspect="1"/>
-          </p:cNvSpPr>
-          <p:nvPr>
-            <p:ph type="sldImg"/>
-          </p:nvPr>
-        </p:nvSpPr>
-        <p:spPr/>
-      </p:sp>
-      <p:sp>
-        <p:nvSpPr>
-          <p:cNvPr id="3" name="Notes Placeholder 2"/>
-          <p:cNvSpPr>
-            <a:spLocks noGrp="1"/>
-          </p:cNvSpPr>
-          <p:nvPr>
-            <p:ph type="body" idx="1"/>
-          </p:nvPr>
-        </p:nvSpPr>
-        <p:spPr/>
-        <p:txBody>
-          <a:bodyPr>
-            <a:normAutofit/>
-          </a:bodyPr>
-          <a:lstStyle/>
-          <a:p>
-            <a:endParaRPr lang="en-US" dirty="0"/>
-          </a:p>
-        </p:txBody>
-      </p:sp>
-      <p:sp>
-        <p:nvSpPr>
-          <p:cNvPr id="4" name="Slide Number Placeholder 3"/>
-          <p:cNvSpPr>
-            <a:spLocks noGrp="1"/>
-          </p:cNvSpPr>
-          <p:nvPr>
-            <p:ph type="sldNum" sz="quarter" idx="10"/>
-          </p:nvPr>
-        </p:nvSpPr>
-        <p:spPr/>
-        <p:txBody>
-          <a:bodyPr/>
-          <a:lstStyle/>
-          <a:p>
-            <a:fld id="{2B891980-0BF3-461C-95D4-87E094E9751C}" type="slidenum">
-              <a:rPr lang="en-US" smtClean="0"/>
-              <a:pPr/>
-              <a:t>2</a:t>
-            </a:fld>
-            <a:endParaRPr lang="en-US" dirty="0"/>
-          </a:p>
-        </p:txBody>
-      </p:sp>
-    </p:spTree>
-    <p:extLst>
-      <p:ext uri="{BB962C8B-B14F-4D97-AF65-F5344CB8AC3E}">
-        <p14:creationId xmlns:p14="http://schemas.microsoft.com/office/powerpoint/2010/main" val="645836861"/>
-      </p:ext>
-    </p:extLst>
-  </p:cSld>
-  <p:clrMapOvr>
-    <a:masterClrMapping/>
-  </p:clrMapOvr>
-</p:notes>
-</file>
-
-<file path=ppt/notesSlides/notesSlide20.xml><?xml version="1.0" encoding="utf-8"?>
 <p:notes xmlns:a="http://schemas.openxmlformats.org/drawingml/2006/main" xmlns:r="http://schemas.openxmlformats.org/officeDocument/2006/relationships" xmlns:p="http://schemas.openxmlformats.org/presentationml/2006/main">
   <p:cSld>
     <p:spTree>
@@ -2720,7 +2403,7 @@
             <a:fld id="{58CC9574-A819-4FE4-99A7-1E27AD09ADC2}" type="slidenum">
               <a:rPr lang="en-US" smtClean="0"/>
               <a:pPr/>
-              <a:t>20</a:t>
+              <a:t>19</a:t>
             </a:fld>
             <a:endParaRPr lang="en-US" dirty="0"/>
           </a:p>
@@ -2730,6 +2413,249 @@
     <p:extLst>
       <p:ext uri="{BB962C8B-B14F-4D97-AF65-F5344CB8AC3E}">
         <p14:creationId xmlns:p14="http://schemas.microsoft.com/office/powerpoint/2010/main" val="3331611847"/>
+      </p:ext>
+    </p:extLst>
+  </p:cSld>
+  <p:clrMapOvr>
+    <a:masterClrMapping/>
+  </p:clrMapOvr>
+</p:notes>
+</file>
+
+<file path=ppt/notesSlides/notesSlide2.xml><?xml version="1.0" encoding="utf-8"?>
+<p:notes xmlns:a="http://schemas.openxmlformats.org/drawingml/2006/main" xmlns:r="http://schemas.openxmlformats.org/officeDocument/2006/relationships" xmlns:p="http://schemas.openxmlformats.org/presentationml/2006/main">
+  <p:cSld>
+    <p:spTree>
+      <p:nvGrpSpPr>
+        <p:cNvPr id="1" name=""/>
+        <p:cNvGrpSpPr/>
+        <p:nvPr/>
+      </p:nvGrpSpPr>
+      <p:grpSpPr>
+        <a:xfrm>
+          <a:off x="0" y="0"/>
+          <a:ext cx="0" cy="0"/>
+          <a:chOff x="0" y="0"/>
+          <a:chExt cx="0" cy="0"/>
+        </a:xfrm>
+      </p:grpSpPr>
+      <p:sp>
+        <p:nvSpPr>
+          <p:cNvPr id="2" name="Slide Image Placeholder 1"/>
+          <p:cNvSpPr>
+            <a:spLocks noGrp="1" noRot="1" noChangeAspect="1"/>
+          </p:cNvSpPr>
+          <p:nvPr>
+            <p:ph type="sldImg"/>
+          </p:nvPr>
+        </p:nvSpPr>
+        <p:spPr/>
+      </p:sp>
+      <p:sp>
+        <p:nvSpPr>
+          <p:cNvPr id="3" name="Notes Placeholder 2"/>
+          <p:cNvSpPr>
+            <a:spLocks noGrp="1"/>
+          </p:cNvSpPr>
+          <p:nvPr>
+            <p:ph type="body" idx="1"/>
+          </p:nvPr>
+        </p:nvSpPr>
+        <p:spPr/>
+        <p:txBody>
+          <a:bodyPr>
+            <a:normAutofit/>
+          </a:bodyPr>
+          <a:lstStyle/>
+          <a:p>
+            <a:endParaRPr lang="en-US" dirty="0"/>
+          </a:p>
+        </p:txBody>
+      </p:sp>
+      <p:sp>
+        <p:nvSpPr>
+          <p:cNvPr id="4" name="Slide Number Placeholder 3"/>
+          <p:cNvSpPr>
+            <a:spLocks noGrp="1"/>
+          </p:cNvSpPr>
+          <p:nvPr>
+            <p:ph type="sldNum" sz="quarter" idx="10"/>
+          </p:nvPr>
+        </p:nvSpPr>
+        <p:spPr/>
+        <p:txBody>
+          <a:bodyPr/>
+          <a:lstStyle/>
+          <a:p>
+            <a:fld id="{2B891980-0BF3-461C-95D4-87E094E9751C}" type="slidenum">
+              <a:rPr lang="en-US" smtClean="0"/>
+              <a:pPr/>
+              <a:t>2</a:t>
+            </a:fld>
+            <a:endParaRPr lang="en-US" dirty="0"/>
+          </a:p>
+        </p:txBody>
+      </p:sp>
+    </p:spTree>
+    <p:extLst>
+      <p:ext uri="{BB962C8B-B14F-4D97-AF65-F5344CB8AC3E}">
+        <p14:creationId xmlns:p14="http://schemas.microsoft.com/office/powerpoint/2010/main" val="645836861"/>
+      </p:ext>
+    </p:extLst>
+  </p:cSld>
+  <p:clrMapOvr>
+    <a:masterClrMapping/>
+  </p:clrMapOvr>
+</p:notes>
+</file>
+
+<file path=ppt/notesSlides/notesSlide20.xml><?xml version="1.0" encoding="utf-8"?>
+<p:notes xmlns:a="http://schemas.openxmlformats.org/drawingml/2006/main" xmlns:r="http://schemas.openxmlformats.org/officeDocument/2006/relationships" xmlns:p="http://schemas.openxmlformats.org/presentationml/2006/main">
+  <p:cSld>
+    <p:spTree>
+      <p:nvGrpSpPr>
+        <p:cNvPr id="1" name=""/>
+        <p:cNvGrpSpPr/>
+        <p:nvPr/>
+      </p:nvGrpSpPr>
+      <p:grpSpPr>
+        <a:xfrm>
+          <a:off x="0" y="0"/>
+          <a:ext cx="0" cy="0"/>
+          <a:chOff x="0" y="0"/>
+          <a:chExt cx="0" cy="0"/>
+        </a:xfrm>
+      </p:grpSpPr>
+      <p:sp>
+        <p:nvSpPr>
+          <p:cNvPr id="2" name="Slide Image Placeholder 1"/>
+          <p:cNvSpPr>
+            <a:spLocks noGrp="1" noRot="1" noChangeAspect="1"/>
+          </p:cNvSpPr>
+          <p:nvPr>
+            <p:ph type="sldImg"/>
+          </p:nvPr>
+        </p:nvSpPr>
+        <p:spPr/>
+      </p:sp>
+      <p:sp>
+        <p:nvSpPr>
+          <p:cNvPr id="3" name="Notes Placeholder 2"/>
+          <p:cNvSpPr>
+            <a:spLocks noGrp="1"/>
+          </p:cNvSpPr>
+          <p:nvPr>
+            <p:ph type="body" idx="1"/>
+          </p:nvPr>
+        </p:nvSpPr>
+        <p:spPr/>
+        <p:txBody>
+          <a:bodyPr>
+            <a:normAutofit/>
+          </a:bodyPr>
+          <a:lstStyle/>
+          <a:p>
+            <a:r>
+              <a:rPr lang="vi-VN" altLang="en-US" dirty="0"/>
+              <a:t>- Áp dụng quy trình đánh giá thành phần và phương pháp tính tổng trọng số vào đồ án nhóm.</a:t>
+            </a:r>
+          </a:p>
+          <a:p>
+            <a:r>
+              <a:rPr lang="vi-VN" altLang="en-US" dirty="0"/>
+              <a:t>- Đề tài Xây dựng công cụ quản lý thời gian cho nhóm làm việc ít người, yêu cầu hỗ trợ responsive, sử dụng RESTful API xây dựng web service, có giao diện đồ họa truy vấn API để hiển thị thông tin từ cơ sở dữ liệu.</a:t>
+            </a:r>
+          </a:p>
+          <a:p>
+            <a:pPr marL="171450" indent="-171450">
+              <a:buFontTx/>
+              <a:buChar char="-"/>
+            </a:pPr>
+            <a:r>
+              <a:rPr lang="vi-VN" altLang="en-US" smtClean="0"/>
+              <a:t>Nhóm </a:t>
+            </a:r>
+            <a:r>
+              <a:rPr lang="vi-VN" altLang="en-US" dirty="0"/>
+              <a:t>6 phụ trách xây dựng giao diện đồ họa người dùng (GUI), từ yêu cầu của đề tài, nhóm lựa chọn các framework sau làm ứng </a:t>
+            </a:r>
+            <a:r>
+              <a:rPr lang="vi-VN" altLang="en-US"/>
+              <a:t>viên</a:t>
+            </a:r>
+            <a:r>
+              <a:rPr lang="vi-VN" altLang="en-US" smtClean="0"/>
+              <a:t>.</a:t>
+            </a:r>
+          </a:p>
+          <a:p>
+            <a:pPr marL="171450" indent="-171450">
+              <a:buFontTx/>
+              <a:buChar char="-"/>
+            </a:pPr>
+            <a:endParaRPr lang="vi-VN" smtClean="0"/>
+          </a:p>
+          <a:p>
+            <a:pPr marL="0" indent="0">
+              <a:buFontTx/>
+              <a:buNone/>
+            </a:pPr>
+            <a:r>
+              <a:rPr lang="vi-VN" smtClean="0"/>
+              <a:t>- Vd</a:t>
+            </a:r>
+            <a:r>
+              <a:rPr lang="vi-VN" baseline="0" smtClean="0"/>
+              <a:t>  giờ chúng ta cần xây dựng môt hệ thống quản lý thời gian, yêu cầu là </a:t>
+            </a:r>
+            <a:r>
+              <a:rPr lang="vi-VN" altLang="en-US" smtClean="0"/>
+              <a:t>hỗ trợ responsive, sử dụng RESTful API ,có giao diện đồ họa truy vấn API để hiển thị thông tin từ cơ sở dữ liệu và</a:t>
+            </a:r>
+            <a:r>
+              <a:rPr lang="vi-VN" altLang="en-US" baseline="0" smtClean="0"/>
+              <a:t> chúng ta cần phải tìm ứng củ viên thích hợp để xây dựng phía FE</a:t>
+            </a:r>
+            <a:endParaRPr lang="en-US" dirty="0"/>
+          </a:p>
+        </p:txBody>
+      </p:sp>
+      <p:sp>
+        <p:nvSpPr>
+          <p:cNvPr id="4" name="Slide Number Placeholder 3"/>
+          <p:cNvSpPr>
+            <a:spLocks noGrp="1"/>
+          </p:cNvSpPr>
+          <p:nvPr>
+            <p:ph type="sldNum" sz="quarter" idx="10"/>
+          </p:nvPr>
+        </p:nvSpPr>
+        <p:spPr/>
+        <p:txBody>
+          <a:bodyPr/>
+          <a:lstStyle/>
+          <a:p>
+            <a:fld id="{2B891980-0BF3-461C-95D4-87E094E9751C}" type="slidenum">
+              <a:rPr lang="en-US" smtClean="0">
+                <a:solidFill>
+                  <a:prstClr val="black"/>
+                </a:solidFill>
+              </a:rPr>
+              <a:pPr/>
+              <a:t>21</a:t>
+            </a:fld>
+            <a:endParaRPr lang="en-US" dirty="0">
+              <a:solidFill>
+                <a:prstClr val="black"/>
+              </a:solidFill>
+            </a:endParaRPr>
+          </a:p>
+        </p:txBody>
+      </p:sp>
+    </p:spTree>
+    <p:extLst>
+      <p:ext uri="{BB962C8B-B14F-4D97-AF65-F5344CB8AC3E}">
+        <p14:creationId xmlns:p14="http://schemas.microsoft.com/office/powerpoint/2010/main" val="1492104440"/>
       </p:ext>
     </p:extLst>
   </p:cSld>
@@ -2780,20 +2706,39 @@
         </p:nvSpPr>
         <p:spPr/>
         <p:txBody>
-          <a:bodyPr>
-            <a:normAutofit/>
-          </a:bodyPr>
+          <a:bodyPr/>
           <a:lstStyle/>
           <a:p>
             <a:r>
+              <a:rPr lang="vi-VN" altLang="en-US" smtClean="0"/>
+              <a:t>Theo như</a:t>
+            </a:r>
+            <a:r>
+              <a:rPr lang="vi-VN" altLang="en-US" baseline="0" smtClean="0"/>
+              <a:t> khảo sát và tìm kiếm trên mang thì có 3 ứng cử viên thích hợp</a:t>
+            </a:r>
+            <a:endParaRPr lang="vi-VN" altLang="en-US" smtClean="0"/>
+          </a:p>
+          <a:p>
+            <a:r>
+              <a:rPr lang="vi-VN" altLang="en-US" smtClean="0"/>
+              <a:t>- </a:t>
+            </a:r>
+            <a:r>
               <a:rPr lang="vi-VN" altLang="en-US" dirty="0"/>
-              <a:t>- Áp dụng quy trình đánh giá thành phần và phương pháp tính tổng trọng số vào đồ án nhóm.</a:t>
+              <a:t>Angular 4 là javascript framework được phát triển bởi Google.</a:t>
             </a:r>
           </a:p>
           <a:p>
             <a:r>
               <a:rPr lang="vi-VN" altLang="en-US" dirty="0"/>
-              <a:t>- Đề tài Xây dựng công cụ quản lý thời gian cho nhóm làm việc ít người, yêu cầu hỗ trợ responsive, sử dụng RESTful API xây dựng web service, có giao diện đồ họa truy vấn API để hiển thị thông tin từ cơ sở dữ liệu.</a:t>
+              <a:t>- React là thư viện hỗ trợ xây dựng giao diện phát triển bởi Facebook.</a:t>
+            </a:r>
+          </a:p>
+          <a:p>
+            <a:r>
+              <a:rPr lang="vi-VN" altLang="en-US" dirty="0"/>
+              <a:t>- Vue.js được xây dựng bởi 1 cựu kĩ sư của Google và được phát triển bởi 1 cộng đồng lập trình viên.</a:t>
             </a:r>
           </a:p>
           <a:p>
@@ -2803,19 +2748,19 @@
             </a:pPr>
             <a:r>
               <a:rPr lang="vi-VN" altLang="en-US" smtClean="0"/>
-              <a:t>Nhóm </a:t>
+              <a:t>Cả </a:t>
             </a:r>
             <a:r>
               <a:rPr lang="vi-VN" altLang="en-US" dirty="0"/>
-              <a:t>6 phụ trách xây dựng giao diện đồ họa người dùng (GUI), từ yêu cầu của đề tài, nhóm lựa chọn các framework sau làm ứng </a:t>
+              <a:t>3 đều cung cấp các tính năng hỗ trợ việc xây dựng website phù hợp với yêu cầu </a:t>
             </a:r>
             <a:r>
               <a:rPr lang="vi-VN" altLang="en-US"/>
-              <a:t>viên</a:t>
+              <a:t>đề </a:t>
             </a:r>
             <a:r>
               <a:rPr lang="vi-VN" altLang="en-US" smtClean="0"/>
-              <a:t>.</a:t>
+              <a:t>tài</a:t>
             </a:r>
           </a:p>
           <a:p>
@@ -2823,28 +2768,13 @@
               <a:buFontTx/>
               <a:buChar char="-"/>
             </a:pPr>
-            <a:endParaRPr lang="vi-VN" smtClean="0"/>
-          </a:p>
-          <a:p>
-            <a:pPr marL="0" indent="0">
-              <a:buFontTx/>
-              <a:buNone/>
-            </a:pPr>
             <a:r>
               <a:rPr lang="vi-VN" smtClean="0"/>
-              <a:t>- Vd</a:t>
+              <a:t>giả</a:t>
             </a:r>
             <a:r>
               <a:rPr lang="vi-VN" baseline="0" smtClean="0"/>
-              <a:t>  giờ chúng ta cần xây dựng môt hệ thống quản lý thời gian, yêu cầu là </a:t>
-            </a:r>
-            <a:r>
-              <a:rPr lang="vi-VN" altLang="en-US" smtClean="0"/>
-              <a:t>hỗ trợ responsive, sử dụng RESTful API ,có giao diện đồ họa truy vấn API để hiển thị thông tin từ cơ sở dữ liệu và</a:t>
-            </a:r>
-            <a:r>
-              <a:rPr lang="vi-VN" altLang="en-US" baseline="0" smtClean="0"/>
-              <a:t> chúng ta cần phải tìm ứng củ viên thích hợp để xây dựng phía FE</a:t>
+              <a:t> sử như ta chưa từng làm qua frame này thì làm sao để biết mà lựa chọn</a:t>
             </a:r>
             <a:endParaRPr lang="en-US" dirty="0"/>
           </a:p>
@@ -2865,27 +2795,19 @@
           <a:bodyPr/>
           <a:lstStyle/>
           <a:p>
-            <a:fld id="{2B891980-0BF3-461C-95D4-87E094E9751C}" type="slidenum">
-              <a:rPr lang="en-US" smtClean="0">
-                <a:solidFill>
-                  <a:prstClr val="black"/>
-                </a:solidFill>
-              </a:rPr>
+            <a:fld id="{58CC9574-A819-4FE4-99A7-1E27AD09ADC2}" type="slidenum">
+              <a:rPr lang="en-US" smtClean="0"/>
               <a:pPr/>
               <a:t>22</a:t>
             </a:fld>
-            <a:endParaRPr lang="en-US" dirty="0">
-              <a:solidFill>
-                <a:prstClr val="black"/>
-              </a:solidFill>
-            </a:endParaRPr>
+            <a:endParaRPr lang="en-US" dirty="0"/>
           </a:p>
         </p:txBody>
       </p:sp>
     </p:spTree>
     <p:extLst>
       <p:ext uri="{BB962C8B-B14F-4D97-AF65-F5344CB8AC3E}">
-        <p14:creationId xmlns:p14="http://schemas.microsoft.com/office/powerpoint/2010/main" val="1492104440"/>
+        <p14:creationId xmlns:p14="http://schemas.microsoft.com/office/powerpoint/2010/main" val="2445153665"/>
       </p:ext>
     </p:extLst>
   </p:cSld>
@@ -2896,6 +2818,239 @@
 </file>
 
 <file path=ppt/notesSlides/notesSlide22.xml><?xml version="1.0" encoding="utf-8"?>
+<p:notes xmlns:a="http://schemas.openxmlformats.org/drawingml/2006/main" xmlns:r="http://schemas.openxmlformats.org/officeDocument/2006/relationships" xmlns:p="http://schemas.openxmlformats.org/presentationml/2006/main">
+  <p:cSld>
+    <p:spTree>
+      <p:nvGrpSpPr>
+        <p:cNvPr id="1" name=""/>
+        <p:cNvGrpSpPr/>
+        <p:nvPr/>
+      </p:nvGrpSpPr>
+      <p:grpSpPr>
+        <a:xfrm>
+          <a:off x="0" y="0"/>
+          <a:ext cx="0" cy="0"/>
+          <a:chOff x="0" y="0"/>
+          <a:chExt cx="0" cy="0"/>
+        </a:xfrm>
+      </p:grpSpPr>
+      <p:sp>
+        <p:nvSpPr>
+          <p:cNvPr id="4" name="Slide Image Placeholder 3"/>
+          <p:cNvSpPr>
+            <a:spLocks noGrp="1" noRot="1" noChangeAspect="1"/>
+          </p:cNvSpPr>
+          <p:nvPr>
+            <p:ph type="sldImg" idx="2"/>
+          </p:nvPr>
+        </p:nvSpPr>
+        <p:spPr/>
+      </p:sp>
+      <p:sp>
+        <p:nvSpPr>
+          <p:cNvPr id="5" name="Notes Placeholder 4"/>
+          <p:cNvSpPr>
+            <a:spLocks noGrp="1"/>
+          </p:cNvSpPr>
+          <p:nvPr>
+            <p:ph type="body" sz="quarter" idx="3"/>
+          </p:nvPr>
+        </p:nvSpPr>
+        <p:spPr/>
+        <p:txBody>
+          <a:bodyPr/>
+          <a:lstStyle/>
+          <a:p>
+            <a:r>
+              <a:rPr lang="vi-VN" altLang="en-US" smtClean="0"/>
+              <a:t>- Trước</a:t>
+            </a:r>
+            <a:r>
+              <a:rPr lang="vi-VN" altLang="en-US" baseline="0" smtClean="0"/>
+              <a:t> tiên chúng ta cần phải đưa ra những tiêu chí đánh giá cho các giải pháp</a:t>
+            </a:r>
+            <a:endParaRPr lang="vi-VN" altLang="en-US" smtClean="0"/>
+          </a:p>
+          <a:p>
+            <a:pPr algn="l"/>
+            <a:r>
+              <a:rPr lang="vi-VN" altLang="en-US" smtClean="0"/>
+              <a:t>- Tiêu chí đánh giá đầu tiên là hỗ trợ xây dựng Single Page Application, đây là yêu cầu quan trọng và</a:t>
+            </a:r>
+            <a:r>
+              <a:rPr lang="vi-VN" altLang="en-US" baseline="0" smtClean="0"/>
+              <a:t> chắc chắn phải có</a:t>
+            </a:r>
+            <a:r>
+              <a:rPr lang="vi-VN" altLang="en-US" smtClean="0"/>
+              <a:t> nên được đề ra đầu tiên và chiếm 15% số điểm.</a:t>
+            </a:r>
+          </a:p>
+          <a:p>
+            <a:r>
+              <a:rPr lang="vi-VN" altLang="en-US" smtClean="0"/>
+              <a:t>- Do phía client cũng thực hiện các tính toán logic để đưa ra dữ liệu đúng đắn trước khi thực hiện truy vấn xuống server, việc tính toán làm</a:t>
+            </a:r>
+            <a:r>
+              <a:rPr lang="vi-VN" altLang="en-US" baseline="0" smtClean="0"/>
+              <a:t> sao </a:t>
+            </a:r>
+            <a:r>
+              <a:rPr lang="vi-VN" altLang="en-US" smtClean="0"/>
+              <a:t>không ảnh hưởng đến tốc độ xử lý thao tác của người dùng trên giao diện</a:t>
+            </a:r>
+            <a:r>
+              <a:rPr lang="vi-VN" altLang="en-US" baseline="0" smtClean="0"/>
+              <a:t> nên </a:t>
+            </a:r>
+            <a:r>
+              <a:rPr lang="vi-VN" altLang="en-US" smtClean="0"/>
+              <a:t>hiệu năng khá</a:t>
+            </a:r>
+            <a:r>
+              <a:rPr lang="vi-VN" altLang="en-US" baseline="0" smtClean="0"/>
+              <a:t> quang trọng</a:t>
+            </a:r>
+            <a:r>
+              <a:rPr lang="vi-VN" altLang="en-US" smtClean="0"/>
+              <a:t> chiếm 15% điểm</a:t>
+            </a:r>
+            <a:r>
+              <a:rPr lang="vi-VN" altLang="en-US" baseline="0" smtClean="0"/>
+              <a:t> trọng số</a:t>
+            </a:r>
+            <a:endParaRPr lang="vi-VN" altLang="en-US" smtClean="0"/>
+          </a:p>
+          <a:p>
+            <a:r>
+              <a:rPr lang="vi-VN" altLang="en-US" smtClean="0"/>
+              <a:t>- </a:t>
+            </a:r>
+            <a:r>
+              <a:rPr lang="vi-VN" altLang="en-US" dirty="0"/>
+              <a:t>Hỗ trợ RESTful API là điều kiện cần có, tỉ lệ 15% trên tổng điểm.</a:t>
+            </a:r>
+          </a:p>
+          <a:p>
+            <a:r>
+              <a:rPr lang="vi-VN" altLang="en-US" dirty="0"/>
+              <a:t>- Có thư viện hỗ trợ responsive, đây cũng là yêu cầu bắt buộc, nên tiêu chí này chỉ chiếm 10% điểm.</a:t>
+            </a:r>
+          </a:p>
+          <a:p>
+            <a:r>
+              <a:rPr lang="vi-VN" altLang="en-US" dirty="0"/>
+              <a:t>- Hỗ trợ xây dựng component để tái sử </a:t>
+            </a:r>
+            <a:r>
+              <a:rPr lang="vi-VN" altLang="en-US"/>
+              <a:t>dụng </a:t>
+            </a:r>
+            <a:r>
+              <a:rPr lang="vi-VN" altLang="en-US" smtClean="0"/>
+              <a:t>là </a:t>
+            </a:r>
+            <a:r>
+              <a:rPr lang="vi-VN" altLang="en-US" dirty="0"/>
+              <a:t>rất cần thiết, nhằm tiết kiệm thời gian, nhất quán giữa các nơi sử dụng và dễ chỉnh sửa (ví dụ xây dựng 1 hiển thị dữ liệu dùng ở các trang khác nhau). Yêu cầu framework hỗ trợ xây dựng các thành phần chiếm 10% điểm.</a:t>
+            </a:r>
+          </a:p>
+          <a:p>
+            <a:r>
+              <a:rPr lang="vi-VN" altLang="en-US"/>
+              <a:t>- </a:t>
+            </a:r>
+            <a:r>
+              <a:rPr lang="vi-VN" altLang="en-US" smtClean="0"/>
+              <a:t>hệ</a:t>
+            </a:r>
+            <a:r>
+              <a:rPr lang="vi-VN" altLang="en-US" baseline="0" smtClean="0"/>
+              <a:t> thống quản lý thời gian </a:t>
+            </a:r>
+            <a:r>
+              <a:rPr lang="vi-VN" altLang="en-US" smtClean="0"/>
+              <a:t>yêu </a:t>
+            </a:r>
+            <a:r>
+              <a:rPr lang="vi-VN" altLang="en-US" dirty="0"/>
+              <a:t>cầu tính năng xem báo cáo, nên tính năng hỗ trợ vẽ biểu đồ và xuất báo cáo là cần thiết, mỗi tiêu chí nhóm xác định chiếm 10% trọng số.</a:t>
+            </a:r>
+          </a:p>
+          <a:p>
+            <a:r>
+              <a:rPr lang="vi-VN" altLang="en-US" dirty="0"/>
+              <a:t>- Do phải làm quen với việc sử dụng 1 trong 3 thành phần mới, chưa từng sử dụng trước đây, nên việc dễ học dễ sử dụng cũng là 1 tiêu chí cần xét tới, chiếm 5%.</a:t>
+            </a:r>
+          </a:p>
+          <a:p>
+            <a:r>
+              <a:rPr lang="vi-VN" altLang="en-US" dirty="0"/>
+              <a:t>- Trong quá </a:t>
+            </a:r>
+            <a:r>
+              <a:rPr lang="vi-VN" altLang="en-US"/>
+              <a:t>trình </a:t>
+            </a:r>
+            <a:r>
+              <a:rPr lang="vi-VN" altLang="en-US" smtClean="0"/>
+              <a:t>thực</a:t>
+            </a:r>
+            <a:r>
+              <a:rPr lang="vi-VN" altLang="en-US" baseline="0" smtClean="0"/>
+              <a:t> hiện dự án </a:t>
+            </a:r>
+            <a:r>
+              <a:rPr lang="vi-VN" altLang="en-US" smtClean="0"/>
+              <a:t>chắc </a:t>
+            </a:r>
+            <a:r>
+              <a:rPr lang="vi-VN" altLang="en-US" dirty="0"/>
+              <a:t>chắn sẽ gặp những khó khăn, việc framework hoạt động ổn định sẽ giảm được rủi ro, cùng với 1 cộng đồng hỗ trợ đông đảo có thể hỗ trợ khi nhóm gặp vấn đề, mỗi tiêu chí chiếm 5% điểm số.</a:t>
+            </a:r>
+          </a:p>
+          <a:p>
+            <a:r>
+              <a:rPr lang="vi-VN" altLang="en-US" dirty="0"/>
+              <a:t>- Từ những tiêu chí đó, nhóm đề ra bảng đánh giá với trọng số như sau.</a:t>
+            </a:r>
+            <a:endParaRPr dirty="0"/>
+          </a:p>
+        </p:txBody>
+      </p:sp>
+      <p:sp>
+        <p:nvSpPr>
+          <p:cNvPr id="7" name="Slide Number Placeholder 6"/>
+          <p:cNvSpPr>
+            <a:spLocks noGrp="1"/>
+          </p:cNvSpPr>
+          <p:nvPr>
+            <p:ph type="sldNum" sz="quarter" idx="5"/>
+          </p:nvPr>
+        </p:nvSpPr>
+        <p:spPr/>
+        <p:txBody>
+          <a:bodyPr/>
+          <a:lstStyle/>
+          <a:p>
+            <a:fld id="{74DD3F69-D8B8-4BB1-A707-BABB338AF5FF}" type="slidenum">
+              <a:rPr lang="en-US" smtClean="0"/>
+              <a:pPr/>
+              <a:t>23</a:t>
+            </a:fld>
+            <a:endParaRPr/>
+          </a:p>
+        </p:txBody>
+      </p:sp>
+    </p:spTree>
+  </p:cSld>
+  <p:clrMapOvr>
+    <a:masterClrMapping/>
+  </p:clrMapOvr>
+</p:notes>
+</file>
+
+<file path=ppt/notesSlides/notesSlide23.xml><?xml version="1.0" encoding="utf-8"?>
 <p:notes xmlns:a="http://schemas.openxmlformats.org/drawingml/2006/main" xmlns:r="http://schemas.openxmlformats.org/officeDocument/2006/relationships" xmlns:p="http://schemas.openxmlformats.org/presentationml/2006/main">
   <p:cSld>
     <p:spTree>
@@ -2939,72 +3094,95 @@
           <a:bodyPr/>
           <a:lstStyle/>
           <a:p>
-            <a:r>
-              <a:rPr lang="vi-VN" altLang="en-US" smtClean="0"/>
-              <a:t>Theo như</a:t>
-            </a:r>
-            <a:r>
-              <a:rPr lang="vi-VN" altLang="en-US" baseline="0" smtClean="0"/>
-              <a:t> khảo sát và tìm kiếm trên mang thì có 3 ứng cử viên thích hợp</a:t>
-            </a:r>
-            <a:endParaRPr lang="vi-VN" altLang="en-US" smtClean="0"/>
-          </a:p>
-          <a:p>
-            <a:r>
-              <a:rPr lang="vi-VN" altLang="en-US" smtClean="0"/>
-              <a:t>- </a:t>
-            </a:r>
+            <a:pPr marL="0" marR="0" indent="0" algn="l" defTabSz="914400" rtl="0" eaLnBrk="1" fontAlgn="auto" latinLnBrk="0" hangingPunct="1">
+              <a:lnSpc>
+                <a:spcPct val="100000"/>
+              </a:lnSpc>
+              <a:spcBef>
+                <a:spcPts val="0"/>
+              </a:spcBef>
+              <a:spcAft>
+                <a:spcPts val="0"/>
+              </a:spcAft>
+              <a:buClrTx/>
+              <a:buSzTx/>
+              <a:buFontTx/>
+              <a:buNone/>
+              <a:tabLst/>
+              <a:defRPr/>
+            </a:pPr>
             <a:r>
               <a:rPr lang="vi-VN" altLang="en-US" dirty="0"/>
-              <a:t>Angular 4 là javascript framework được phát triển bởi Google.</a:t>
-            </a:r>
-          </a:p>
-          <a:p>
+              <a:t>- Cả 3 framework đều hỗ trợ xây dựng Single Page Application, nên đều được cho 100 điểm</a:t>
+            </a:r>
+          </a:p>
+          <a:p>
+            <a:pPr marL="0" marR="0" indent="0" algn="l" defTabSz="914400" rtl="0" eaLnBrk="1" fontAlgn="auto" latinLnBrk="0" hangingPunct="1">
+              <a:lnSpc>
+                <a:spcPct val="100000"/>
+              </a:lnSpc>
+              <a:spcBef>
+                <a:spcPts val="0"/>
+              </a:spcBef>
+              <a:spcAft>
+                <a:spcPts val="0"/>
+              </a:spcAft>
+              <a:buClrTx/>
+              <a:buSzTx/>
+              <a:buFontTx/>
+              <a:buNone/>
+              <a:tabLst/>
+              <a:defRPr/>
+            </a:pPr>
             <a:r>
               <a:rPr lang="vi-VN" altLang="en-US" dirty="0"/>
-              <a:t>- React là thư viện hỗ trợ xây dựng giao diện phát triển bởi Facebook.</a:t>
-            </a:r>
-          </a:p>
-          <a:p>
+              <a:t>- Để thực hiện việc truyền dữ liệu bằng RESTful API, Angular sử dụng thư viện http dựng sẵn, React cũng có xây dựng thành phần tương tự, Vue.Js dùng thư viện axios, về phương diện này, cả 3 sự lựa chọn đều có thể đáp ứng, tương ứng với số điểm bằng nhau.</a:t>
+            </a:r>
+          </a:p>
+          <a:p>
+            <a:pPr marL="0" marR="0" indent="0" algn="l" defTabSz="914400" rtl="0" eaLnBrk="1" fontAlgn="auto" latinLnBrk="0" hangingPunct="1">
+              <a:lnSpc>
+                <a:spcPct val="100000"/>
+              </a:lnSpc>
+              <a:spcBef>
+                <a:spcPts val="0"/>
+              </a:spcBef>
+              <a:spcAft>
+                <a:spcPts val="0"/>
+              </a:spcAft>
+              <a:buClrTx/>
+              <a:buSzTx/>
+              <a:buFontTx/>
+              <a:buNone/>
+              <a:tabLst/>
+              <a:defRPr/>
+            </a:pPr>
             <a:r>
               <a:rPr lang="vi-VN" altLang="en-US" dirty="0"/>
-              <a:t>- Vue.js được xây dựng bởi 1 cựu kĩ sư của Google và được phát triển bởi 1 cộng đồng lập trình viên.</a:t>
-            </a:r>
-          </a:p>
-          <a:p>
-            <a:pPr marL="171450" indent="-171450">
+              <a:t>- Xây dựng component là tính năng nổi bật của Angular 1 và được giữ nguyên trong Angular 2 cũng như các phiên bản về sau, tính năng này cũng được học hỏi bởi Vue.Js và React, nên mỗi framework đều được điểm tương ở tiêu chí này.</a:t>
+            </a:r>
+          </a:p>
+          <a:p>
+            <a:pPr marL="0" marR="0" indent="0" algn="l" defTabSz="914400" rtl="0" eaLnBrk="1" fontAlgn="auto" latinLnBrk="0" hangingPunct="1">
+              <a:lnSpc>
+                <a:spcPct val="100000"/>
+              </a:lnSpc>
+              <a:spcBef>
+                <a:spcPts val="0"/>
+              </a:spcBef>
+              <a:spcAft>
+                <a:spcPts val="0"/>
+              </a:spcAft>
+              <a:buClrTx/>
+              <a:buSzTx/>
               <a:buFontTx/>
-              <a:buChar char="-"/>
+              <a:buNone/>
+              <a:tabLst/>
+              <a:defRPr/>
             </a:pPr>
             <a:r>
-              <a:rPr lang="vi-VN" altLang="en-US" smtClean="0"/>
-              <a:t>Cả </a:t>
-            </a:r>
-            <a:r>
               <a:rPr lang="vi-VN" altLang="en-US" dirty="0"/>
-              <a:t>3 đều cung cấp các tính năng hỗ trợ việc xây dựng website phù hợp với yêu cầu </a:t>
-            </a:r>
-            <a:r>
-              <a:rPr lang="vi-VN" altLang="en-US"/>
-              <a:t>đề </a:t>
-            </a:r>
-            <a:r>
-              <a:rPr lang="vi-VN" altLang="en-US" smtClean="0"/>
-              <a:t>tài</a:t>
-            </a:r>
-          </a:p>
-          <a:p>
-            <a:pPr marL="171450" indent="-171450">
-              <a:buFontTx/>
-              <a:buChar char="-"/>
-            </a:pPr>
-            <a:r>
-              <a:rPr lang="vi-VN" smtClean="0"/>
-              <a:t>giả</a:t>
-            </a:r>
-            <a:r>
-              <a:rPr lang="vi-VN" baseline="0" smtClean="0"/>
-              <a:t> sử như ta chưa từng làm qua frame này thì làm sao để biết mà lựa chọn</a:t>
+              <a:t>- Và bảng điểm ban đầu được định hình với 3 tiêu chí.</a:t>
             </a:r>
             <a:endParaRPr lang="en-US" dirty="0"/>
           </a:p>
@@ -3028,7 +3206,7 @@
             <a:fld id="{58CC9574-A819-4FE4-99A7-1E27AD09ADC2}" type="slidenum">
               <a:rPr lang="en-US" smtClean="0"/>
               <a:pPr/>
-              <a:t>23</a:t>
+              <a:t>24</a:t>
             </a:fld>
             <a:endParaRPr lang="en-US" dirty="0"/>
           </a:p>
@@ -3037,242 +3215,9 @@
     </p:spTree>
     <p:extLst>
       <p:ext uri="{BB962C8B-B14F-4D97-AF65-F5344CB8AC3E}">
-        <p14:creationId xmlns:p14="http://schemas.microsoft.com/office/powerpoint/2010/main" val="2445153665"/>
+        <p14:creationId xmlns:p14="http://schemas.microsoft.com/office/powerpoint/2010/main" val="1095481728"/>
       </p:ext>
     </p:extLst>
-  </p:cSld>
-  <p:clrMapOvr>
-    <a:masterClrMapping/>
-  </p:clrMapOvr>
-</p:notes>
-</file>
-
-<file path=ppt/notesSlides/notesSlide23.xml><?xml version="1.0" encoding="utf-8"?>
-<p:notes xmlns:a="http://schemas.openxmlformats.org/drawingml/2006/main" xmlns:r="http://schemas.openxmlformats.org/officeDocument/2006/relationships" xmlns:p="http://schemas.openxmlformats.org/presentationml/2006/main">
-  <p:cSld>
-    <p:spTree>
-      <p:nvGrpSpPr>
-        <p:cNvPr id="1" name=""/>
-        <p:cNvGrpSpPr/>
-        <p:nvPr/>
-      </p:nvGrpSpPr>
-      <p:grpSpPr>
-        <a:xfrm>
-          <a:off x="0" y="0"/>
-          <a:ext cx="0" cy="0"/>
-          <a:chOff x="0" y="0"/>
-          <a:chExt cx="0" cy="0"/>
-        </a:xfrm>
-      </p:grpSpPr>
-      <p:sp>
-        <p:nvSpPr>
-          <p:cNvPr id="4" name="Slide Image Placeholder 3"/>
-          <p:cNvSpPr>
-            <a:spLocks noGrp="1" noRot="1" noChangeAspect="1"/>
-          </p:cNvSpPr>
-          <p:nvPr>
-            <p:ph type="sldImg" idx="2"/>
-          </p:nvPr>
-        </p:nvSpPr>
-        <p:spPr/>
-      </p:sp>
-      <p:sp>
-        <p:nvSpPr>
-          <p:cNvPr id="5" name="Notes Placeholder 4"/>
-          <p:cNvSpPr>
-            <a:spLocks noGrp="1"/>
-          </p:cNvSpPr>
-          <p:nvPr>
-            <p:ph type="body" sz="quarter" idx="3"/>
-          </p:nvPr>
-        </p:nvSpPr>
-        <p:spPr/>
-        <p:txBody>
-          <a:bodyPr/>
-          <a:lstStyle/>
-          <a:p>
-            <a:r>
-              <a:rPr lang="vi-VN" altLang="en-US" smtClean="0"/>
-              <a:t>- Trước</a:t>
-            </a:r>
-            <a:r>
-              <a:rPr lang="vi-VN" altLang="en-US" baseline="0" smtClean="0"/>
-              <a:t> tiên chúng ta cần phải đưa ra những tiêu chí đánh giá cho các giải pháp</a:t>
-            </a:r>
-            <a:endParaRPr lang="vi-VN" altLang="en-US" smtClean="0"/>
-          </a:p>
-          <a:p>
-            <a:pPr algn="l"/>
-            <a:r>
-              <a:rPr lang="vi-VN" altLang="en-US" smtClean="0"/>
-              <a:t>- Tiêu chí đánh giá đầu tiên là hỗ trợ xây dựng Single Page Application, đây là yêu cầu quan trọng và</a:t>
-            </a:r>
-            <a:r>
-              <a:rPr lang="vi-VN" altLang="en-US" baseline="0" smtClean="0"/>
-              <a:t> chắc chắn phải có</a:t>
-            </a:r>
-            <a:r>
-              <a:rPr lang="vi-VN" altLang="en-US" smtClean="0"/>
-              <a:t> nên được đề ra đầu tiên và chiếm 15% số điểm.</a:t>
-            </a:r>
-          </a:p>
-          <a:p>
-            <a:r>
-              <a:rPr lang="vi-VN" altLang="en-US" smtClean="0"/>
-              <a:t>- Do phía client cũng thực hiện các tính toán logic để đưa ra dữ liệu đúng đắn trước khi thực hiện truy vấn xuống server, việc tính toán làm</a:t>
-            </a:r>
-            <a:r>
-              <a:rPr lang="vi-VN" altLang="en-US" baseline="0" smtClean="0"/>
-              <a:t> sao </a:t>
-            </a:r>
-            <a:r>
-              <a:rPr lang="vi-VN" altLang="en-US" smtClean="0"/>
-              <a:t>không ảnh hưởng đến tốc độ xử lý thao tác của người dùng trên giao diện</a:t>
-            </a:r>
-            <a:r>
-              <a:rPr lang="vi-VN" altLang="en-US" baseline="0" smtClean="0"/>
-              <a:t> nên </a:t>
-            </a:r>
-            <a:r>
-              <a:rPr lang="vi-VN" altLang="en-US" smtClean="0"/>
-              <a:t>hiệu năng khá</a:t>
-            </a:r>
-            <a:r>
-              <a:rPr lang="vi-VN" altLang="en-US" baseline="0" smtClean="0"/>
-              <a:t> quang trọng</a:t>
-            </a:r>
-            <a:r>
-              <a:rPr lang="vi-VN" altLang="en-US" smtClean="0"/>
-              <a:t> chiếm 15% điểm</a:t>
-            </a:r>
-            <a:r>
-              <a:rPr lang="vi-VN" altLang="en-US" baseline="0" smtClean="0"/>
-              <a:t> trọng số</a:t>
-            </a:r>
-            <a:endParaRPr lang="vi-VN" altLang="en-US" smtClean="0"/>
-          </a:p>
-          <a:p>
-            <a:r>
-              <a:rPr lang="vi-VN" altLang="en-US" smtClean="0"/>
-              <a:t>- </a:t>
-            </a:r>
-            <a:r>
-              <a:rPr lang="vi-VN" altLang="en-US" dirty="0"/>
-              <a:t>Hỗ trợ RESTful API là điều kiện cần có, tỉ lệ 15% trên tổng điểm.</a:t>
-            </a:r>
-          </a:p>
-          <a:p>
-            <a:r>
-              <a:rPr lang="vi-VN" altLang="en-US" dirty="0"/>
-              <a:t>- Có thư viện hỗ trợ responsive, đây cũng là yêu cầu bắt buộc, nên tiêu chí này chỉ chiếm 10% điểm.</a:t>
-            </a:r>
-          </a:p>
-          <a:p>
-            <a:r>
-              <a:rPr lang="vi-VN" altLang="en-US" dirty="0"/>
-              <a:t>- Hỗ trợ xây dựng component để tái sử </a:t>
-            </a:r>
-            <a:r>
-              <a:rPr lang="vi-VN" altLang="en-US"/>
-              <a:t>dụng </a:t>
-            </a:r>
-            <a:r>
-              <a:rPr lang="vi-VN" altLang="en-US" smtClean="0"/>
-              <a:t>là </a:t>
-            </a:r>
-            <a:r>
-              <a:rPr lang="vi-VN" altLang="en-US" dirty="0"/>
-              <a:t>rất cần thiết, nhằm tiết kiệm thời gian, nhất quán giữa các nơi sử dụng và dễ chỉnh sửa (ví dụ xây dựng 1 hiển thị dữ liệu dùng ở các trang khác nhau). Yêu cầu framework hỗ trợ xây dựng các thành phần chiếm 10% điểm.</a:t>
-            </a:r>
-          </a:p>
-          <a:p>
-            <a:r>
-              <a:rPr lang="vi-VN" altLang="en-US"/>
-              <a:t>- </a:t>
-            </a:r>
-            <a:r>
-              <a:rPr lang="vi-VN" altLang="en-US" smtClean="0"/>
-              <a:t>hệ</a:t>
-            </a:r>
-            <a:r>
-              <a:rPr lang="vi-VN" altLang="en-US" baseline="0" smtClean="0"/>
-              <a:t> thống quản lý thời gian </a:t>
-            </a:r>
-            <a:r>
-              <a:rPr lang="vi-VN" altLang="en-US" smtClean="0"/>
-              <a:t>yêu </a:t>
-            </a:r>
-            <a:r>
-              <a:rPr lang="vi-VN" altLang="en-US" dirty="0"/>
-              <a:t>cầu tính năng xem báo cáo, nên tính năng hỗ trợ vẽ biểu đồ và xuất báo cáo là cần thiết, mỗi tiêu chí nhóm xác định chiếm 10% trọng số.</a:t>
-            </a:r>
-          </a:p>
-          <a:p>
-            <a:r>
-              <a:rPr lang="vi-VN" altLang="en-US" dirty="0"/>
-              <a:t>- Do phải làm quen với việc sử dụng 1 trong 3 thành phần mới, chưa từng sử dụng trước đây, nên việc dễ học dễ sử dụng cũng là 1 tiêu chí cần xét tới, chiếm 5%.</a:t>
-            </a:r>
-          </a:p>
-          <a:p>
-            <a:r>
-              <a:rPr lang="vi-VN" altLang="en-US" dirty="0"/>
-              <a:t>- Trong quá </a:t>
-            </a:r>
-            <a:r>
-              <a:rPr lang="vi-VN" altLang="en-US"/>
-              <a:t>trình </a:t>
-            </a:r>
-            <a:r>
-              <a:rPr lang="vi-VN" altLang="en-US" smtClean="0"/>
-              <a:t>thực</a:t>
-            </a:r>
-            <a:r>
-              <a:rPr lang="vi-VN" altLang="en-US" baseline="0" smtClean="0"/>
-              <a:t> hiện dự án </a:t>
-            </a:r>
-            <a:r>
-              <a:rPr lang="vi-VN" altLang="en-US" smtClean="0"/>
-              <a:t>chắc </a:t>
-            </a:r>
-            <a:r>
-              <a:rPr lang="vi-VN" altLang="en-US" dirty="0"/>
-              <a:t>chắn sẽ gặp những khó khăn, việc framework hoạt động ổn định sẽ giảm được rủi ro, cùng với 1 cộng đồng hỗ trợ đông đảo có thể hỗ trợ khi nhóm gặp vấn đề, mỗi tiêu chí chiếm 5% điểm số.</a:t>
-            </a:r>
-          </a:p>
-          <a:p>
-            <a:r>
-              <a:rPr lang="vi-VN" altLang="en-US" dirty="0"/>
-              <a:t>- Từ những tiêu chí đó, nhóm đề ra bảng đánh giá với trọng số như sau.</a:t>
-            </a:r>
-            <a:endParaRPr dirty="0"/>
-          </a:p>
-        </p:txBody>
-      </p:sp>
-      <p:sp>
-        <p:nvSpPr>
-          <p:cNvPr id="7" name="Slide Number Placeholder 6"/>
-          <p:cNvSpPr>
-            <a:spLocks noGrp="1"/>
-          </p:cNvSpPr>
-          <p:nvPr>
-            <p:ph type="sldNum" sz="quarter" idx="5"/>
-          </p:nvPr>
-        </p:nvSpPr>
-        <p:spPr/>
-        <p:txBody>
-          <a:bodyPr/>
-          <a:lstStyle/>
-          <a:p>
-            <a:fld id="{74DD3F69-D8B8-4BB1-A707-BABB338AF5FF}" type="slidenum">
-              <a:rPr lang="en-US" smtClean="0"/>
-              <a:pPr/>
-              <a:t>24</a:t>
-            </a:fld>
-            <a:endParaRPr/>
-          </a:p>
-        </p:txBody>
-      </p:sp>
-    </p:spTree>
   </p:cSld>
   <p:clrMapOvr>
     <a:masterClrMapping/>
@@ -3342,12 +3287,12 @@
               <a:defRPr/>
             </a:pPr>
             <a:r>
-              <a:rPr lang="vi-VN" altLang="en-US" dirty="0"/>
-              <a:t>- Cả 3 framework đều hỗ trợ xây dựng Single Page Application, nên đều được cho 100 điểm</a:t>
-            </a:r>
-          </a:p>
-          <a:p>
-            <a:pPr marL="0" marR="0" indent="0" algn="l" defTabSz="914400" rtl="0" eaLnBrk="1" fontAlgn="auto" latinLnBrk="0" hangingPunct="1">
+              <a:rPr lang="en-US" dirty="0"/>
+              <a:t>Transcript:</a:t>
+            </a:r>
+          </a:p>
+          <a:p>
+            <a:pPr marL="171450" marR="0" lvl="0" indent="-171450" algn="l" defTabSz="914400" rtl="0" eaLnBrk="1" fontAlgn="auto" latinLnBrk="0" hangingPunct="1">
               <a:lnSpc>
                 <a:spcPct val="100000"/>
               </a:lnSpc>
@@ -3360,17 +3305,75 @@
               <a:buClrTx/>
               <a:buSzTx/>
               <a:buFontTx/>
-              <a:buNone/>
+              <a:buChar char="-"/>
               <a:tabLst/>
               <a:defRPr/>
             </a:pPr>
             <a:r>
-              <a:rPr lang="vi-VN" altLang="en-US" dirty="0"/>
-              <a:t>- Để thực hiện việc truyền dữ liệu bằng RESTful API, Angular sử dụng thư viện http dựng sẵn, React cũng có xây dựng thành phần tương tự, Vue.Js dùng thư viện axios, về phương diện này, cả 3 sự lựa chọn đều có thể đáp ứng, tương ứng với số điểm bằng nhau.</a:t>
-            </a:r>
-          </a:p>
-          <a:p>
-            <a:pPr marL="0" marR="0" indent="0" algn="l" defTabSz="914400" rtl="0" eaLnBrk="1" fontAlgn="auto" latinLnBrk="0" hangingPunct="1">
+              <a:rPr lang="en-US" dirty="0"/>
+              <a:t>Xét</a:t>
+            </a:r>
+            <a:r>
+              <a:rPr lang="en-US" baseline="0" dirty="0"/>
+              <a:t> về h</a:t>
+            </a:r>
+            <a:r>
+              <a:rPr lang="en-US" dirty="0"/>
+              <a:t>iệu</a:t>
+            </a:r>
+            <a:r>
+              <a:rPr lang="en-US" baseline="0" dirty="0"/>
+              <a:t> năng: </a:t>
+            </a:r>
+            <a:r>
+              <a:rPr lang="en-US" baseline="0" dirty="0" err="1"/>
+              <a:t>theo</a:t>
+            </a:r>
+            <a:r>
+              <a:rPr lang="vi-VN" baseline="0" dirty="0"/>
+              <a:t> số </a:t>
+            </a:r>
+            <a:r>
+              <a:rPr lang="en-US" baseline="0" dirty="0"/>
+              <a:t>liệu benchmark từ website </a:t>
+            </a:r>
+            <a:r>
+              <a:rPr kumimoji="0" lang="en-US" sz="1200" b="0" i="0" u="none" strike="noStrike" kern="1200" cap="none" spc="0" normalizeH="0" baseline="0" noProof="0" dirty="0">
+                <a:ln>
+                  <a:noFill/>
+                </a:ln>
+                <a:solidFill>
+                  <a:srgbClr val="262626"/>
+                </a:solidFill>
+                <a:effectLst/>
+                <a:uLnTx/>
+                <a:uFillTx/>
+                <a:latin typeface="+mn-lt"/>
+                <a:ea typeface="+mn-ea"/>
+                <a:cs typeface="+mn-cs"/>
+              </a:rPr>
+              <a:t>https://www.stefankrause.net/js-frameworks-benchmark6/webdriver-ts-results/table.html</a:t>
+            </a:r>
+            <a:r>
+              <a:rPr kumimoji="0" lang="en-US" sz="1200" b="0" i="0" u="none" strike="noStrike" kern="1200" cap="none" spc="0" normalizeH="0" baseline="0" noProof="0" dirty="0">
+                <a:ln>
+                  <a:noFill/>
+                </a:ln>
+                <a:solidFill>
+                  <a:schemeClr val="tx1"/>
+                </a:solidFill>
+                <a:effectLst/>
+                <a:uLnTx/>
+                <a:uFillTx/>
+                <a:latin typeface="+mn-lt"/>
+                <a:ea typeface="+mn-ea"/>
+                <a:cs typeface="+mn-cs"/>
+              </a:rPr>
+              <a:t>, nhóm so sánh điểm slowdown geometric mean:</a:t>
+            </a:r>
+          </a:p>
+          <a:p>
+            <a:pPr marL="171450" marR="0" lvl="0" indent="-171450" algn="l" defTabSz="914400" rtl="0" eaLnBrk="1" fontAlgn="auto" latinLnBrk="0" hangingPunct="1">
               <a:lnSpc>
                 <a:spcPct val="100000"/>
               </a:lnSpc>
@@ -3383,17 +3386,63 @@
               <a:buClrTx/>
               <a:buSzTx/>
               <a:buFontTx/>
-              <a:buNone/>
+              <a:buChar char="-"/>
               <a:tabLst/>
               <a:defRPr/>
             </a:pPr>
             <a:r>
-              <a:rPr lang="vi-VN" altLang="en-US" dirty="0"/>
-              <a:t>- Xây dựng component là tính năng nổi bật của Angular 1 và được giữ nguyên trong Angular 2 cũng như các phiên bản về sau, tính năng này cũng được học hỏi bởi Vue.Js và React, nên mỗi framework đều được điểm tương ở tiêu chí này.</a:t>
-            </a:r>
-          </a:p>
-          <a:p>
-            <a:pPr marL="0" marR="0" indent="0" algn="l" defTabSz="914400" rtl="0" eaLnBrk="1" fontAlgn="auto" latinLnBrk="0" hangingPunct="1">
+              <a:rPr kumimoji="0" lang="en-US" sz="1200" b="0" i="0" u="none" strike="noStrike" kern="1200" cap="none" spc="0" normalizeH="0" baseline="0" noProof="0" dirty="0">
+                <a:ln>
+                  <a:noFill/>
+                </a:ln>
+                <a:solidFill>
+                  <a:schemeClr val="tx1"/>
+                </a:solidFill>
+                <a:effectLst/>
+                <a:uLnTx/>
+                <a:uFillTx/>
+                <a:latin typeface="+mn-lt"/>
+                <a:ea typeface="+mn-ea"/>
+                <a:cs typeface="+mn-cs"/>
+              </a:rPr>
+              <a:t>Vue.Js có chỉ số thấp hơn 2 framework còn lại, chứng tỏ tốc độ xử lý và tạo đối tượng trên giao diện nhanh hơn, từ đó lần lượt gán cho Vue.JS, Angular, React các điểm </a:t>
+            </a:r>
+            <a:r>
+              <a:rPr lang="en-US" sz="1200" b="0" i="0" u="none" strike="noStrike" kern="1200" dirty="0">
+                <a:solidFill>
+                  <a:schemeClr val="tx1"/>
+                </a:solidFill>
+                <a:effectLst/>
+                <a:latin typeface="+mn-lt"/>
+                <a:ea typeface="+mn-ea"/>
+                <a:cs typeface="+mn-cs"/>
+              </a:rPr>
+              <a:t>94, 86, 77</a:t>
+            </a:r>
+            <a:r>
+              <a:rPr lang="vi-VN" sz="1200" b="0" i="0" u="none" strike="noStrike" kern="1200" dirty="0">
+                <a:solidFill>
+                  <a:schemeClr val="tx1"/>
+                </a:solidFill>
+                <a:effectLst/>
+                <a:latin typeface="+mn-lt"/>
+                <a:ea typeface="+mn-ea"/>
+                <a:cs typeface="+mn-cs"/>
+              </a:rPr>
+              <a:t>.</a:t>
+            </a:r>
+            <a:endParaRPr lang="en-US" sz="1200" b="0" i="0" u="none" strike="noStrike" kern="1200" dirty="0">
+              <a:solidFill>
+                <a:schemeClr val="tx1"/>
+              </a:solidFill>
+              <a:effectLst/>
+              <a:latin typeface="+mn-lt"/>
+              <a:ea typeface="+mn-ea"/>
+              <a:cs typeface="+mn-cs"/>
+            </a:endParaRPr>
+          </a:p>
+          <a:p>
+            <a:pPr marL="171450" marR="0" lvl="0" indent="-171450" algn="l" defTabSz="914400" rtl="0" eaLnBrk="1" fontAlgn="auto" latinLnBrk="0" hangingPunct="1">
               <a:lnSpc>
                 <a:spcPct val="100000"/>
               </a:lnSpc>
@@ -3406,15 +3455,24 @@
               <a:buClrTx/>
               <a:buSzTx/>
               <a:buFontTx/>
-              <a:buNone/>
+              <a:buChar char="-"/>
               <a:tabLst/>
               <a:defRPr/>
             </a:pPr>
-            <a:r>
-              <a:rPr lang="vi-VN" altLang="en-US" dirty="0"/>
-              <a:t>- Và bảng điểm ban đầu được định hình với 3 tiêu chí.</a:t>
-            </a:r>
-            <a:endParaRPr lang="en-US" dirty="0"/>
+            <a:endParaRPr kumimoji="0" lang="en-US" sz="1200" b="0" i="0" u="none" strike="noStrike" kern="1200" cap="none" spc="0" normalizeH="0" baseline="0" noProof="0" dirty="0">
+              <a:ln>
+                <a:noFill/>
+              </a:ln>
+              <a:solidFill>
+                <a:srgbClr val="262626"/>
+              </a:solidFill>
+              <a:effectLst/>
+              <a:uLnTx/>
+              <a:uFillTx/>
+              <a:latin typeface="+mn-lt"/>
+              <a:ea typeface="+mn-ea"/>
+              <a:cs typeface="+mn-cs"/>
+            </a:endParaRPr>
           </a:p>
         </p:txBody>
       </p:sp>
@@ -3445,7 +3503,7 @@
     </p:spTree>
     <p:extLst>
       <p:ext uri="{BB962C8B-B14F-4D97-AF65-F5344CB8AC3E}">
-        <p14:creationId xmlns:p14="http://schemas.microsoft.com/office/powerpoint/2010/main" val="1095481728"/>
+        <p14:creationId xmlns:p14="http://schemas.microsoft.com/office/powerpoint/2010/main" val="1725727200"/>
       </p:ext>
     </p:extLst>
   </p:cSld>
@@ -3517,192 +3575,10 @@
               <a:defRPr/>
             </a:pPr>
             <a:r>
-              <a:rPr lang="en-US" dirty="0"/>
-              <a:t>Transcript:</a:t>
-            </a:r>
-          </a:p>
-          <a:p>
-            <a:pPr marL="171450" marR="0" lvl="0" indent="-171450" algn="l" defTabSz="914400" rtl="0" eaLnBrk="1" fontAlgn="auto" latinLnBrk="0" hangingPunct="1">
-              <a:lnSpc>
-                <a:spcPct val="100000"/>
-              </a:lnSpc>
-              <a:spcBef>
-                <a:spcPts val="0"/>
-              </a:spcBef>
-              <a:spcAft>
-                <a:spcPts val="0"/>
-              </a:spcAft>
-              <a:buClrTx/>
-              <a:buSzTx/>
-              <a:buFontTx/>
-              <a:buChar char="-"/>
-              <a:tabLst/>
-              <a:defRPr/>
-            </a:pPr>
-            <a:r>
-              <a:rPr lang="en-US" dirty="0"/>
-              <a:t>Xét</a:t>
-            </a:r>
-            <a:r>
-              <a:rPr lang="en-US" baseline="0" dirty="0"/>
-              <a:t> về h</a:t>
-            </a:r>
-            <a:r>
-              <a:rPr lang="en-US" dirty="0"/>
-              <a:t>iệu</a:t>
-            </a:r>
-            <a:r>
-              <a:rPr lang="en-US" baseline="0" dirty="0"/>
-              <a:t> năng: </a:t>
-            </a:r>
-            <a:r>
-              <a:rPr lang="en-US" baseline="0" dirty="0" err="1"/>
-              <a:t>theo</a:t>
-            </a:r>
-            <a:r>
-              <a:rPr lang="vi-VN" baseline="0" dirty="0"/>
-              <a:t> số </a:t>
-            </a:r>
-            <a:r>
-              <a:rPr lang="en-US" baseline="0" dirty="0"/>
-              <a:t>liệu benchmark từ website </a:t>
-            </a:r>
-            <a:r>
-              <a:rPr kumimoji="0" lang="en-US" sz="1200" b="0" i="0" u="none" strike="noStrike" kern="1200" cap="none" spc="0" normalizeH="0" baseline="0" noProof="0" dirty="0">
-                <a:ln>
-                  <a:noFill/>
-                </a:ln>
-                <a:solidFill>
-                  <a:srgbClr val="262626"/>
-                </a:solidFill>
-                <a:effectLst/>
-                <a:uLnTx/>
-                <a:uFillTx/>
-                <a:latin typeface="+mn-lt"/>
-                <a:ea typeface="+mn-ea"/>
-                <a:cs typeface="+mn-cs"/>
-              </a:rPr>
-              <a:t>https://www.stefankrause.net/js-frameworks-benchmark6/webdriver-ts-results/table.html</a:t>
-            </a:r>
-            <a:r>
-              <a:rPr kumimoji="0" lang="en-US" sz="1200" b="0" i="0" u="none" strike="noStrike" kern="1200" cap="none" spc="0" normalizeH="0" baseline="0" noProof="0" dirty="0">
-                <a:ln>
-                  <a:noFill/>
-                </a:ln>
-                <a:solidFill>
-                  <a:schemeClr val="tx1"/>
-                </a:solidFill>
-                <a:effectLst/>
-                <a:uLnTx/>
-                <a:uFillTx/>
-                <a:latin typeface="+mn-lt"/>
-                <a:ea typeface="+mn-ea"/>
-                <a:cs typeface="+mn-cs"/>
-              </a:rPr>
-              <a:t>, nhóm so sánh điểm slowdown geometric mean:</a:t>
-            </a:r>
-          </a:p>
-          <a:p>
-            <a:pPr marL="171450" marR="0" lvl="0" indent="-171450" algn="l" defTabSz="914400" rtl="0" eaLnBrk="1" fontAlgn="auto" latinLnBrk="0" hangingPunct="1">
-              <a:lnSpc>
-                <a:spcPct val="100000"/>
-              </a:lnSpc>
-              <a:spcBef>
-                <a:spcPts val="0"/>
-              </a:spcBef>
-              <a:spcAft>
-                <a:spcPts val="0"/>
-              </a:spcAft>
-              <a:buClrTx/>
-              <a:buSzTx/>
-              <a:buFontTx/>
-              <a:buChar char="-"/>
-              <a:tabLst/>
-              <a:defRPr/>
-            </a:pPr>
-            <a:r>
-              <a:rPr kumimoji="0" lang="en-US" sz="1200" b="0" i="0" u="none" strike="noStrike" kern="1200" cap="none" spc="0" normalizeH="0" baseline="0" noProof="0" dirty="0">
-                <a:ln>
-                  <a:noFill/>
-                </a:ln>
-                <a:solidFill>
-                  <a:schemeClr val="tx1"/>
-                </a:solidFill>
-                <a:effectLst/>
-                <a:uLnTx/>
-                <a:uFillTx/>
-                <a:latin typeface="+mn-lt"/>
-                <a:ea typeface="+mn-ea"/>
-                <a:cs typeface="+mn-cs"/>
-              </a:rPr>
-              <a:t>Vue.Js có chỉ số thấp hơn 2 framework còn lại, chứng tỏ tốc độ xử lý và tạo đối tượng trên giao diện nhanh hơn, từ đó lần lượt gán cho Vue.JS, Angular, React các điểm </a:t>
-            </a:r>
-            <a:r>
-              <a:rPr lang="en-US" sz="1200" b="0" i="0" u="none" strike="noStrike" kern="1200" dirty="0">
-                <a:solidFill>
-                  <a:schemeClr val="tx1"/>
-                </a:solidFill>
-                <a:effectLst/>
-                <a:latin typeface="+mn-lt"/>
-                <a:ea typeface="+mn-ea"/>
-                <a:cs typeface="+mn-cs"/>
-              </a:rPr>
-              <a:t>94, 86, 77</a:t>
-            </a:r>
-            <a:r>
-              <a:rPr lang="vi-VN" sz="1200" b="0" i="0" u="none" strike="noStrike" kern="1200" dirty="0">
-                <a:solidFill>
-                  <a:schemeClr val="tx1"/>
-                </a:solidFill>
-                <a:effectLst/>
-                <a:latin typeface="+mn-lt"/>
-                <a:ea typeface="+mn-ea"/>
-                <a:cs typeface="+mn-cs"/>
-              </a:rPr>
-              <a:t>.</a:t>
-            </a:r>
-            <a:endParaRPr lang="en-US" sz="1200" b="0" i="0" u="none" strike="noStrike" kern="1200" dirty="0">
-              <a:solidFill>
-                <a:schemeClr val="tx1"/>
-              </a:solidFill>
-              <a:effectLst/>
-              <a:latin typeface="+mn-lt"/>
-              <a:ea typeface="+mn-ea"/>
-              <a:cs typeface="+mn-cs"/>
-            </a:endParaRPr>
-          </a:p>
-          <a:p>
-            <a:pPr marL="171450" marR="0" lvl="0" indent="-171450" algn="l" defTabSz="914400" rtl="0" eaLnBrk="1" fontAlgn="auto" latinLnBrk="0" hangingPunct="1">
-              <a:lnSpc>
-                <a:spcPct val="100000"/>
-              </a:lnSpc>
-              <a:spcBef>
-                <a:spcPts val="0"/>
-              </a:spcBef>
-              <a:spcAft>
-                <a:spcPts val="0"/>
-              </a:spcAft>
-              <a:buClrTx/>
-              <a:buSzTx/>
-              <a:buFontTx/>
-              <a:buChar char="-"/>
-              <a:tabLst/>
-              <a:defRPr/>
-            </a:pPr>
-            <a:endParaRPr kumimoji="0" lang="en-US" sz="1200" b="0" i="0" u="none" strike="noStrike" kern="1200" cap="none" spc="0" normalizeH="0" baseline="0" noProof="0" dirty="0">
-              <a:ln>
-                <a:noFill/>
-              </a:ln>
-              <a:solidFill>
-                <a:srgbClr val="262626"/>
-              </a:solidFill>
-              <a:effectLst/>
-              <a:uLnTx/>
-              <a:uFillTx/>
-              <a:latin typeface="+mn-lt"/>
-              <a:ea typeface="+mn-ea"/>
-              <a:cs typeface="+mn-cs"/>
-            </a:endParaRPr>
+              <a:rPr lang="vi-VN" altLang="en-US" dirty="0"/>
+              <a:t>- Điểm hiệu năng như sau.</a:t>
+            </a:r>
+            <a:endParaRPr lang="en-US" dirty="0"/>
           </a:p>
         </p:txBody>
       </p:sp>
@@ -3733,7 +3609,7 @@
     </p:spTree>
     <p:extLst>
       <p:ext uri="{BB962C8B-B14F-4D97-AF65-F5344CB8AC3E}">
-        <p14:creationId xmlns:p14="http://schemas.microsoft.com/office/powerpoint/2010/main" val="1725727200"/>
+        <p14:creationId xmlns:p14="http://schemas.microsoft.com/office/powerpoint/2010/main" val="4275354408"/>
       </p:ext>
     </p:extLst>
   </p:cSld>
@@ -3787,26 +3663,33 @@
           <a:bodyPr/>
           <a:lstStyle/>
           <a:p>
-            <a:pPr marL="0" marR="0" indent="0" algn="l" defTabSz="914400" rtl="0" eaLnBrk="1" fontAlgn="auto" latinLnBrk="0" hangingPunct="1">
-              <a:lnSpc>
-                <a:spcPct val="100000"/>
-              </a:lnSpc>
-              <a:spcBef>
-                <a:spcPts val="0"/>
-              </a:spcBef>
-              <a:spcAft>
-                <a:spcPts val="0"/>
-              </a:spcAft>
-              <a:buClrTx/>
-              <a:buSzTx/>
-              <a:buFontTx/>
-              <a:buNone/>
-              <a:tabLst/>
-              <a:defRPr/>
-            </a:pPr>
             <a:r>
               <a:rPr lang="vi-VN" altLang="en-US" dirty="0"/>
-              <a:t>- Điểm hiệu năng như sau.</a:t>
+              <a:t>- Xét về khả năng hỗ trợ responsive, cả 3 framework đều có hỗ trợ thư viện bootstrap với mức độ tương thích khác nhau, trong đó:</a:t>
+            </a:r>
+          </a:p>
+          <a:p>
+            <a:r>
+              <a:rPr lang="vi-VN" altLang="en-US" dirty="0"/>
+              <a:t>- Vue hỗ trợ tối đa thư viện bootstrap và material design nên nhóm đánh giá cao nhất.</a:t>
+            </a:r>
+          </a:p>
+          <a:p>
+            <a:r>
+              <a:rPr lang="vi-VN" altLang="en-US" dirty="0"/>
+              <a:t>- React xếp thứ 2 với mức độ hỗ trợ 2/3 thư viện.</a:t>
+            </a:r>
+          </a:p>
+          <a:p>
+            <a:r>
+              <a:rPr lang="vi-VN" altLang="en-US" dirty="0"/>
+              <a:t>- Angular 4 chỉ hỗ trợ ở mức trung bình với các thư viện nên xếp vị trí cuối cùng.</a:t>
+            </a:r>
+          </a:p>
+          <a:p>
+            <a:r>
+              <a:rPr lang="vi-VN" altLang="en-US" dirty="0"/>
+              <a:t>- Từ đó nhóm đánh điểm trọng số tương ứng, Vue 85 điểm, React 55 và Angular 20.</a:t>
             </a:r>
             <a:endParaRPr lang="en-US" dirty="0"/>
           </a:p>
@@ -3839,7 +3722,7 @@
     </p:spTree>
     <p:extLst>
       <p:ext uri="{BB962C8B-B14F-4D97-AF65-F5344CB8AC3E}">
-        <p14:creationId xmlns:p14="http://schemas.microsoft.com/office/powerpoint/2010/main" val="4275354408"/>
+        <p14:creationId xmlns:p14="http://schemas.microsoft.com/office/powerpoint/2010/main" val="327016534"/>
       </p:ext>
     </p:extLst>
   </p:cSld>
@@ -3894,32 +3777,8 @@
           <a:lstStyle/>
           <a:p>
             <a:r>
-              <a:rPr lang="vi-VN" altLang="en-US" dirty="0"/>
-              <a:t>- Xét về khả năng hỗ trợ responsive, cả 3 framework đều có hỗ trợ thư viện bootstrap với mức độ tương thích khác nhau, trong đó:</a:t>
-            </a:r>
-          </a:p>
-          <a:p>
-            <a:r>
-              <a:rPr lang="vi-VN" altLang="en-US" dirty="0"/>
-              <a:t>- Vue hỗ trợ tối đa thư viện bootstrap và material design nên nhóm đánh giá cao nhất.</a:t>
-            </a:r>
-          </a:p>
-          <a:p>
-            <a:r>
-              <a:rPr lang="vi-VN" altLang="en-US" dirty="0"/>
-              <a:t>- React xếp thứ 2 với mức độ hỗ trợ 2/3 thư viện.</a:t>
-            </a:r>
-          </a:p>
-          <a:p>
-            <a:r>
-              <a:rPr lang="vi-VN" altLang="en-US" dirty="0"/>
-              <a:t>- Angular 4 chỉ hỗ trợ ở mức trung bình với các thư viện nên xếp vị trí cuối cùng.</a:t>
-            </a:r>
-          </a:p>
-          <a:p>
-            <a:r>
-              <a:rPr lang="vi-VN" altLang="en-US" dirty="0"/>
-              <a:t>- Từ đó nhóm đánh điểm trọng số tương ứng, Vue 85 điểm, React 55 và Angular 20.</a:t>
+              <a:rPr lang="vi-VN" dirty="0"/>
+              <a:t>- Điểm được cập nhật như sau.</a:t>
             </a:r>
             <a:endParaRPr lang="en-US" dirty="0"/>
           </a:p>
@@ -3952,7 +3811,7 @@
     </p:spTree>
     <p:extLst>
       <p:ext uri="{BB962C8B-B14F-4D97-AF65-F5344CB8AC3E}">
-        <p14:creationId xmlns:p14="http://schemas.microsoft.com/office/powerpoint/2010/main" val="327016534"/>
+        <p14:creationId xmlns:p14="http://schemas.microsoft.com/office/powerpoint/2010/main" val="636557756"/>
       </p:ext>
     </p:extLst>
   </p:cSld>
@@ -4006,10 +3865,31 @@
           <a:bodyPr/>
           <a:lstStyle/>
           <a:p>
-            <a:r>
-              <a:rPr lang="vi-VN" dirty="0"/>
-              <a:t>- Điểm được cập nhật như sau.</a:t>
-            </a:r>
+            <a:pPr marL="171450" indent="-171450">
+              <a:buFontTx/>
+              <a:buChar char="-"/>
+            </a:pPr>
+            <a:r>
+              <a:rPr lang="vi-VN" altLang="en-US" dirty="0"/>
+              <a:t>Các thư viện đồ hoạ và hỗ trợ xuất tập tin trên bảng dữ liệu đều được hỗ trợ trên cả 3 framework.</a:t>
+            </a:r>
+          </a:p>
+          <a:p>
+            <a:pPr marL="171450" indent="-171450">
+              <a:buFontTx/>
+              <a:buChar char="-"/>
+            </a:pPr>
+            <a:r>
+              <a:rPr lang="vi-VN" altLang="en-US" dirty="0"/>
+              <a:t>Từ đây nhóm xét điểm tương tự nhau cho cả 3 sự lựa chọn.</a:t>
+            </a:r>
+            <a:endParaRPr lang="en-US" dirty="0"/>
+          </a:p>
+          <a:p>
+            <a:pPr marL="171450" indent="-171450">
+              <a:buFontTx/>
+              <a:buChar char="-"/>
+            </a:pPr>
             <a:endParaRPr lang="en-US" dirty="0"/>
           </a:p>
         </p:txBody>
@@ -4041,7 +3921,7 @@
     </p:spTree>
     <p:extLst>
       <p:ext uri="{BB962C8B-B14F-4D97-AF65-F5344CB8AC3E}">
-        <p14:creationId xmlns:p14="http://schemas.microsoft.com/office/powerpoint/2010/main" val="636557756"/>
+        <p14:creationId xmlns:p14="http://schemas.microsoft.com/office/powerpoint/2010/main" val="4195364852"/>
       </p:ext>
     </p:extLst>
   </p:cSld>
@@ -4095,31 +3975,89 @@
           <a:bodyPr/>
           <a:lstStyle/>
           <a:p>
-            <a:pPr marL="171450" indent="-171450">
+            <a:pPr marL="0" marR="0" indent="0" algn="l" defTabSz="914400" rtl="0" eaLnBrk="1" fontAlgn="auto" latinLnBrk="0" hangingPunct="1">
+              <a:lnSpc>
+                <a:spcPct val="100000"/>
+              </a:lnSpc>
+              <a:spcBef>
+                <a:spcPts val="0"/>
+              </a:spcBef>
+              <a:spcAft>
+                <a:spcPts val="0"/>
+              </a:spcAft>
+              <a:buClrTx/>
+              <a:buSzTx/>
               <a:buFontTx/>
-              <a:buChar char="-"/>
+              <a:buNone/>
+              <a:tabLst/>
+              <a:defRPr/>
             </a:pPr>
             <a:r>
-              <a:rPr lang="vi-VN" altLang="en-US" dirty="0"/>
-              <a:t>Các thư viện đồ hoạ và hỗ trợ xuất tập tin trên bảng dữ liệu đều được hỗ trợ trên cả 3 framework.</a:t>
-            </a:r>
-          </a:p>
-          <a:p>
-            <a:pPr marL="171450" indent="-171450">
+              <a:rPr lang="en-US" dirty="0"/>
+              <a:t>Angular</a:t>
+            </a:r>
+            <a:r>
+              <a:rPr lang="en-US" baseline="0" dirty="0"/>
+              <a:t> 4 </a:t>
+            </a:r>
+            <a:r>
+              <a:rPr lang="en-US" dirty="0"/>
+              <a:t>http built-in service</a:t>
+            </a:r>
+          </a:p>
+          <a:p>
+            <a:pPr marL="0" marR="0" indent="0" algn="l" defTabSz="914400" rtl="0" eaLnBrk="1" fontAlgn="auto" latinLnBrk="0" hangingPunct="1">
+              <a:lnSpc>
+                <a:spcPct val="100000"/>
+              </a:lnSpc>
+              <a:spcBef>
+                <a:spcPts val="0"/>
+              </a:spcBef>
+              <a:spcAft>
+                <a:spcPts val="0"/>
+              </a:spcAft>
+              <a:buClrTx/>
+              <a:buSzTx/>
               <a:buFontTx/>
-              <a:buChar char="-"/>
+              <a:buNone/>
+              <a:tabLst/>
+              <a:defRPr/>
             </a:pPr>
             <a:r>
-              <a:rPr lang="vi-VN" altLang="en-US" dirty="0"/>
-              <a:t>Từ đây nhóm xét điểm tương tự nhau cho cả 3 sự lựa chọn.</a:t>
-            </a:r>
-            <a:endParaRPr lang="en-US" dirty="0"/>
-          </a:p>
-          <a:p>
-            <a:pPr marL="171450" indent="-171450">
+              <a:rPr lang="en-US" dirty="0"/>
+              <a:t>React built-in component</a:t>
+            </a:r>
+          </a:p>
+          <a:p>
+            <a:pPr marL="0" marR="0" indent="0" algn="l" defTabSz="914400" rtl="0" eaLnBrk="1" fontAlgn="auto" latinLnBrk="0" hangingPunct="1">
+              <a:lnSpc>
+                <a:spcPct val="100000"/>
+              </a:lnSpc>
+              <a:spcBef>
+                <a:spcPts val="0"/>
+              </a:spcBef>
+              <a:spcAft>
+                <a:spcPts val="0"/>
+              </a:spcAft>
+              <a:buClrTx/>
+              <a:buSzTx/>
               <a:buFontTx/>
-              <a:buChar char="-"/>
+              <a:buNone/>
+              <a:tabLst/>
+              <a:defRPr/>
             </a:pPr>
+            <a:r>
+              <a:rPr lang="en-US" sz="1200" b="0" i="0" kern="1200" dirty="0">
+                <a:solidFill>
+                  <a:schemeClr val="dk1"/>
+                </a:solidFill>
+                <a:effectLst/>
+                <a:latin typeface="+mn-lt"/>
+                <a:ea typeface="+mn-ea"/>
+                <a:cs typeface="+mn-cs"/>
+              </a:rPr>
+              <a:t>Vue axios</a:t>
+            </a:r>
             <a:endParaRPr lang="en-US" dirty="0"/>
           </a:p>
         </p:txBody>
@@ -4151,7 +4089,7 @@
     </p:spTree>
     <p:extLst>
       <p:ext uri="{BB962C8B-B14F-4D97-AF65-F5344CB8AC3E}">
-        <p14:creationId xmlns:p14="http://schemas.microsoft.com/office/powerpoint/2010/main" val="4195364852"/>
+        <p14:creationId xmlns:p14="http://schemas.microsoft.com/office/powerpoint/2010/main" val="2754866781"/>
       </p:ext>
     </p:extLst>
   </p:cSld>
@@ -4265,24 +4203,24 @@
       </p:grpSpPr>
       <p:sp>
         <p:nvSpPr>
-          <p:cNvPr id="2" name="Slide Image Placeholder 1"/>
+          <p:cNvPr id="4" name="Slide Image Placeholder 3"/>
           <p:cNvSpPr>
             <a:spLocks noGrp="1" noRot="1" noChangeAspect="1"/>
           </p:cNvSpPr>
           <p:nvPr>
-            <p:ph type="sldImg"/>
+            <p:ph type="sldImg" idx="2"/>
           </p:nvPr>
         </p:nvSpPr>
         <p:spPr/>
       </p:sp>
       <p:sp>
         <p:nvSpPr>
-          <p:cNvPr id="3" name="Notes Placeholder 2"/>
+          <p:cNvPr id="5" name="Notes Placeholder 4"/>
           <p:cNvSpPr>
             <a:spLocks noGrp="1"/>
           </p:cNvSpPr>
           <p:nvPr>
-            <p:ph type="body" idx="1"/>
+            <p:ph type="body" sz="quarter" idx="3"/>
           </p:nvPr>
         </p:nvSpPr>
         <p:spPr/>
@@ -4290,101 +4228,40 @@
           <a:bodyPr/>
           <a:lstStyle/>
           <a:p>
-            <a:pPr marL="0" marR="0" indent="0" algn="l" defTabSz="914400" rtl="0" eaLnBrk="1" fontAlgn="auto" latinLnBrk="0" hangingPunct="1">
-              <a:lnSpc>
-                <a:spcPct val="100000"/>
-              </a:lnSpc>
-              <a:spcBef>
-                <a:spcPts val="0"/>
-              </a:spcBef>
-              <a:spcAft>
-                <a:spcPts val="0"/>
-              </a:spcAft>
-              <a:buClrTx/>
-              <a:buSzTx/>
-              <a:buFontTx/>
-              <a:buNone/>
-              <a:tabLst/>
-              <a:defRPr/>
-            </a:pPr>
-            <a:r>
-              <a:rPr lang="en-US" dirty="0"/>
-              <a:t>Angular</a:t>
-            </a:r>
-            <a:r>
-              <a:rPr lang="en-US" baseline="0" dirty="0"/>
-              <a:t> 4 </a:t>
-            </a:r>
-            <a:r>
-              <a:rPr lang="en-US" dirty="0"/>
-              <a:t>http built-in service</a:t>
-            </a:r>
-          </a:p>
-          <a:p>
-            <a:pPr marL="0" marR="0" indent="0" algn="l" defTabSz="914400" rtl="0" eaLnBrk="1" fontAlgn="auto" latinLnBrk="0" hangingPunct="1">
-              <a:lnSpc>
-                <a:spcPct val="100000"/>
-              </a:lnSpc>
-              <a:spcBef>
-                <a:spcPts val="0"/>
-              </a:spcBef>
-              <a:spcAft>
-                <a:spcPts val="0"/>
-              </a:spcAft>
-              <a:buClrTx/>
-              <a:buSzTx/>
-              <a:buFontTx/>
-              <a:buNone/>
-              <a:tabLst/>
-              <a:defRPr/>
-            </a:pPr>
-            <a:r>
-              <a:rPr lang="en-US" dirty="0"/>
-              <a:t>React built-in component</a:t>
-            </a:r>
-          </a:p>
-          <a:p>
-            <a:pPr marL="0" marR="0" indent="0" algn="l" defTabSz="914400" rtl="0" eaLnBrk="1" fontAlgn="auto" latinLnBrk="0" hangingPunct="1">
-              <a:lnSpc>
-                <a:spcPct val="100000"/>
-              </a:lnSpc>
-              <a:spcBef>
-                <a:spcPts val="0"/>
-              </a:spcBef>
-              <a:spcAft>
-                <a:spcPts val="0"/>
-              </a:spcAft>
-              <a:buClrTx/>
-              <a:buSzTx/>
-              <a:buFontTx/>
-              <a:buNone/>
-              <a:tabLst/>
-              <a:defRPr/>
-            </a:pPr>
-            <a:r>
-              <a:rPr lang="en-US" sz="1200" b="0" i="0" kern="1200" dirty="0">
-                <a:solidFill>
-                  <a:schemeClr val="dk1"/>
-                </a:solidFill>
-                <a:effectLst/>
-                <a:latin typeface="+mn-lt"/>
-                <a:ea typeface="+mn-ea"/>
-                <a:cs typeface="+mn-cs"/>
-              </a:rPr>
-              <a:t>Vue axios</a:t>
-            </a:r>
-            <a:endParaRPr lang="en-US" dirty="0"/>
+            <a:r>
+              <a:rPr lang="vi-VN" altLang="en-US" dirty="0"/>
+              <a:t>- Xét về khả năng tiếp thu 1 thành phần, nhóm sử dụng biểu đồ được tham khảo ở trang </a:t>
+            </a:r>
+          </a:p>
+          <a:p>
+            <a:r>
+              <a:rPr lang="vi-VN" altLang="en-US" dirty="0"/>
+              <a:t>- Theo biểu đồ, Angular sử dụng typescript để viết mã nguồn, đòi hỏi nhóm cần thêm thời gian để học 1 ngôn ngữ mới.</a:t>
+            </a:r>
+          </a:p>
+          <a:p>
+            <a:r>
+              <a:rPr lang="vi-VN" altLang="en-US" dirty="0"/>
+              <a:t>- React tuy không sử dụng typescript nhưng viết javascript theo chuẩn ES6, hiện tại các trình duyệt hiện đại chưa hỗ trợ tối đa cho chuẩn javascript mới nên React cần biên dịch mã nguồn về chuẩn ES5, đây cũng sẽ gây khó khăn cho nhóm, React còn sử dụng JSX, 1 ngôn ngữ kết hợp javascript và HTML, đòi hỏi thêm thời gin tìm hiểu.</a:t>
+            </a:r>
+          </a:p>
+          <a:p>
+            <a:r>
+              <a:rPr lang="vi-VN" altLang="en-US" dirty="0"/>
+              <a:t>- Trong đó, Vue.Js không gặp các khó khăn tương tự, đồ thị thể hiện sự dễ dàng hơn khi học Vue, do đó, nhóm đánh giá điểm dễ học của Vue cao hơn, 90, React với 80 điểm đứng thứ 2 và Angular được 70 điểm.</a:t>
+            </a:r>
+            <a:endParaRPr dirty="0"/>
           </a:p>
         </p:txBody>
       </p:sp>
       <p:sp>
         <p:nvSpPr>
-          <p:cNvPr id="4" name="Slide Number Placeholder 3"/>
+          <p:cNvPr id="7" name="Slide Number Placeholder 6"/>
           <p:cNvSpPr>
             <a:spLocks noGrp="1"/>
           </p:cNvSpPr>
           <p:nvPr>
-            <p:ph type="sldNum" sz="quarter" idx="10"/>
+            <p:ph type="sldNum" sz="quarter" idx="5"/>
           </p:nvPr>
         </p:nvSpPr>
         <p:spPr/>
@@ -4392,21 +4269,16 @@
           <a:bodyPr/>
           <a:lstStyle/>
           <a:p>
-            <a:fld id="{58CC9574-A819-4FE4-99A7-1E27AD09ADC2}" type="slidenum">
+            <a:fld id="{1A32E400-AFA9-4589-9A74-8B2C9B4C06F7}" type="slidenum">
               <a:rPr lang="en-US" smtClean="0"/>
               <a:pPr/>
               <a:t>31</a:t>
             </a:fld>
-            <a:endParaRPr lang="en-US" dirty="0"/>
+            <a:endParaRPr/>
           </a:p>
         </p:txBody>
       </p:sp>
     </p:spTree>
-    <p:extLst>
-      <p:ext uri="{BB962C8B-B14F-4D97-AF65-F5344CB8AC3E}">
-        <p14:creationId xmlns:p14="http://schemas.microsoft.com/office/powerpoint/2010/main" val="2754866781"/>
-      </p:ext>
-    </p:extLst>
   </p:cSld>
   <p:clrMapOvr>
     <a:masterClrMapping/>
@@ -4459,28 +4331,10 @@
           <a:lstStyle/>
           <a:p>
             <a:r>
-              <a:rPr lang="vi-VN" altLang="en-US" dirty="0"/>
-              <a:t>- Xét về khả năng tiếp thu 1 thành phần, nhóm sử dụng biểu đồ được tham khảo ở trang </a:t>
-            </a:r>
-          </a:p>
-          <a:p>
-            <a:r>
-              <a:rPr lang="vi-VN" altLang="en-US" dirty="0"/>
-              <a:t>- Theo biểu đồ, Angular sử dụng typescript để viết mã nguồn, đòi hỏi nhóm cần thêm thời gian để học 1 ngôn ngữ mới.</a:t>
-            </a:r>
-          </a:p>
-          <a:p>
-            <a:r>
-              <a:rPr lang="vi-VN" altLang="en-US" dirty="0"/>
-              <a:t>- React tuy không sử dụng typescript nhưng viết javascript theo chuẩn ES6, hiện tại các trình duyệt hiện đại chưa hỗ trợ tối đa cho chuẩn javascript mới nên React cần biên dịch mã nguồn về chuẩn ES5, đây cũng sẽ gây khó khăn cho nhóm, React còn sử dụng JSX, 1 ngôn ngữ kết hợp javascript và HTML, đòi hỏi thêm thời gin tìm hiểu.</a:t>
-            </a:r>
-          </a:p>
-          <a:p>
-            <a:r>
-              <a:rPr lang="vi-VN" altLang="en-US" dirty="0"/>
-              <a:t>- Trong đó, Vue.Js không gặp các khó khăn tương tự, đồ thị thể hiện sự dễ dàng hơn khi học Vue, do đó, nhóm đánh giá điểm dễ học của Vue cao hơn, 90, React với 80 điểm đứng thứ 2 và Angular được 70 điểm.</a:t>
-            </a:r>
-            <a:endParaRPr dirty="0"/>
+              <a:rPr lang="vi-VN" altLang="en-US"/>
+              <a:t>- Điểm được cập nhật trên bảng.</a:t>
+            </a:r>
+            <a:endParaRPr/>
           </a:p>
         </p:txBody>
       </p:sp>
@@ -4499,7 +4353,7 @@
           <a:bodyPr/>
           <a:lstStyle/>
           <a:p>
-            <a:fld id="{1A32E400-AFA9-4589-9A74-8B2C9B4C06F7}" type="slidenum">
+            <a:fld id="{500AD409-0B68-44F8-B7DB-F51362801A4B}" type="slidenum">
               <a:rPr lang="en-US" smtClean="0"/>
               <a:pPr/>
               <a:t>32</a:t>
@@ -4561,10 +4415,34 @@
           <a:lstStyle/>
           <a:p>
             <a:r>
-              <a:rPr lang="vi-VN" altLang="en-US"/>
-              <a:t>- Điểm được cập nhật trên bảng.</a:t>
-            </a:r>
-            <a:endParaRPr/>
+              <a:rPr lang="vi-VN" altLang="en-US" dirty="0"/>
+              <a:t>- Để xét tính ổn định của ứng viên, nhóm cho rằng số lượng issue phát sinh từ khi phát hành đến thời điểm hiện tại phần nào thể hiện tính ổn định của sản phẩm.</a:t>
+            </a:r>
+          </a:p>
+          <a:p>
+            <a:r>
+              <a:rPr lang="vi-VN" altLang="en-US" dirty="0"/>
+              <a:t>- Angular phát hành phiên bản 4 kế thừa từ phiên bản 2 tháng 9 năm 2016, đến thời điểm hiện tại có hơn 2100 vấn đề được gửi về.</a:t>
+            </a:r>
+          </a:p>
+          <a:p>
+            <a:r>
+              <a:rPr lang="vi-VN" altLang="en-US" dirty="0"/>
+              <a:t>- React phát hành từ tháng 3 năm 2013 với hơn 290 issue đến thời điểm hiện tại.</a:t>
+            </a:r>
+          </a:p>
+          <a:p>
+            <a:r>
+              <a:rPr lang="vi-VN" altLang="en-US" dirty="0"/>
+              <a:t>- Vue.Js với gần 200 vấn đề từ khi đưa ra thị trường tháng 2 năm 2014, nhóm cho rằng Vue đạt độ ổn định hơn cả với 95 điểm.</a:t>
+            </a:r>
+          </a:p>
+          <a:p>
+            <a:r>
+              <a:rPr lang="vi-VN" altLang="en-US" dirty="0"/>
+              <a:t>- React xếp thứ 2 với 92.5 điểm và Angular đứng vị trí cuối cùng được 47.5 điểm.</a:t>
+            </a:r>
+            <a:endParaRPr dirty="0"/>
           </a:p>
         </p:txBody>
       </p:sp>
@@ -4583,7 +4461,7 @@
           <a:bodyPr/>
           <a:lstStyle/>
           <a:p>
-            <a:fld id="{500AD409-0B68-44F8-B7DB-F51362801A4B}" type="slidenum">
+            <a:fld id="{CA2D0C07-85D0-41B5-A5F8-957D5DED92B0}" type="slidenum">
               <a:rPr lang="en-US" smtClean="0"/>
               <a:pPr/>
               <a:t>33</a:t>
@@ -4601,6 +4479,95 @@
 </file>
 
 <file path=ppt/notesSlides/notesSlide33.xml><?xml version="1.0" encoding="utf-8"?>
+<p:notes xmlns:a="http://schemas.openxmlformats.org/drawingml/2006/main" xmlns:r="http://schemas.openxmlformats.org/officeDocument/2006/relationships" xmlns:p="http://schemas.openxmlformats.org/presentationml/2006/main">
+  <p:cSld>
+    <p:spTree>
+      <p:nvGrpSpPr>
+        <p:cNvPr id="1" name=""/>
+        <p:cNvGrpSpPr/>
+        <p:nvPr/>
+      </p:nvGrpSpPr>
+      <p:grpSpPr>
+        <a:xfrm>
+          <a:off x="0" y="0"/>
+          <a:ext cx="0" cy="0"/>
+          <a:chOff x="0" y="0"/>
+          <a:chExt cx="0" cy="0"/>
+        </a:xfrm>
+      </p:grpSpPr>
+      <p:sp>
+        <p:nvSpPr>
+          <p:cNvPr id="2" name="Slide Image Placeholder 1"/>
+          <p:cNvSpPr>
+            <a:spLocks noGrp="1" noRot="1" noChangeAspect="1"/>
+          </p:cNvSpPr>
+          <p:nvPr>
+            <p:ph type="sldImg"/>
+          </p:nvPr>
+        </p:nvSpPr>
+        <p:spPr/>
+      </p:sp>
+      <p:sp>
+        <p:nvSpPr>
+          <p:cNvPr id="3" name="Notes Placeholder 2"/>
+          <p:cNvSpPr>
+            <a:spLocks noGrp="1"/>
+          </p:cNvSpPr>
+          <p:nvPr>
+            <p:ph type="body" idx="1"/>
+          </p:nvPr>
+        </p:nvSpPr>
+        <p:spPr/>
+        <p:txBody>
+          <a:bodyPr/>
+          <a:lstStyle/>
+          <a:p>
+            <a:r>
+              <a:rPr lang="vi-VN" altLang="en-US" dirty="0"/>
+              <a:t>- Điểm trọng số được bổ sung như bảng sau.</a:t>
+            </a:r>
+            <a:endParaRPr lang="en-US" dirty="0"/>
+          </a:p>
+        </p:txBody>
+      </p:sp>
+      <p:sp>
+        <p:nvSpPr>
+          <p:cNvPr id="4" name="Slide Number Placeholder 3"/>
+          <p:cNvSpPr>
+            <a:spLocks noGrp="1"/>
+          </p:cNvSpPr>
+          <p:nvPr>
+            <p:ph type="sldNum" sz="quarter" idx="10"/>
+          </p:nvPr>
+        </p:nvSpPr>
+        <p:spPr/>
+        <p:txBody>
+          <a:bodyPr/>
+          <a:lstStyle/>
+          <a:p>
+            <a:fld id="{58CC9574-A819-4FE4-99A7-1E27AD09ADC2}" type="slidenum">
+              <a:rPr lang="en-US" smtClean="0"/>
+              <a:pPr/>
+              <a:t>34</a:t>
+            </a:fld>
+            <a:endParaRPr lang="en-US" dirty="0"/>
+          </a:p>
+        </p:txBody>
+      </p:sp>
+    </p:spTree>
+    <p:extLst>
+      <p:ext uri="{BB962C8B-B14F-4D97-AF65-F5344CB8AC3E}">
+        <p14:creationId xmlns:p14="http://schemas.microsoft.com/office/powerpoint/2010/main" val="1190254945"/>
+      </p:ext>
+    </p:extLst>
+  </p:cSld>
+  <p:clrMapOvr>
+    <a:masterClrMapping/>
+  </p:clrMapOvr>
+</p:notes>
+</file>
+
+<file path=ppt/notesSlides/notesSlide34.xml><?xml version="1.0" encoding="utf-8"?>
 <p:notes xmlns:a="http://schemas.openxmlformats.org/drawingml/2006/main" xmlns:r="http://schemas.openxmlformats.org/officeDocument/2006/relationships" xmlns:p="http://schemas.openxmlformats.org/presentationml/2006/main">
   <p:cSld>
     <p:spTree>
@@ -4646,31 +4613,39 @@
           <a:p>
             <a:r>
               <a:rPr lang="vi-VN" altLang="en-US" dirty="0"/>
-              <a:t>- Để xét tính ổn định của ứng viên, nhóm cho rằng số lượng issue phát sinh từ khi phát hành đến thời điểm hiện tại phần nào thể hiện tính ổn định của sản phẩm.</a:t>
+              <a:t>- Điểm cộng đồng phát triển được dựa trên chỉ số quan tâm và số lượng thành viên đóng góp cho mỗi framework, theo quan điểm của nhóm, những chỉ số này phần nào thể hiện số lượng người dùng.</a:t>
             </a:r>
           </a:p>
           <a:p>
             <a:r>
               <a:rPr lang="vi-VN" altLang="en-US" dirty="0"/>
-              <a:t>- Angular phát hành phiên bản 4 kế thừa từ phiên bản 2 tháng 9 năm 2016, đến thời điểm hiện tại có hơn 2100 vấn đề được gửi về.</a:t>
+              <a:t>- Nhóm hy vọng sự đông đảo người sử dụng sẽ mang lại những giải pháp cho hầu hết các vấn đề mà nhóm sẽ gặp trong quá trình phát triển dự án.</a:t>
             </a:r>
           </a:p>
           <a:p>
             <a:r>
               <a:rPr lang="vi-VN" altLang="en-US" dirty="0"/>
-              <a:t>- React phát hành từ tháng 3 năm 2013 với hơn 290 issue đến thời điểm hiện tại.</a:t>
-            </a:r>
-          </a:p>
-          <a:p>
+              <a:t>- React với lượng lớn người quan tâm và hỗ trợ được nhóm cho điểm cao nhất, 98.</a:t>
+            </a:r>
+          </a:p>
+          <a:p>
+            <a:pPr marL="171450" indent="-171450">
+              <a:buFontTx/>
+              <a:buChar char="-"/>
+            </a:pPr>
             <a:r>
               <a:rPr lang="vi-VN" altLang="en-US" dirty="0"/>
-              <a:t>- Vue.Js với gần 200 vấn đề từ khi đưa ra thị trường tháng 2 năm 2014, nhóm cho rằng Vue đạt độ ổn định hơn cả với 95 điểm.</a:t>
-            </a:r>
-          </a:p>
-          <a:p>
+              <a:t>Vue.Js xếp sau với 58 điểm.</a:t>
+            </a:r>
+          </a:p>
+          <a:p>
+            <a:pPr marL="171450" indent="-171450">
+              <a:buFontTx/>
+              <a:buChar char="-"/>
+            </a:pPr>
             <a:r>
               <a:rPr lang="vi-VN" altLang="en-US" dirty="0"/>
-              <a:t>- React xếp thứ 2 với 92.5 điểm và Angular đứng vị trí cuối cùng được 47.5 điểm.</a:t>
+              <a:t>Angular được 47.5 điểm.</a:t>
             </a:r>
             <a:endParaRPr dirty="0"/>
           </a:p>
@@ -4691,10 +4666,10 @@
           <a:bodyPr/>
           <a:lstStyle/>
           <a:p>
-            <a:fld id="{CA2D0C07-85D0-41B5-A5F8-957D5DED92B0}" type="slidenum">
+            <a:fld id="{A76E5A56-064C-4EDA-BE7C-9598CB564A27}" type="slidenum">
               <a:rPr lang="en-US" smtClean="0"/>
               <a:pPr/>
-              <a:t>34</a:t>
+              <a:t>35</a:t>
             </a:fld>
             <a:endParaRPr/>
           </a:p>
@@ -4708,212 +4683,7 @@
 </p:notes>
 </file>
 
-<file path=ppt/notesSlides/notesSlide34.xml><?xml version="1.0" encoding="utf-8"?>
-<p:notes xmlns:a="http://schemas.openxmlformats.org/drawingml/2006/main" xmlns:r="http://schemas.openxmlformats.org/officeDocument/2006/relationships" xmlns:p="http://schemas.openxmlformats.org/presentationml/2006/main">
-  <p:cSld>
-    <p:spTree>
-      <p:nvGrpSpPr>
-        <p:cNvPr id="1" name=""/>
-        <p:cNvGrpSpPr/>
-        <p:nvPr/>
-      </p:nvGrpSpPr>
-      <p:grpSpPr>
-        <a:xfrm>
-          <a:off x="0" y="0"/>
-          <a:ext cx="0" cy="0"/>
-          <a:chOff x="0" y="0"/>
-          <a:chExt cx="0" cy="0"/>
-        </a:xfrm>
-      </p:grpSpPr>
-      <p:sp>
-        <p:nvSpPr>
-          <p:cNvPr id="2" name="Slide Image Placeholder 1"/>
-          <p:cNvSpPr>
-            <a:spLocks noGrp="1" noRot="1" noChangeAspect="1"/>
-          </p:cNvSpPr>
-          <p:nvPr>
-            <p:ph type="sldImg"/>
-          </p:nvPr>
-        </p:nvSpPr>
-        <p:spPr/>
-      </p:sp>
-      <p:sp>
-        <p:nvSpPr>
-          <p:cNvPr id="3" name="Notes Placeholder 2"/>
-          <p:cNvSpPr>
-            <a:spLocks noGrp="1"/>
-          </p:cNvSpPr>
-          <p:nvPr>
-            <p:ph type="body" idx="1"/>
-          </p:nvPr>
-        </p:nvSpPr>
-        <p:spPr/>
-        <p:txBody>
-          <a:bodyPr/>
-          <a:lstStyle/>
-          <a:p>
-            <a:r>
-              <a:rPr lang="vi-VN" altLang="en-US" dirty="0"/>
-              <a:t>- Điểm trọng số được bổ sung như bảng sau.</a:t>
-            </a:r>
-            <a:endParaRPr lang="en-US" dirty="0"/>
-          </a:p>
-        </p:txBody>
-      </p:sp>
-      <p:sp>
-        <p:nvSpPr>
-          <p:cNvPr id="4" name="Slide Number Placeholder 3"/>
-          <p:cNvSpPr>
-            <a:spLocks noGrp="1"/>
-          </p:cNvSpPr>
-          <p:nvPr>
-            <p:ph type="sldNum" sz="quarter" idx="10"/>
-          </p:nvPr>
-        </p:nvSpPr>
-        <p:spPr/>
-        <p:txBody>
-          <a:bodyPr/>
-          <a:lstStyle/>
-          <a:p>
-            <a:fld id="{58CC9574-A819-4FE4-99A7-1E27AD09ADC2}" type="slidenum">
-              <a:rPr lang="en-US" smtClean="0"/>
-              <a:pPr/>
-              <a:t>35</a:t>
-            </a:fld>
-            <a:endParaRPr lang="en-US" dirty="0"/>
-          </a:p>
-        </p:txBody>
-      </p:sp>
-    </p:spTree>
-    <p:extLst>
-      <p:ext uri="{BB962C8B-B14F-4D97-AF65-F5344CB8AC3E}">
-        <p14:creationId xmlns:p14="http://schemas.microsoft.com/office/powerpoint/2010/main" val="1190254945"/>
-      </p:ext>
-    </p:extLst>
-  </p:cSld>
-  <p:clrMapOvr>
-    <a:masterClrMapping/>
-  </p:clrMapOvr>
-</p:notes>
-</file>
-
 <file path=ppt/notesSlides/notesSlide35.xml><?xml version="1.0" encoding="utf-8"?>
-<p:notes xmlns:a="http://schemas.openxmlformats.org/drawingml/2006/main" xmlns:r="http://schemas.openxmlformats.org/officeDocument/2006/relationships" xmlns:p="http://schemas.openxmlformats.org/presentationml/2006/main">
-  <p:cSld>
-    <p:spTree>
-      <p:nvGrpSpPr>
-        <p:cNvPr id="1" name=""/>
-        <p:cNvGrpSpPr/>
-        <p:nvPr/>
-      </p:nvGrpSpPr>
-      <p:grpSpPr>
-        <a:xfrm>
-          <a:off x="0" y="0"/>
-          <a:ext cx="0" cy="0"/>
-          <a:chOff x="0" y="0"/>
-          <a:chExt cx="0" cy="0"/>
-        </a:xfrm>
-      </p:grpSpPr>
-      <p:sp>
-        <p:nvSpPr>
-          <p:cNvPr id="4" name="Slide Image Placeholder 3"/>
-          <p:cNvSpPr>
-            <a:spLocks noGrp="1" noRot="1" noChangeAspect="1"/>
-          </p:cNvSpPr>
-          <p:nvPr>
-            <p:ph type="sldImg" idx="2"/>
-          </p:nvPr>
-        </p:nvSpPr>
-        <p:spPr/>
-      </p:sp>
-      <p:sp>
-        <p:nvSpPr>
-          <p:cNvPr id="5" name="Notes Placeholder 4"/>
-          <p:cNvSpPr>
-            <a:spLocks noGrp="1"/>
-          </p:cNvSpPr>
-          <p:nvPr>
-            <p:ph type="body" sz="quarter" idx="3"/>
-          </p:nvPr>
-        </p:nvSpPr>
-        <p:spPr/>
-        <p:txBody>
-          <a:bodyPr/>
-          <a:lstStyle/>
-          <a:p>
-            <a:r>
-              <a:rPr lang="vi-VN" altLang="en-US" dirty="0"/>
-              <a:t>- Điểm cộng đồng phát triển được dựa trên chỉ số quan tâm và số lượng thành viên đóng góp cho mỗi framework, theo quan điểm của nhóm, những chỉ số này phần nào thể hiện số lượng người dùng.</a:t>
-            </a:r>
-          </a:p>
-          <a:p>
-            <a:r>
-              <a:rPr lang="vi-VN" altLang="en-US" dirty="0"/>
-              <a:t>- Nhóm hy vọng sự đông đảo người sử dụng sẽ mang lại những giải pháp cho hầu hết các vấn đề mà nhóm sẽ gặp trong quá trình phát triển dự án.</a:t>
-            </a:r>
-          </a:p>
-          <a:p>
-            <a:r>
-              <a:rPr lang="vi-VN" altLang="en-US" dirty="0"/>
-              <a:t>- React với lượng lớn người quan tâm và hỗ trợ được nhóm cho điểm cao nhất, 98.</a:t>
-            </a:r>
-          </a:p>
-          <a:p>
-            <a:pPr marL="171450" indent="-171450">
-              <a:buFontTx/>
-              <a:buChar char="-"/>
-            </a:pPr>
-            <a:r>
-              <a:rPr lang="vi-VN" altLang="en-US" dirty="0"/>
-              <a:t>Vue.Js xếp sau với 58 điểm.</a:t>
-            </a:r>
-          </a:p>
-          <a:p>
-            <a:pPr marL="171450" indent="-171450">
-              <a:buFontTx/>
-              <a:buChar char="-"/>
-            </a:pPr>
-            <a:r>
-              <a:rPr lang="vi-VN" altLang="en-US" dirty="0"/>
-              <a:t>Angular được 47.5 điểm.</a:t>
-            </a:r>
-            <a:endParaRPr dirty="0"/>
-          </a:p>
-        </p:txBody>
-      </p:sp>
-      <p:sp>
-        <p:nvSpPr>
-          <p:cNvPr id="7" name="Slide Number Placeholder 6"/>
-          <p:cNvSpPr>
-            <a:spLocks noGrp="1"/>
-          </p:cNvSpPr>
-          <p:nvPr>
-            <p:ph type="sldNum" sz="quarter" idx="5"/>
-          </p:nvPr>
-        </p:nvSpPr>
-        <p:spPr/>
-        <p:txBody>
-          <a:bodyPr/>
-          <a:lstStyle/>
-          <a:p>
-            <a:fld id="{A76E5A56-064C-4EDA-BE7C-9598CB564A27}" type="slidenum">
-              <a:rPr lang="en-US" smtClean="0"/>
-              <a:pPr/>
-              <a:t>36</a:t>
-            </a:fld>
-            <a:endParaRPr/>
-          </a:p>
-        </p:txBody>
-      </p:sp>
-    </p:spTree>
-  </p:cSld>
-  <p:clrMapOvr>
-    <a:masterClrMapping/>
-  </p:clrMapOvr>
-</p:notes>
-</file>
-
-<file path=ppt/notesSlides/notesSlide36.xml><?xml version="1.0" encoding="utf-8"?>
 <p:notes xmlns:a="http://schemas.openxmlformats.org/drawingml/2006/main" xmlns:r="http://schemas.openxmlformats.org/officeDocument/2006/relationships" xmlns:p="http://schemas.openxmlformats.org/presentationml/2006/main">
   <p:cSld>
     <p:spTree>
@@ -5047,7 +4817,7 @@
                 <a:tabLst/>
                 <a:defRPr/>
               </a:pPr>
-              <a:t>37</a:t>
+              <a:t>36</a:t>
             </a:fld>
             <a:endParaRPr kumimoji="0" lang="en-US" sz="1200" b="0" i="0" u="none" strike="noStrike" kern="1200" cap="none" spc="0" normalizeH="0" baseline="0" noProof="0" dirty="0">
               <a:ln>
@@ -5072,6 +4842,90 @@
         <p14:creationId xmlns:p14="http://schemas.microsoft.com/office/powerpoint/2010/main" val="632925231"/>
       </p:ext>
     </p:extLst>
+  </p:cSld>
+  <p:clrMapOvr>
+    <a:masterClrMapping/>
+  </p:clrMapOvr>
+</p:notes>
+</file>
+
+<file path=ppt/notesSlides/notesSlide36.xml><?xml version="1.0" encoding="utf-8"?>
+<p:notes xmlns:a="http://schemas.openxmlformats.org/drawingml/2006/main" xmlns:r="http://schemas.openxmlformats.org/officeDocument/2006/relationships" xmlns:p="http://schemas.openxmlformats.org/presentationml/2006/main">
+  <p:cSld>
+    <p:spTree>
+      <p:nvGrpSpPr>
+        <p:cNvPr id="1" name=""/>
+        <p:cNvGrpSpPr/>
+        <p:nvPr/>
+      </p:nvGrpSpPr>
+      <p:grpSpPr>
+        <a:xfrm>
+          <a:off x="0" y="0"/>
+          <a:ext cx="0" cy="0"/>
+          <a:chOff x="0" y="0"/>
+          <a:chExt cx="0" cy="0"/>
+        </a:xfrm>
+      </p:grpSpPr>
+      <p:sp>
+        <p:nvSpPr>
+          <p:cNvPr id="4" name="Slide Image Placeholder 3"/>
+          <p:cNvSpPr>
+            <a:spLocks noGrp="1" noRot="1" noChangeAspect="1"/>
+          </p:cNvSpPr>
+          <p:nvPr>
+            <p:ph type="sldImg" idx="2"/>
+          </p:nvPr>
+        </p:nvSpPr>
+        <p:spPr/>
+      </p:sp>
+      <p:sp>
+        <p:nvSpPr>
+          <p:cNvPr id="5" name="Notes Placeholder 4"/>
+          <p:cNvSpPr>
+            <a:spLocks noGrp="1"/>
+          </p:cNvSpPr>
+          <p:nvPr>
+            <p:ph type="body" sz="quarter" idx="3"/>
+          </p:nvPr>
+        </p:nvSpPr>
+        <p:spPr/>
+        <p:txBody>
+          <a:bodyPr/>
+          <a:lstStyle/>
+          <a:p>
+            <a:r>
+              <a:rPr lang="vi-VN" altLang="en-US"/>
+              <a:t>- Các nguồn tham khảo để soạn nội dung trình bày.</a:t>
+            </a:r>
+            <a:endParaRPr/>
+          </a:p>
+        </p:txBody>
+      </p:sp>
+      <p:sp>
+        <p:nvSpPr>
+          <p:cNvPr id="7" name="Slide Number Placeholder 6"/>
+          <p:cNvSpPr>
+            <a:spLocks noGrp="1"/>
+          </p:cNvSpPr>
+          <p:nvPr>
+            <p:ph type="sldNum" sz="quarter" idx="5"/>
+          </p:nvPr>
+        </p:nvSpPr>
+        <p:spPr/>
+        <p:txBody>
+          <a:bodyPr/>
+          <a:lstStyle/>
+          <a:p>
+            <a:fld id="{5BF674FA-E0EB-4001-8EEB-A5A012D6E8F4}" type="slidenum">
+              <a:rPr lang="en-US" smtClean="0"/>
+              <a:pPr/>
+              <a:t>37</a:t>
+            </a:fld>
+            <a:endParaRPr/>
+          </a:p>
+        </p:txBody>
+      </p:sp>
+    </p:spTree>
   </p:cSld>
   <p:clrMapOvr>
     <a:masterClrMapping/>
@@ -5125,7 +4979,7 @@
           <a:p>
             <a:r>
               <a:rPr lang="vi-VN" altLang="en-US"/>
-              <a:t>- Các nguồn tham khảo để soạn nội dung trình bày.</a:t>
+              <a:t>- Cảm ơn thầy và các bạn đã theo dõi!</a:t>
             </a:r>
             <a:endParaRPr/>
           </a:p>
@@ -5146,94 +5000,10 @@
           <a:bodyPr/>
           <a:lstStyle/>
           <a:p>
-            <a:fld id="{5BF674FA-E0EB-4001-8EEB-A5A012D6E8F4}" type="slidenum">
+            <a:fld id="{F3C56723-EDE0-412F-84F1-6A3278A40418}" type="slidenum">
               <a:rPr lang="en-US" smtClean="0"/>
               <a:pPr/>
               <a:t>38</a:t>
-            </a:fld>
-            <a:endParaRPr/>
-          </a:p>
-        </p:txBody>
-      </p:sp>
-    </p:spTree>
-  </p:cSld>
-  <p:clrMapOvr>
-    <a:masterClrMapping/>
-  </p:clrMapOvr>
-</p:notes>
-</file>
-
-<file path=ppt/notesSlides/notesSlide38.xml><?xml version="1.0" encoding="utf-8"?>
-<p:notes xmlns:a="http://schemas.openxmlformats.org/drawingml/2006/main" xmlns:r="http://schemas.openxmlformats.org/officeDocument/2006/relationships" xmlns:p="http://schemas.openxmlformats.org/presentationml/2006/main">
-  <p:cSld>
-    <p:spTree>
-      <p:nvGrpSpPr>
-        <p:cNvPr id="1" name=""/>
-        <p:cNvGrpSpPr/>
-        <p:nvPr/>
-      </p:nvGrpSpPr>
-      <p:grpSpPr>
-        <a:xfrm>
-          <a:off x="0" y="0"/>
-          <a:ext cx="0" cy="0"/>
-          <a:chOff x="0" y="0"/>
-          <a:chExt cx="0" cy="0"/>
-        </a:xfrm>
-      </p:grpSpPr>
-      <p:sp>
-        <p:nvSpPr>
-          <p:cNvPr id="4" name="Slide Image Placeholder 3"/>
-          <p:cNvSpPr>
-            <a:spLocks noGrp="1" noRot="1" noChangeAspect="1"/>
-          </p:cNvSpPr>
-          <p:nvPr>
-            <p:ph type="sldImg" idx="2"/>
-          </p:nvPr>
-        </p:nvSpPr>
-        <p:spPr/>
-      </p:sp>
-      <p:sp>
-        <p:nvSpPr>
-          <p:cNvPr id="5" name="Notes Placeholder 4"/>
-          <p:cNvSpPr>
-            <a:spLocks noGrp="1"/>
-          </p:cNvSpPr>
-          <p:nvPr>
-            <p:ph type="body" sz="quarter" idx="3"/>
-          </p:nvPr>
-        </p:nvSpPr>
-        <p:spPr/>
-        <p:txBody>
-          <a:bodyPr/>
-          <a:lstStyle/>
-          <a:p>
-            <a:r>
-              <a:rPr lang="vi-VN" altLang="en-US"/>
-              <a:t>- Cảm ơn thầy và các bạn đã theo dõi!</a:t>
-            </a:r>
-            <a:endParaRPr/>
-          </a:p>
-        </p:txBody>
-      </p:sp>
-      <p:sp>
-        <p:nvSpPr>
-          <p:cNvPr id="7" name="Slide Number Placeholder 6"/>
-          <p:cNvSpPr>
-            <a:spLocks noGrp="1"/>
-          </p:cNvSpPr>
-          <p:nvPr>
-            <p:ph type="sldNum" sz="quarter" idx="5"/>
-          </p:nvPr>
-        </p:nvSpPr>
-        <p:spPr/>
-        <p:txBody>
-          <a:bodyPr/>
-          <a:lstStyle/>
-          <a:p>
-            <a:fld id="{F3C56723-EDE0-412F-84F1-6A3278A40418}" type="slidenum">
-              <a:rPr lang="en-US" smtClean="0"/>
-              <a:pPr/>
-              <a:t>39</a:t>
             </a:fld>
             <a:endParaRPr/>
           </a:p>
@@ -5928,18 +5698,7 @@
                 <a:ea typeface="Yu Mincho" panose="02020400000000000000" pitchFamily="18" charset="-128"/>
                 <a:cs typeface="Times New Roman" panose="02020603050405020304" pitchFamily="18" charset="0"/>
               </a:rPr>
-              <a:t>thống </a:t>
-            </a:r>
-            <a:r>
-              <a:rPr lang="en-US" sz="1200" smtClean="0">
-                <a:solidFill>
-                  <a:srgbClr val="FF0000"/>
-                </a:solidFill>
-                <a:latin typeface="Calibri" panose="020F0502020204030204" pitchFamily="34" charset="0"/>
-                <a:ea typeface="Yu Mincho" panose="02020400000000000000" pitchFamily="18" charset="-128"/>
-                <a:cs typeface="Times New Roman" panose="02020603050405020304" pitchFamily="18" charset="0"/>
-              </a:rPr>
-              <a:t>,</a:t>
+              <a:t>thống ,</a:t>
             </a:r>
             <a:r>
               <a:rPr lang="en-US" sz="1200" smtClean="0">
@@ -5947,31 +5706,7 @@
                 <a:ea typeface="Yu Mincho" panose="02020400000000000000" pitchFamily="18" charset="-128"/>
                 <a:cs typeface="Times New Roman" panose="02020603050405020304" pitchFamily="18" charset="0"/>
               </a:rPr>
-              <a:t>Mua </a:t>
-            </a:r>
-            <a:r>
-              <a:rPr lang="en-US" sz="1200" smtClean="0">
-                <a:latin typeface="Calibri" panose="020F0502020204030204" pitchFamily="34" charset="0"/>
-                <a:ea typeface="Yu Mincho" panose="02020400000000000000" pitchFamily="18" charset="-128"/>
-                <a:cs typeface="Times New Roman" panose="02020603050405020304" pitchFamily="18" charset="0"/>
-              </a:rPr>
-              <a:t>các thành </a:t>
-            </a:r>
-            <a:r>
-              <a:rPr lang="en-US" sz="1200" smtClean="0">
-                <a:latin typeface="Calibri" panose="020F0502020204030204" pitchFamily="34" charset="0"/>
-                <a:ea typeface="Yu Mincho" panose="02020400000000000000" pitchFamily="18" charset="-128"/>
-                <a:cs typeface="Times New Roman" panose="02020603050405020304" pitchFamily="18" charset="0"/>
-              </a:rPr>
-              <a:t>phần đó </a:t>
-            </a:r>
-            <a:r>
-              <a:rPr lang="en-US" sz="1200" smtClean="0">
-                <a:latin typeface="Calibri" panose="020F0502020204030204" pitchFamily="34" charset="0"/>
-                <a:ea typeface="Yu Mincho" panose="02020400000000000000" pitchFamily="18" charset="-128"/>
-                <a:cs typeface="Times New Roman" panose="02020603050405020304" pitchFamily="18" charset="0"/>
-              </a:rPr>
-              <a:t>COTS (thường không kèm mã nguồn), </a:t>
+              <a:t>Mua các thành phần đó COTS (thường không kèm mã nguồn), </a:t>
             </a:r>
             <a:r>
               <a:rPr lang="en-US" sz="1200" smtClean="0">
@@ -6336,7 +6071,103 @@
                 <a:ea typeface="+mn-ea"/>
                 <a:cs typeface="+mn-cs"/>
               </a:rPr>
-              <a:t>Vd: Một thành phần thoả mãn các yêu cầu đc đặt ra, nhưng nếu cùng với cơ sở hạ tầng (máy chủ, băng thông…) phần mềm phải phục vụ nhiều </a:t>
+              <a:t>Vd: Một thành phần thoả mãn các yêu cầu đc đặt </a:t>
+            </a:r>
+            <a:r>
+              <a:rPr lang="en-US" sz="1200" kern="1200" smtClean="0">
+                <a:solidFill>
+                  <a:schemeClr val="tx1"/>
+                </a:solidFill>
+                <a:effectLst/>
+                <a:latin typeface="+mn-lt"/>
+                <a:ea typeface="+mn-ea"/>
+                <a:cs typeface="+mn-cs"/>
+              </a:rPr>
+              <a:t>ra</a:t>
+            </a:r>
+            <a:r>
+              <a:rPr lang="en-US" sz="1200" kern="1200" baseline="0" smtClean="0">
+                <a:solidFill>
+                  <a:schemeClr val="tx1"/>
+                </a:solidFill>
+                <a:effectLst/>
+                <a:latin typeface="+mn-lt"/>
+                <a:ea typeface="+mn-ea"/>
+                <a:cs typeface="+mn-cs"/>
+              </a:rPr>
+              <a:t> </a:t>
+            </a:r>
+            <a:r>
+              <a:rPr lang="en-US" sz="1200" kern="1200" smtClean="0">
+                <a:solidFill>
+                  <a:schemeClr val="tx1"/>
+                </a:solidFill>
+                <a:effectLst/>
+                <a:latin typeface="+mn-lt"/>
+                <a:ea typeface="+mn-ea"/>
+                <a:cs typeface="+mn-cs"/>
+              </a:rPr>
+              <a:t>cùng </a:t>
+            </a:r>
+            <a:r>
+              <a:rPr lang="en-US" sz="1200" kern="1200">
+                <a:solidFill>
+                  <a:schemeClr val="tx1"/>
+                </a:solidFill>
+                <a:effectLst/>
+                <a:latin typeface="+mn-lt"/>
+                <a:ea typeface="+mn-ea"/>
+                <a:cs typeface="+mn-cs"/>
+              </a:rPr>
+              <a:t>với cơ sở hạ tầng (máy chủ, băng thông…) </a:t>
+            </a:r>
+            <a:r>
+              <a:rPr lang="en-US" sz="1200" kern="1200" smtClean="0">
+                <a:solidFill>
+                  <a:schemeClr val="tx1"/>
+                </a:solidFill>
+                <a:effectLst/>
+                <a:latin typeface="+mn-lt"/>
+                <a:ea typeface="+mn-ea"/>
+                <a:cs typeface="+mn-cs"/>
+              </a:rPr>
+              <a:t>nhưng</a:t>
+            </a:r>
+            <a:r>
+              <a:rPr lang="en-US" sz="1200" kern="1200" baseline="0" smtClean="0">
+                <a:solidFill>
+                  <a:schemeClr val="tx1"/>
+                </a:solidFill>
+                <a:effectLst/>
+                <a:latin typeface="+mn-lt"/>
+                <a:ea typeface="+mn-ea"/>
+                <a:cs typeface="+mn-cs"/>
+              </a:rPr>
+              <a:t> </a:t>
+            </a:r>
+            <a:r>
+              <a:rPr lang="en-US" sz="1200" kern="1200" smtClean="0">
+                <a:solidFill>
+                  <a:schemeClr val="tx1"/>
+                </a:solidFill>
+                <a:effectLst/>
+                <a:latin typeface="+mn-lt"/>
+                <a:ea typeface="+mn-ea"/>
+                <a:cs typeface="+mn-cs"/>
+              </a:rPr>
+              <a:t>phần </a:t>
+            </a:r>
+            <a:r>
+              <a:rPr lang="en-US" sz="1200" kern="1200">
+                <a:solidFill>
+                  <a:schemeClr val="tx1"/>
+                </a:solidFill>
+                <a:effectLst/>
+                <a:latin typeface="+mn-lt"/>
+                <a:ea typeface="+mn-ea"/>
+                <a:cs typeface="+mn-cs"/>
+              </a:rPr>
+              <a:t>mềm phải phục vụ nhiều </a:t>
             </a:r>
             <a:r>
               <a:rPr lang="en-US" sz="1200" kern="1200" smtClean="0">
@@ -6817,7 +6648,7 @@
             <a:fld id="{A258050E-B668-4FA7-85AD-C750C80A6E9B}" type="datetimeFigureOut">
               <a:rPr lang="en-US" smtClean="0"/>
               <a:pPr/>
-              <a:t>10/15/2019</a:t>
+              <a:t>10/17/2019</a:t>
             </a:fld>
             <a:endParaRPr lang="en-US" dirty="0"/>
           </a:p>
@@ -7668,7 +7499,7 @@
             <a:fld id="{A258050E-B668-4FA7-85AD-C750C80A6E9B}" type="datetimeFigureOut">
               <a:rPr lang="en-US" smtClean="0"/>
               <a:pPr/>
-              <a:t>10/15/2019</a:t>
+              <a:t>10/17/2019</a:t>
             </a:fld>
             <a:endParaRPr lang="en-US" dirty="0"/>
           </a:p>
@@ -8198,7 +8029,7 @@
             <a:fld id="{A258050E-B668-4FA7-85AD-C750C80A6E9B}" type="datetimeFigureOut">
               <a:rPr lang="en-US" smtClean="0"/>
               <a:pPr/>
-              <a:t>10/15/2019</a:t>
+              <a:t>10/17/2019</a:t>
             </a:fld>
             <a:endParaRPr lang="en-US" dirty="0"/>
           </a:p>
@@ -8371,7 +8202,7 @@
             <a:fld id="{A258050E-B668-4FA7-85AD-C750C80A6E9B}" type="datetimeFigureOut">
               <a:rPr lang="en-US" smtClean="0"/>
               <a:pPr/>
-              <a:t>10/15/2019</a:t>
+              <a:t>10/17/2019</a:t>
             </a:fld>
             <a:endParaRPr lang="en-US" dirty="0"/>
           </a:p>
@@ -8618,7 +8449,7 @@
             <a:fld id="{A258050E-B668-4FA7-85AD-C750C80A6E9B}" type="datetimeFigureOut">
               <a:rPr lang="en-US" smtClean="0"/>
               <a:pPr/>
-              <a:t>10/15/2019</a:t>
+              <a:t>10/17/2019</a:t>
             </a:fld>
             <a:endParaRPr lang="en-US" dirty="0"/>
           </a:p>
@@ -8726,7 +8557,7 @@
             <a:fld id="{2FF934E2-BBB6-4D34-BB01-078E9AA25260}" type="datetimeFigureOut">
               <a:rPr lang="en-US" smtClean="0"/>
               <a:pPr/>
-              <a:t>10/15/2019</a:t>
+              <a:t>10/17/2019</a:t>
             </a:fld>
             <a:endParaRPr lang="en-US" dirty="0"/>
           </a:p>
@@ -9437,7 +9268,7 @@
             <a:fld id="{A258050E-B668-4FA7-85AD-C750C80A6E9B}" type="datetimeFigureOut">
               <a:rPr lang="en-US" smtClean="0"/>
               <a:pPr/>
-              <a:t>10/15/2019</a:t>
+              <a:t>10/17/2019</a:t>
             </a:fld>
             <a:endParaRPr lang="en-US" dirty="0"/>
           </a:p>
@@ -9598,7 +9429,7 @@
             <a:fld id="{A258050E-B668-4FA7-85AD-C750C80A6E9B}" type="datetimeFigureOut">
               <a:rPr lang="en-US" smtClean="0"/>
               <a:pPr/>
-              <a:t>10/15/2019</a:t>
+              <a:t>10/17/2019</a:t>
             </a:fld>
             <a:endParaRPr lang="en-US" dirty="0"/>
           </a:p>
@@ -10112,7 +9943,7 @@
             <a:fld id="{A258050E-B668-4FA7-85AD-C750C80A6E9B}" type="datetimeFigureOut">
               <a:rPr lang="en-US" smtClean="0"/>
               <a:pPr/>
-              <a:t>10/15/2019</a:t>
+              <a:t>10/17/2019</a:t>
             </a:fld>
             <a:endParaRPr lang="en-US" dirty="0"/>
           </a:p>
@@ -10226,7 +10057,7 @@
             <a:fld id="{A258050E-B668-4FA7-85AD-C750C80A6E9B}" type="datetimeFigureOut">
               <a:rPr lang="en-US" smtClean="0"/>
               <a:pPr/>
-              <a:t>10/15/2019</a:t>
+              <a:t>10/17/2019</a:t>
             </a:fld>
             <a:endParaRPr lang="en-US" dirty="0"/>
           </a:p>
@@ -10528,7 +10359,7 @@
             <a:fld id="{A258050E-B668-4FA7-85AD-C750C80A6E9B}" type="datetimeFigureOut">
               <a:rPr lang="en-US" smtClean="0"/>
               <a:pPr/>
-              <a:t>10/15/2019</a:t>
+              <a:t>10/17/2019</a:t>
             </a:fld>
             <a:endParaRPr lang="en-US" dirty="0"/>
           </a:p>
@@ -10803,7 +10634,7 @@
             <a:fld id="{A258050E-B668-4FA7-85AD-C750C80A6E9B}" type="datetimeFigureOut">
               <a:rPr lang="en-US" smtClean="0"/>
               <a:pPr/>
-              <a:t>10/15/2019</a:t>
+              <a:t>10/17/2019</a:t>
             </a:fld>
             <a:endParaRPr lang="en-US" dirty="0"/>
           </a:p>
@@ -11467,7 +11298,7 @@
             <a:fld id="{A258050E-B668-4FA7-85AD-C750C80A6E9B}" type="datetimeFigureOut">
               <a:rPr lang="en-US" smtClean="0"/>
               <a:pPr/>
-              <a:t>10/15/2019</a:t>
+              <a:t>10/17/2019</a:t>
             </a:fld>
             <a:endParaRPr lang="en-US" dirty="0"/>
           </a:p>
@@ -11654,7 +11485,7 @@
             <a:fld id="{A258050E-B668-4FA7-85AD-C750C80A6E9B}" type="datetimeFigureOut">
               <a:rPr lang="en-US" smtClean="0"/>
               <a:pPr/>
-              <a:t>10/15/2019</a:t>
+              <a:t>10/17/2019</a:t>
             </a:fld>
             <a:endParaRPr lang="en-US" dirty="0"/>
           </a:p>
@@ -13899,3714 +13730,6 @@
 <file path=ppt/slides/slide16.xml><?xml version="1.0" encoding="utf-8"?>
 <p:sld xmlns:a="http://schemas.openxmlformats.org/drawingml/2006/main" xmlns:r="http://schemas.openxmlformats.org/officeDocument/2006/relationships" xmlns:p="http://schemas.openxmlformats.org/presentationml/2006/main">
   <p:cSld>
-    <p:spTree>
-      <p:nvGrpSpPr>
-        <p:cNvPr id="1" name=""/>
-        <p:cNvGrpSpPr/>
-        <p:nvPr/>
-      </p:nvGrpSpPr>
-      <p:grpSpPr>
-        <a:xfrm>
-          <a:off x="0" y="0"/>
-          <a:ext cx="0" cy="0"/>
-          <a:chOff x="0" y="0"/>
-          <a:chExt cx="0" cy="0"/>
-        </a:xfrm>
-      </p:grpSpPr>
-      <p:sp>
-        <p:nvSpPr>
-          <p:cNvPr id="2" name="Title 1"/>
-          <p:cNvSpPr>
-            <a:spLocks noGrp="1"/>
-          </p:cNvSpPr>
-          <p:nvPr>
-            <p:ph type="title"/>
-          </p:nvPr>
-        </p:nvSpPr>
-        <p:spPr/>
-        <p:txBody>
-          <a:bodyPr/>
-          <a:lstStyle/>
-          <a:p>
-            <a:r>
-              <a:rPr lang="en-US"/>
-              <a:t>Các vần đề với lựa chọn thành phần COTS</a:t>
-            </a:r>
-          </a:p>
-        </p:txBody>
-      </p:sp>
-      <p:grpSp>
-        <p:nvGrpSpPr>
-          <p:cNvPr id="4" name="Group 3"/>
-          <p:cNvGrpSpPr>
-            <a:grpSpLocks/>
-          </p:cNvGrpSpPr>
-          <p:nvPr/>
-        </p:nvGrpSpPr>
-        <p:grpSpPr bwMode="auto">
-          <a:xfrm>
-            <a:off x="76200" y="1831975"/>
-            <a:ext cx="2170113" cy="4035425"/>
-            <a:chOff x="720" y="1296"/>
-            <a:chExt cx="1367" cy="2542"/>
-          </a:xfrm>
-        </p:grpSpPr>
-        <p:sp>
-          <p:nvSpPr>
-            <p:cNvPr id="5" name="AutoShape 4"/>
-            <p:cNvSpPr>
-              <a:spLocks noChangeArrowheads="1"/>
-            </p:cNvSpPr>
-            <p:nvPr/>
-          </p:nvSpPr>
-          <p:spPr bwMode="gray">
-            <a:xfrm>
-              <a:off x="720" y="1490"/>
-              <a:ext cx="1363" cy="1800"/>
-            </a:xfrm>
-            <a:prstGeom prst="roundRect">
-              <a:avLst>
-                <a:gd name="adj" fmla="val 17509"/>
-              </a:avLst>
-            </a:prstGeom>
-            <a:gradFill rotWithShape="1">
-              <a:gsLst>
-                <a:gs pos="0">
-                  <a:srgbClr val="4E91D4"/>
-                </a:gs>
-                <a:gs pos="100000">
-                  <a:srgbClr val="3477A4"/>
-                </a:gs>
-              </a:gsLst>
-              <a:lin ang="2700000" scaled="1"/>
-            </a:gradFill>
-            <a:ln>
-              <a:noFill/>
-            </a:ln>
-            <a:effectLst/>
-            <a:extLst>
-              <a:ext uri="{91240B29-F687-4F45-9708-019B960494DF}">
-                <a14:hiddenLine xmlns:a14="http://schemas.microsoft.com/office/drawing/2010/main" w="9525">
-                  <a:solidFill>
-                    <a:schemeClr val="tx1"/>
-                  </a:solidFill>
-                  <a:round/>
-                  <a:headEnd/>
-                  <a:tailEnd/>
-                </a14:hiddenLine>
-              </a:ext>
-              <a:ext uri="{AF507438-7753-43E0-B8FC-AC1667EBCBE1}">
-                <a14:hiddenEffects xmlns:a14="http://schemas.microsoft.com/office/drawing/2010/main">
-                  <a:effectLst>
-                    <a:outerShdw dist="35921" dir="2700000" algn="ctr" rotWithShape="0">
-                      <a:schemeClr val="bg2"/>
-                    </a:outerShdw>
-                  </a:effectLst>
-                </a14:hiddenEffects>
-              </a:ext>
-            </a:extLst>
-          </p:spPr>
-          <p:txBody>
-            <a:bodyPr wrap="none" anchor="ctr"/>
-            <a:lstStyle/>
-            <a:p>
-              <a:endParaRPr lang="en-US"/>
-            </a:p>
-          </p:txBody>
-        </p:sp>
-        <p:sp>
-          <p:nvSpPr>
-            <p:cNvPr id="6" name="AutoShape 5"/>
-            <p:cNvSpPr>
-              <a:spLocks noChangeArrowheads="1"/>
-            </p:cNvSpPr>
-            <p:nvPr/>
-          </p:nvSpPr>
-          <p:spPr bwMode="gray">
-            <a:xfrm>
-              <a:off x="741" y="1495"/>
-              <a:ext cx="1322" cy="1766"/>
-            </a:xfrm>
-            <a:prstGeom prst="roundRect">
-              <a:avLst>
-                <a:gd name="adj" fmla="val 16667"/>
-              </a:avLst>
-            </a:prstGeom>
-            <a:solidFill>
-              <a:srgbClr val="3CA1E6"/>
-            </a:solidFill>
-            <a:ln>
-              <a:noFill/>
-            </a:ln>
-            <a:effectLst/>
-            <a:extLst>
-              <a:ext uri="{91240B29-F687-4F45-9708-019B960494DF}">
-                <a14:hiddenLine xmlns:a14="http://schemas.microsoft.com/office/drawing/2010/main" w="9525">
-                  <a:solidFill>
-                    <a:schemeClr val="tx1"/>
-                  </a:solidFill>
-                  <a:round/>
-                  <a:headEnd/>
-                  <a:tailEnd/>
-                </a14:hiddenLine>
-              </a:ext>
-              <a:ext uri="{AF507438-7753-43E0-B8FC-AC1667EBCBE1}">
-                <a14:hiddenEffects xmlns:a14="http://schemas.microsoft.com/office/drawing/2010/main">
-                  <a:effectLst>
-                    <a:outerShdw dist="35921" dir="2700000" algn="ctr" rotWithShape="0">
-                      <a:schemeClr val="bg2"/>
-                    </a:outerShdw>
-                  </a:effectLst>
-                </a14:hiddenEffects>
-              </a:ext>
-            </a:extLst>
-          </p:spPr>
-          <p:txBody>
-            <a:bodyPr wrap="none" anchor="ctr"/>
-            <a:lstStyle/>
-            <a:p>
-              <a:endParaRPr lang="en-US"/>
-            </a:p>
-          </p:txBody>
-        </p:sp>
-        <p:sp>
-          <p:nvSpPr>
-            <p:cNvPr id="7" name="AutoShape 6"/>
-            <p:cNvSpPr>
-              <a:spLocks noChangeArrowheads="1"/>
-            </p:cNvSpPr>
-            <p:nvPr/>
-          </p:nvSpPr>
-          <p:spPr bwMode="gray">
-            <a:xfrm>
-              <a:off x="752" y="2795"/>
-              <a:ext cx="1304" cy="447"/>
-            </a:xfrm>
-            <a:prstGeom prst="roundRect">
-              <a:avLst>
-                <a:gd name="adj" fmla="val 50000"/>
-              </a:avLst>
-            </a:prstGeom>
-            <a:gradFill rotWithShape="1">
-              <a:gsLst>
-                <a:gs pos="0">
-                  <a:srgbClr val="3CA1E6">
-                    <a:alpha val="0"/>
-                  </a:srgbClr>
-                </a:gs>
-                <a:gs pos="100000">
-                  <a:srgbClr val="3CA1E6">
-                    <a:gamma/>
-                    <a:tint val="51373"/>
-                    <a:invGamma/>
-                  </a:srgbClr>
-                </a:gs>
-              </a:gsLst>
-              <a:lin ang="5400000" scaled="1"/>
-            </a:gradFill>
-            <a:ln>
-              <a:noFill/>
-            </a:ln>
-            <a:effectLst/>
-            <a:extLst>
-              <a:ext uri="{91240B29-F687-4F45-9708-019B960494DF}">
-                <a14:hiddenLine xmlns:a14="http://schemas.microsoft.com/office/drawing/2010/main" w="9525">
-                  <a:solidFill>
-                    <a:schemeClr val="tx1"/>
-                  </a:solidFill>
-                  <a:round/>
-                  <a:headEnd/>
-                  <a:tailEnd/>
-                </a14:hiddenLine>
-              </a:ext>
-              <a:ext uri="{AF507438-7753-43E0-B8FC-AC1667EBCBE1}">
-                <a14:hiddenEffects xmlns:a14="http://schemas.microsoft.com/office/drawing/2010/main">
-                  <a:effectLst>
-                    <a:outerShdw dist="35921" dir="2700000" algn="ctr" rotWithShape="0">
-                      <a:schemeClr val="bg2"/>
-                    </a:outerShdw>
-                  </a:effectLst>
-                </a14:hiddenEffects>
-              </a:ext>
-            </a:extLst>
-          </p:spPr>
-          <p:txBody>
-            <a:bodyPr wrap="none" anchor="ctr"/>
-            <a:lstStyle/>
-            <a:p>
-              <a:endParaRPr lang="en-US"/>
-            </a:p>
-          </p:txBody>
-        </p:sp>
-        <p:sp>
-          <p:nvSpPr>
-            <p:cNvPr id="8" name="AutoShape 7"/>
-            <p:cNvSpPr>
-              <a:spLocks noChangeArrowheads="1"/>
-            </p:cNvSpPr>
-            <p:nvPr/>
-          </p:nvSpPr>
-          <p:spPr bwMode="gray">
-            <a:xfrm>
-              <a:off x="752" y="1509"/>
-              <a:ext cx="1304" cy="446"/>
-            </a:xfrm>
-            <a:prstGeom prst="roundRect">
-              <a:avLst>
-                <a:gd name="adj" fmla="val 50000"/>
-              </a:avLst>
-            </a:prstGeom>
-            <a:gradFill rotWithShape="1">
-              <a:gsLst>
-                <a:gs pos="0">
-                  <a:srgbClr val="3CA1E6">
-                    <a:gamma/>
-                    <a:tint val="33333"/>
-                    <a:invGamma/>
-                  </a:srgbClr>
-                </a:gs>
-                <a:gs pos="100000">
-                  <a:srgbClr val="3CA1E6">
-                    <a:alpha val="0"/>
-                  </a:srgbClr>
-                </a:gs>
-              </a:gsLst>
-              <a:lin ang="5400000" scaled="1"/>
-            </a:gradFill>
-            <a:ln>
-              <a:noFill/>
-            </a:ln>
-            <a:effectLst/>
-            <a:extLst>
-              <a:ext uri="{91240B29-F687-4F45-9708-019B960494DF}">
-                <a14:hiddenLine xmlns:a14="http://schemas.microsoft.com/office/drawing/2010/main" w="9525">
-                  <a:solidFill>
-                    <a:schemeClr val="tx1"/>
-                  </a:solidFill>
-                  <a:round/>
-                  <a:headEnd/>
-                  <a:tailEnd/>
-                </a14:hiddenLine>
-              </a:ext>
-              <a:ext uri="{AF507438-7753-43E0-B8FC-AC1667EBCBE1}">
-                <a14:hiddenEffects xmlns:a14="http://schemas.microsoft.com/office/drawing/2010/main">
-                  <a:effectLst>
-                    <a:outerShdw dist="35921" dir="2700000" algn="ctr" rotWithShape="0">
-                      <a:schemeClr val="bg2"/>
-                    </a:outerShdw>
-                  </a:effectLst>
-                </a14:hiddenEffects>
-              </a:ext>
-            </a:extLst>
-          </p:spPr>
-          <p:txBody>
-            <a:bodyPr wrap="none" anchor="ctr"/>
-            <a:lstStyle/>
-            <a:p>
-              <a:endParaRPr lang="en-US"/>
-            </a:p>
-          </p:txBody>
-        </p:sp>
-        <p:sp>
-          <p:nvSpPr>
-            <p:cNvPr id="9" name="AutoShape 8"/>
-            <p:cNvSpPr>
-              <a:spLocks noChangeArrowheads="1"/>
-            </p:cNvSpPr>
-            <p:nvPr/>
-          </p:nvSpPr>
-          <p:spPr bwMode="gray">
-            <a:xfrm>
-              <a:off x="724" y="3290"/>
-              <a:ext cx="1363" cy="548"/>
-            </a:xfrm>
-            <a:prstGeom prst="roundRect">
-              <a:avLst>
-                <a:gd name="adj" fmla="val 40389"/>
-              </a:avLst>
-            </a:prstGeom>
-            <a:gradFill rotWithShape="1">
-              <a:gsLst>
-                <a:gs pos="0">
-                  <a:srgbClr val="729EB4"/>
-                </a:gs>
-                <a:gs pos="100000">
-                  <a:srgbClr val="EAEAEA"/>
-                </a:gs>
-              </a:gsLst>
-              <a:lin ang="5400000" scaled="1"/>
-            </a:gradFill>
-            <a:ln>
-              <a:noFill/>
-            </a:ln>
-            <a:effectLst/>
-            <a:extLst>
-              <a:ext uri="{91240B29-F687-4F45-9708-019B960494DF}">
-                <a14:hiddenLine xmlns:a14="http://schemas.microsoft.com/office/drawing/2010/main" w="9525">
-                  <a:solidFill>
-                    <a:schemeClr val="tx1"/>
-                  </a:solidFill>
-                  <a:round/>
-                  <a:headEnd/>
-                  <a:tailEnd/>
-                </a14:hiddenLine>
-              </a:ext>
-              <a:ext uri="{AF507438-7753-43E0-B8FC-AC1667EBCBE1}">
-                <a14:hiddenEffects xmlns:a14="http://schemas.microsoft.com/office/drawing/2010/main">
-                  <a:effectLst>
-                    <a:outerShdw dist="35921" dir="2700000" algn="ctr" rotWithShape="0">
-                      <a:schemeClr val="bg2"/>
-                    </a:outerShdw>
-                  </a:effectLst>
-                </a14:hiddenEffects>
-              </a:ext>
-            </a:extLst>
-          </p:spPr>
-          <p:txBody>
-            <a:bodyPr wrap="none" anchor="ctr"/>
-            <a:lstStyle/>
-            <a:p>
-              <a:endParaRPr lang="en-US"/>
-            </a:p>
-          </p:txBody>
-        </p:sp>
-        <p:sp>
-          <p:nvSpPr>
-            <p:cNvPr id="10" name="AutoShape 9"/>
-            <p:cNvSpPr>
-              <a:spLocks noChangeArrowheads="1"/>
-            </p:cNvSpPr>
-            <p:nvPr/>
-          </p:nvSpPr>
-          <p:spPr bwMode="gray">
-            <a:xfrm>
-              <a:off x="752" y="3305"/>
-              <a:ext cx="1304" cy="487"/>
-            </a:xfrm>
-            <a:prstGeom prst="roundRect">
-              <a:avLst>
-                <a:gd name="adj" fmla="val 50000"/>
-              </a:avLst>
-            </a:prstGeom>
-            <a:gradFill rotWithShape="1">
-              <a:gsLst>
-                <a:gs pos="0">
-                  <a:srgbClr val="7DAFD4"/>
-                </a:gs>
-                <a:gs pos="100000">
-                  <a:srgbClr val="EAEAEA"/>
-                </a:gs>
-              </a:gsLst>
-              <a:lin ang="5400000" scaled="1"/>
-            </a:gradFill>
-            <a:ln>
-              <a:noFill/>
-            </a:ln>
-            <a:effectLst/>
-            <a:extLst>
-              <a:ext uri="{91240B29-F687-4F45-9708-019B960494DF}">
-                <a14:hiddenLine xmlns:a14="http://schemas.microsoft.com/office/drawing/2010/main" w="9525">
-                  <a:solidFill>
-                    <a:schemeClr val="tx1"/>
-                  </a:solidFill>
-                  <a:round/>
-                  <a:headEnd/>
-                  <a:tailEnd/>
-                </a14:hiddenLine>
-              </a:ext>
-              <a:ext uri="{AF507438-7753-43E0-B8FC-AC1667EBCBE1}">
-                <a14:hiddenEffects xmlns:a14="http://schemas.microsoft.com/office/drawing/2010/main">
-                  <a:effectLst>
-                    <a:outerShdw dist="35921" dir="2700000" algn="ctr" rotWithShape="0">
-                      <a:schemeClr val="bg2"/>
-                    </a:outerShdw>
-                  </a:effectLst>
-                </a14:hiddenEffects>
-              </a:ext>
-            </a:extLst>
-          </p:spPr>
-          <p:txBody>
-            <a:bodyPr wrap="none" anchor="ctr"/>
-            <a:lstStyle/>
-            <a:p>
-              <a:endParaRPr lang="en-US"/>
-            </a:p>
-          </p:txBody>
-        </p:sp>
-        <p:grpSp>
-          <p:nvGrpSpPr>
-            <p:cNvPr id="11" name="Group 10"/>
-            <p:cNvGrpSpPr>
-              <a:grpSpLocks/>
-            </p:cNvGrpSpPr>
-            <p:nvPr/>
-          </p:nvGrpSpPr>
-          <p:grpSpPr bwMode="auto">
-            <a:xfrm>
-              <a:off x="1189" y="1296"/>
-              <a:ext cx="405" cy="405"/>
-              <a:chOff x="1289" y="582"/>
-              <a:chExt cx="668" cy="668"/>
-            </a:xfrm>
-          </p:grpSpPr>
-          <p:sp>
-            <p:nvSpPr>
-              <p:cNvPr id="14" name="Oval 11"/>
-              <p:cNvSpPr>
-                <a:spLocks noChangeArrowheads="1"/>
-              </p:cNvSpPr>
-              <p:nvPr/>
-            </p:nvSpPr>
-            <p:spPr bwMode="gray">
-              <a:xfrm>
-                <a:off x="1289" y="582"/>
-                <a:ext cx="668" cy="668"/>
-              </a:xfrm>
-              <a:prstGeom prst="ellipse">
-                <a:avLst/>
-              </a:prstGeom>
-              <a:solidFill>
-                <a:srgbClr val="333333"/>
-              </a:solidFill>
-              <a:ln>
-                <a:noFill/>
-              </a:ln>
-              <a:effectLst/>
-              <a:extLst>
-                <a:ext uri="{91240B29-F687-4F45-9708-019B960494DF}">
-                  <a14:hiddenLine xmlns:a14="http://schemas.microsoft.com/office/drawing/2010/main" w="38100" algn="ctr">
-                    <a:solidFill>
-                      <a:schemeClr val="bg1"/>
-                    </a:solidFill>
-                    <a:round/>
-                    <a:headEnd/>
-                    <a:tailEnd/>
-                  </a14:hiddenLine>
-                </a:ext>
-                <a:ext uri="{AF507438-7753-43E0-B8FC-AC1667EBCBE1}">
-                  <a14:hiddenEffects xmlns:a14="http://schemas.microsoft.com/office/drawing/2010/main">
-                    <a:effectLst>
-                      <a:outerShdw dist="109250" dir="3267739" algn="ctr" rotWithShape="0">
-                        <a:srgbClr val="808080">
-                          <a:alpha val="50000"/>
-                        </a:srgbClr>
-                      </a:outerShdw>
-                    </a:effectLst>
-                  </a14:hiddenEffects>
-                </a:ext>
-              </a:extLst>
-            </p:spPr>
-            <p:txBody>
-              <a:bodyPr anchor="ctr">
-                <a:spAutoFit/>
-              </a:bodyPr>
-              <a:lstStyle/>
-              <a:p>
-                <a:endParaRPr lang="en-US"/>
-              </a:p>
-            </p:txBody>
-          </p:sp>
-          <p:sp>
-            <p:nvSpPr>
-              <p:cNvPr id="15" name="Oval 12"/>
-              <p:cNvSpPr>
-                <a:spLocks noChangeArrowheads="1"/>
-              </p:cNvSpPr>
-              <p:nvPr/>
-            </p:nvSpPr>
-            <p:spPr bwMode="gray">
-              <a:xfrm>
-                <a:off x="1296" y="587"/>
-                <a:ext cx="646" cy="647"/>
-              </a:xfrm>
-              <a:prstGeom prst="ellipse">
-                <a:avLst/>
-              </a:prstGeom>
-              <a:gradFill rotWithShape="1">
-                <a:gsLst>
-                  <a:gs pos="0">
-                    <a:srgbClr val="D6E1E2">
-                      <a:gamma/>
-                      <a:shade val="46275"/>
-                      <a:invGamma/>
-                    </a:srgbClr>
-                  </a:gs>
-                  <a:gs pos="100000">
-                    <a:srgbClr val="D6E1E2"/>
-                  </a:gs>
-                </a:gsLst>
-                <a:lin ang="5400000" scaled="1"/>
-              </a:gradFill>
-              <a:ln>
-                <a:noFill/>
-              </a:ln>
-              <a:effectLst/>
-              <a:extLst>
-                <a:ext uri="{91240B29-F687-4F45-9708-019B960494DF}">
-                  <a14:hiddenLine xmlns:a14="http://schemas.microsoft.com/office/drawing/2010/main" w="9525" algn="ctr">
-                    <a:solidFill>
-                      <a:schemeClr val="tx1"/>
-                    </a:solidFill>
-                    <a:round/>
-                    <a:headEnd/>
-                    <a:tailEnd/>
-                  </a14:hiddenLine>
-                </a:ext>
-                <a:ext uri="{AF507438-7753-43E0-B8FC-AC1667EBCBE1}">
-                  <a14:hiddenEffects xmlns:a14="http://schemas.microsoft.com/office/drawing/2010/main">
-                    <a:effectLst>
-                      <a:outerShdw dist="35921" dir="2700000" algn="ctr" rotWithShape="0">
-                        <a:schemeClr val="bg2"/>
-                      </a:outerShdw>
-                    </a:effectLst>
-                  </a14:hiddenEffects>
-                </a:ext>
-              </a:extLst>
-            </p:spPr>
-            <p:txBody>
-              <a:bodyPr vert="eaVert" wrap="none" anchor="ctr"/>
-              <a:lstStyle/>
-              <a:p>
-                <a:endParaRPr lang="en-US"/>
-              </a:p>
-            </p:txBody>
-          </p:sp>
-          <p:sp>
-            <p:nvSpPr>
-              <p:cNvPr id="16" name="Oval 13"/>
-              <p:cNvSpPr>
-                <a:spLocks noChangeArrowheads="1"/>
-              </p:cNvSpPr>
-              <p:nvPr/>
-            </p:nvSpPr>
-            <p:spPr bwMode="gray">
-              <a:xfrm>
-                <a:off x="1304" y="591"/>
-                <a:ext cx="631" cy="631"/>
-              </a:xfrm>
-              <a:prstGeom prst="ellipse">
-                <a:avLst/>
-              </a:prstGeom>
-              <a:gradFill rotWithShape="1">
-                <a:gsLst>
-                  <a:gs pos="0">
-                    <a:srgbClr val="D6E1E2">
-                      <a:alpha val="0"/>
-                    </a:srgbClr>
-                  </a:gs>
-                  <a:gs pos="100000">
-                    <a:srgbClr val="D6E1E2">
-                      <a:gamma/>
-                      <a:tint val="34902"/>
-                      <a:invGamma/>
-                    </a:srgbClr>
-                  </a:gs>
-                </a:gsLst>
-                <a:lin ang="5400000" scaled="1"/>
-              </a:gradFill>
-              <a:ln>
-                <a:noFill/>
-              </a:ln>
-              <a:effectLst/>
-              <a:extLst>
-                <a:ext uri="{91240B29-F687-4F45-9708-019B960494DF}">
-                  <a14:hiddenLine xmlns:a14="http://schemas.microsoft.com/office/drawing/2010/main" w="9525" algn="ctr">
-                    <a:solidFill>
-                      <a:schemeClr val="tx1"/>
-                    </a:solidFill>
-                    <a:round/>
-                    <a:headEnd/>
-                    <a:tailEnd/>
-                  </a14:hiddenLine>
-                </a:ext>
-                <a:ext uri="{AF507438-7753-43E0-B8FC-AC1667EBCBE1}">
-                  <a14:hiddenEffects xmlns:a14="http://schemas.microsoft.com/office/drawing/2010/main">
-                    <a:effectLst>
-                      <a:outerShdw dist="35921" dir="2700000" algn="ctr" rotWithShape="0">
-                        <a:schemeClr val="bg2"/>
-                      </a:outerShdw>
-                    </a:effectLst>
-                  </a14:hiddenEffects>
-                </a:ext>
-              </a:extLst>
-            </p:spPr>
-            <p:txBody>
-              <a:bodyPr vert="eaVert" wrap="none" anchor="ctr"/>
-              <a:lstStyle/>
-              <a:p>
-                <a:endParaRPr lang="en-US"/>
-              </a:p>
-            </p:txBody>
-          </p:sp>
-          <p:sp>
-            <p:nvSpPr>
-              <p:cNvPr id="17" name="Oval 14"/>
-              <p:cNvSpPr>
-                <a:spLocks noChangeArrowheads="1"/>
-              </p:cNvSpPr>
-              <p:nvPr/>
-            </p:nvSpPr>
-            <p:spPr bwMode="gray">
-              <a:xfrm>
-                <a:off x="1311" y="597"/>
-                <a:ext cx="600" cy="589"/>
-              </a:xfrm>
-              <a:prstGeom prst="ellipse">
-                <a:avLst/>
-              </a:prstGeom>
-              <a:gradFill rotWithShape="1">
-                <a:gsLst>
-                  <a:gs pos="0">
-                    <a:srgbClr val="D6E1E2">
-                      <a:gamma/>
-                      <a:shade val="79216"/>
-                      <a:invGamma/>
-                    </a:srgbClr>
-                  </a:gs>
-                  <a:gs pos="100000">
-                    <a:srgbClr val="D6E1E2">
-                      <a:alpha val="48000"/>
-                    </a:srgbClr>
-                  </a:gs>
-                </a:gsLst>
-                <a:lin ang="5400000" scaled="1"/>
-              </a:gradFill>
-              <a:ln>
-                <a:noFill/>
-              </a:ln>
-              <a:effectLst/>
-              <a:extLst>
-                <a:ext uri="{91240B29-F687-4F45-9708-019B960494DF}">
-                  <a14:hiddenLine xmlns:a14="http://schemas.microsoft.com/office/drawing/2010/main" w="9525" algn="ctr">
-                    <a:solidFill>
-                      <a:schemeClr val="tx1"/>
-                    </a:solidFill>
-                    <a:round/>
-                    <a:headEnd/>
-                    <a:tailEnd/>
-                  </a14:hiddenLine>
-                </a:ext>
-                <a:ext uri="{AF507438-7753-43E0-B8FC-AC1667EBCBE1}">
-                  <a14:hiddenEffects xmlns:a14="http://schemas.microsoft.com/office/drawing/2010/main">
-                    <a:effectLst>
-                      <a:outerShdw dist="35921" dir="2700000" algn="ctr" rotWithShape="0">
-                        <a:schemeClr val="bg2"/>
-                      </a:outerShdw>
-                    </a:effectLst>
-                  </a14:hiddenEffects>
-                </a:ext>
-              </a:extLst>
-            </p:spPr>
-            <p:txBody>
-              <a:bodyPr vert="eaVert" wrap="none" anchor="ctr"/>
-              <a:lstStyle/>
-              <a:p>
-                <a:endParaRPr lang="en-US"/>
-              </a:p>
-            </p:txBody>
-          </p:sp>
-          <p:sp>
-            <p:nvSpPr>
-              <p:cNvPr id="18" name="Oval 15"/>
-              <p:cNvSpPr>
-                <a:spLocks noChangeArrowheads="1"/>
-              </p:cNvSpPr>
-              <p:nvPr/>
-            </p:nvSpPr>
-            <p:spPr bwMode="gray">
-              <a:xfrm>
-                <a:off x="1346" y="613"/>
-                <a:ext cx="533" cy="479"/>
-              </a:xfrm>
-              <a:prstGeom prst="ellipse">
-                <a:avLst/>
-              </a:prstGeom>
-              <a:gradFill rotWithShape="1">
-                <a:gsLst>
-                  <a:gs pos="0">
-                    <a:srgbClr val="D6E1E2">
-                      <a:gamma/>
-                      <a:tint val="0"/>
-                      <a:invGamma/>
-                    </a:srgbClr>
-                  </a:gs>
-                  <a:gs pos="100000">
-                    <a:srgbClr val="D6E1E2">
-                      <a:alpha val="38000"/>
-                    </a:srgbClr>
-                  </a:gs>
-                </a:gsLst>
-                <a:lin ang="5400000" scaled="1"/>
-              </a:gradFill>
-              <a:ln>
-                <a:noFill/>
-              </a:ln>
-              <a:effectLst/>
-              <a:extLst>
-                <a:ext uri="{91240B29-F687-4F45-9708-019B960494DF}">
-                  <a14:hiddenLine xmlns:a14="http://schemas.microsoft.com/office/drawing/2010/main" w="9525" algn="ctr">
-                    <a:solidFill>
-                      <a:schemeClr val="tx1"/>
-                    </a:solidFill>
-                    <a:round/>
-                    <a:headEnd/>
-                    <a:tailEnd/>
-                  </a14:hiddenLine>
-                </a:ext>
-                <a:ext uri="{AF507438-7753-43E0-B8FC-AC1667EBCBE1}">
-                  <a14:hiddenEffects xmlns:a14="http://schemas.microsoft.com/office/drawing/2010/main">
-                    <a:effectLst>
-                      <a:outerShdw dist="35921" dir="2700000" algn="ctr" rotWithShape="0">
-                        <a:schemeClr val="bg2"/>
-                      </a:outerShdw>
-                    </a:effectLst>
-                  </a14:hiddenEffects>
-                </a:ext>
-              </a:extLst>
-            </p:spPr>
-            <p:txBody>
-              <a:bodyPr vert="eaVert" wrap="none" anchor="ctr"/>
-              <a:lstStyle/>
-              <a:p>
-                <a:endParaRPr lang="en-US"/>
-              </a:p>
-            </p:txBody>
-          </p:sp>
-        </p:grpSp>
-        <p:sp>
-          <p:nvSpPr>
-            <p:cNvPr id="12" name="Text Box 16"/>
-            <p:cNvSpPr txBox="1">
-              <a:spLocks noChangeArrowheads="1"/>
-            </p:cNvSpPr>
-            <p:nvPr/>
-          </p:nvSpPr>
-          <p:spPr bwMode="gray">
-            <a:xfrm>
-              <a:off x="1276" y="1354"/>
-              <a:ext cx="223" cy="288"/>
-            </a:xfrm>
-            <a:prstGeom prst="rect">
-              <a:avLst/>
-            </a:prstGeom>
-            <a:noFill/>
-            <a:ln>
-              <a:noFill/>
-            </a:ln>
-            <a:effectLst/>
-            <a:extLst>
-              <a:ext uri="{909E8E84-426E-40DD-AFC4-6F175D3DCCD1}">
-                <a14:hiddenFill xmlns:a14="http://schemas.microsoft.com/office/drawing/2010/main">
-                  <a:solidFill>
-                    <a:schemeClr val="accent1"/>
-                  </a:solidFill>
-                </a14:hiddenFill>
-              </a:ext>
-              <a:ext uri="{91240B29-F687-4F45-9708-019B960494DF}">
-                <a14:hiddenLine xmlns:a14="http://schemas.microsoft.com/office/drawing/2010/main" w="9525" algn="ctr">
-                  <a:solidFill>
-                    <a:schemeClr val="tx1"/>
-                  </a:solidFill>
-                  <a:miter lim="800000"/>
-                  <a:headEnd/>
-                  <a:tailEnd/>
-                </a14:hiddenLine>
-              </a:ext>
-              <a:ext uri="{AF507438-7753-43E0-B8FC-AC1667EBCBE1}">
-                <a14:hiddenEffects xmlns:a14="http://schemas.microsoft.com/office/drawing/2010/main">
-                  <a:effectLst>
-                    <a:outerShdw dist="35921" dir="2700000" algn="ctr" rotWithShape="0">
-                      <a:schemeClr val="bg2"/>
-                    </a:outerShdw>
-                  </a:effectLst>
-                </a14:hiddenEffects>
-              </a:ext>
-            </a:extLst>
-          </p:spPr>
-          <p:txBody>
-            <a:bodyPr wrap="none">
-              <a:spAutoFit/>
-            </a:bodyPr>
-            <a:lstStyle/>
-            <a:p>
-              <a:pPr algn="ctr"/>
-              <a:r>
-                <a:rPr lang="en-US" sz="2400" b="0" dirty="0">
-                  <a:solidFill>
-                    <a:srgbClr val="000000"/>
-                  </a:solidFill>
-                </a:rPr>
-                <a:t>1</a:t>
-              </a:r>
-              <a:endParaRPr lang="en-US" b="0" dirty="0"/>
-            </a:p>
-          </p:txBody>
-        </p:sp>
-        <p:sp>
-          <p:nvSpPr>
-            <p:cNvPr id="13" name="Text Box 17"/>
-            <p:cNvSpPr txBox="1">
-              <a:spLocks noChangeArrowheads="1"/>
-            </p:cNvSpPr>
-            <p:nvPr/>
-          </p:nvSpPr>
-          <p:spPr bwMode="gray">
-            <a:xfrm>
-              <a:off x="768" y="1776"/>
-              <a:ext cx="1296" cy="872"/>
-            </a:xfrm>
-            <a:prstGeom prst="rect">
-              <a:avLst/>
-            </a:prstGeom>
-            <a:noFill/>
-            <a:ln>
-              <a:noFill/>
-            </a:ln>
-            <a:effectLst/>
-            <a:extLst>
-              <a:ext uri="{909E8E84-426E-40DD-AFC4-6F175D3DCCD1}">
-                <a14:hiddenFill xmlns:a14="http://schemas.microsoft.com/office/drawing/2010/main">
-                  <a:solidFill>
-                    <a:schemeClr val="accent1"/>
-                  </a:solidFill>
-                </a14:hiddenFill>
-              </a:ext>
-              <a:ext uri="{91240B29-F687-4F45-9708-019B960494DF}">
-                <a14:hiddenLine xmlns:a14="http://schemas.microsoft.com/office/drawing/2010/main" w="9525" algn="ctr">
-                  <a:solidFill>
-                    <a:schemeClr val="tx1"/>
-                  </a:solidFill>
-                  <a:miter lim="800000"/>
-                  <a:headEnd/>
-                  <a:tailEnd/>
-                </a14:hiddenLine>
-              </a:ext>
-              <a:ext uri="{AF507438-7753-43E0-B8FC-AC1667EBCBE1}">
-                <a14:hiddenEffects xmlns:a14="http://schemas.microsoft.com/office/drawing/2010/main">
-                  <a:effectLst>
-                    <a:outerShdw dist="35921" dir="2700000" algn="ctr" rotWithShape="0">
-                      <a:schemeClr val="bg2"/>
-                    </a:outerShdw>
-                  </a:effectLst>
-                </a14:hiddenEffects>
-              </a:ext>
-            </a:extLst>
-          </p:spPr>
-          <p:txBody>
-            <a:bodyPr>
-              <a:spAutoFit/>
-            </a:bodyPr>
-            <a:lstStyle/>
-            <a:p>
-              <a:pPr lvl="0"/>
-              <a:r>
-                <a:rPr lang="en-US" sz="2800"/>
-                <a:t>Thiếu các quy trình rõ ràng</a:t>
-              </a:r>
-            </a:p>
-          </p:txBody>
-        </p:sp>
-      </p:grpSp>
-      <p:grpSp>
-        <p:nvGrpSpPr>
-          <p:cNvPr id="19" name="Group 18"/>
-          <p:cNvGrpSpPr>
-            <a:grpSpLocks/>
-          </p:cNvGrpSpPr>
-          <p:nvPr/>
-        </p:nvGrpSpPr>
-        <p:grpSpPr bwMode="auto">
-          <a:xfrm>
-            <a:off x="2363250" y="1843237"/>
-            <a:ext cx="2166938" cy="4035425"/>
-            <a:chOff x="2208" y="1296"/>
-            <a:chExt cx="1365" cy="2542"/>
-          </a:xfrm>
-        </p:grpSpPr>
-        <p:sp>
-          <p:nvSpPr>
-            <p:cNvPr id="20" name="AutoShape 19"/>
-            <p:cNvSpPr>
-              <a:spLocks noChangeArrowheads="1"/>
-            </p:cNvSpPr>
-            <p:nvPr/>
-          </p:nvSpPr>
-          <p:spPr bwMode="gray">
-            <a:xfrm>
-              <a:off x="2208" y="1490"/>
-              <a:ext cx="1363" cy="1800"/>
-            </a:xfrm>
-            <a:prstGeom prst="roundRect">
-              <a:avLst>
-                <a:gd name="adj" fmla="val 17509"/>
-              </a:avLst>
-            </a:prstGeom>
-            <a:gradFill rotWithShape="1">
-              <a:gsLst>
-                <a:gs pos="0">
-                  <a:srgbClr val="34B034"/>
-                </a:gs>
-                <a:gs pos="100000">
-                  <a:srgbClr val="3F8B4A"/>
-                </a:gs>
-              </a:gsLst>
-              <a:lin ang="2700000" scaled="1"/>
-            </a:gradFill>
-            <a:ln>
-              <a:noFill/>
-            </a:ln>
-            <a:effectLst/>
-            <a:extLst>
-              <a:ext uri="{91240B29-F687-4F45-9708-019B960494DF}">
-                <a14:hiddenLine xmlns:a14="http://schemas.microsoft.com/office/drawing/2010/main" w="9525">
-                  <a:solidFill>
-                    <a:schemeClr val="tx1"/>
-                  </a:solidFill>
-                  <a:round/>
-                  <a:headEnd/>
-                  <a:tailEnd/>
-                </a14:hiddenLine>
-              </a:ext>
-              <a:ext uri="{AF507438-7753-43E0-B8FC-AC1667EBCBE1}">
-                <a14:hiddenEffects xmlns:a14="http://schemas.microsoft.com/office/drawing/2010/main">
-                  <a:effectLst>
-                    <a:outerShdw dist="35921" dir="2700000" algn="ctr" rotWithShape="0">
-                      <a:schemeClr val="bg2"/>
-                    </a:outerShdw>
-                  </a:effectLst>
-                </a14:hiddenEffects>
-              </a:ext>
-            </a:extLst>
-          </p:spPr>
-          <p:txBody>
-            <a:bodyPr wrap="none" anchor="ctr"/>
-            <a:lstStyle/>
-            <a:p>
-              <a:endParaRPr lang="en-US"/>
-            </a:p>
-          </p:txBody>
-        </p:sp>
-        <p:sp>
-          <p:nvSpPr>
-            <p:cNvPr id="21" name="AutoShape 20"/>
-            <p:cNvSpPr>
-              <a:spLocks noChangeArrowheads="1"/>
-            </p:cNvSpPr>
-            <p:nvPr/>
-          </p:nvSpPr>
-          <p:spPr bwMode="gray">
-            <a:xfrm>
-              <a:off x="2229" y="1495"/>
-              <a:ext cx="1322" cy="1766"/>
-            </a:xfrm>
-            <a:prstGeom prst="roundRect">
-              <a:avLst>
-                <a:gd name="adj" fmla="val 16667"/>
-              </a:avLst>
-            </a:prstGeom>
-            <a:solidFill>
-              <a:srgbClr val="73E77E"/>
-            </a:solidFill>
-            <a:ln>
-              <a:noFill/>
-            </a:ln>
-            <a:effectLst/>
-            <a:extLst>
-              <a:ext uri="{91240B29-F687-4F45-9708-019B960494DF}">
-                <a14:hiddenLine xmlns:a14="http://schemas.microsoft.com/office/drawing/2010/main" w="9525">
-                  <a:solidFill>
-                    <a:schemeClr val="tx1"/>
-                  </a:solidFill>
-                  <a:round/>
-                  <a:headEnd/>
-                  <a:tailEnd/>
-                </a14:hiddenLine>
-              </a:ext>
-              <a:ext uri="{AF507438-7753-43E0-B8FC-AC1667EBCBE1}">
-                <a14:hiddenEffects xmlns:a14="http://schemas.microsoft.com/office/drawing/2010/main">
-                  <a:effectLst>
-                    <a:outerShdw dist="35921" dir="2700000" algn="ctr" rotWithShape="0">
-                      <a:schemeClr val="bg2"/>
-                    </a:outerShdw>
-                  </a:effectLst>
-                </a14:hiddenEffects>
-              </a:ext>
-            </a:extLst>
-          </p:spPr>
-          <p:txBody>
-            <a:bodyPr wrap="none" anchor="ctr"/>
-            <a:lstStyle/>
-            <a:p>
-              <a:endParaRPr lang="en-US" sz="2800" dirty="0">
-                <a:latin typeface="Times New Roman" pitchFamily="18" charset="0"/>
-                <a:cs typeface="Times New Roman" pitchFamily="18" charset="0"/>
-              </a:endParaRPr>
-            </a:p>
-          </p:txBody>
-        </p:sp>
-        <p:sp>
-          <p:nvSpPr>
-            <p:cNvPr id="22" name="AutoShape 21"/>
-            <p:cNvSpPr>
-              <a:spLocks noChangeArrowheads="1"/>
-            </p:cNvSpPr>
-            <p:nvPr/>
-          </p:nvSpPr>
-          <p:spPr bwMode="gray">
-            <a:xfrm>
-              <a:off x="2240" y="2795"/>
-              <a:ext cx="1304" cy="447"/>
-            </a:xfrm>
-            <a:prstGeom prst="roundRect">
-              <a:avLst>
-                <a:gd name="adj" fmla="val 50000"/>
-              </a:avLst>
-            </a:prstGeom>
-            <a:gradFill rotWithShape="1">
-              <a:gsLst>
-                <a:gs pos="0">
-                  <a:srgbClr val="73E77E"/>
-                </a:gs>
-                <a:gs pos="100000">
-                  <a:srgbClr val="73E77E">
-                    <a:gamma/>
-                    <a:tint val="54510"/>
-                    <a:invGamma/>
-                  </a:srgbClr>
-                </a:gs>
-              </a:gsLst>
-              <a:lin ang="5400000" scaled="1"/>
-            </a:gradFill>
-            <a:ln>
-              <a:noFill/>
-            </a:ln>
-            <a:effectLst/>
-            <a:extLst>
-              <a:ext uri="{91240B29-F687-4F45-9708-019B960494DF}">
-                <a14:hiddenLine xmlns:a14="http://schemas.microsoft.com/office/drawing/2010/main" w="9525">
-                  <a:solidFill>
-                    <a:schemeClr val="tx1"/>
-                  </a:solidFill>
-                  <a:round/>
-                  <a:headEnd/>
-                  <a:tailEnd/>
-                </a14:hiddenLine>
-              </a:ext>
-              <a:ext uri="{AF507438-7753-43E0-B8FC-AC1667EBCBE1}">
-                <a14:hiddenEffects xmlns:a14="http://schemas.microsoft.com/office/drawing/2010/main">
-                  <a:effectLst>
-                    <a:outerShdw dist="35921" dir="2700000" algn="ctr" rotWithShape="0">
-                      <a:schemeClr val="bg2"/>
-                    </a:outerShdw>
-                  </a:effectLst>
-                </a14:hiddenEffects>
-              </a:ext>
-            </a:extLst>
-          </p:spPr>
-          <p:txBody>
-            <a:bodyPr wrap="none" anchor="ctr"/>
-            <a:lstStyle/>
-            <a:p>
-              <a:endParaRPr lang="en-US"/>
-            </a:p>
-          </p:txBody>
-        </p:sp>
-        <p:sp>
-          <p:nvSpPr>
-            <p:cNvPr id="23" name="AutoShape 22"/>
-            <p:cNvSpPr>
-              <a:spLocks noChangeArrowheads="1"/>
-            </p:cNvSpPr>
-            <p:nvPr/>
-          </p:nvSpPr>
-          <p:spPr bwMode="gray">
-            <a:xfrm>
-              <a:off x="2240" y="1509"/>
-              <a:ext cx="1304" cy="446"/>
-            </a:xfrm>
-            <a:prstGeom prst="roundRect">
-              <a:avLst>
-                <a:gd name="adj" fmla="val 50000"/>
-              </a:avLst>
-            </a:prstGeom>
-            <a:gradFill rotWithShape="1">
-              <a:gsLst>
-                <a:gs pos="0">
-                  <a:srgbClr val="73E77E">
-                    <a:gamma/>
-                    <a:tint val="33333"/>
-                    <a:invGamma/>
-                  </a:srgbClr>
-                </a:gs>
-                <a:gs pos="100000">
-                  <a:srgbClr val="73E77E"/>
-                </a:gs>
-              </a:gsLst>
-              <a:lin ang="5400000" scaled="1"/>
-            </a:gradFill>
-            <a:ln>
-              <a:noFill/>
-            </a:ln>
-            <a:effectLst/>
-            <a:extLst>
-              <a:ext uri="{91240B29-F687-4F45-9708-019B960494DF}">
-                <a14:hiddenLine xmlns:a14="http://schemas.microsoft.com/office/drawing/2010/main" w="9525">
-                  <a:solidFill>
-                    <a:schemeClr val="tx1"/>
-                  </a:solidFill>
-                  <a:round/>
-                  <a:headEnd/>
-                  <a:tailEnd/>
-                </a14:hiddenLine>
-              </a:ext>
-              <a:ext uri="{AF507438-7753-43E0-B8FC-AC1667EBCBE1}">
-                <a14:hiddenEffects xmlns:a14="http://schemas.microsoft.com/office/drawing/2010/main">
-                  <a:effectLst>
-                    <a:outerShdw dist="35921" dir="2700000" algn="ctr" rotWithShape="0">
-                      <a:schemeClr val="bg2"/>
-                    </a:outerShdw>
-                  </a:effectLst>
-                </a14:hiddenEffects>
-              </a:ext>
-            </a:extLst>
-          </p:spPr>
-          <p:txBody>
-            <a:bodyPr wrap="none" anchor="ctr"/>
-            <a:lstStyle/>
-            <a:p>
-              <a:endParaRPr lang="en-US" dirty="0"/>
-            </a:p>
-          </p:txBody>
-        </p:sp>
-        <p:sp>
-          <p:nvSpPr>
-            <p:cNvPr id="24" name="Oval 23"/>
-            <p:cNvSpPr>
-              <a:spLocks noChangeArrowheads="1"/>
-            </p:cNvSpPr>
-            <p:nvPr/>
-          </p:nvSpPr>
-          <p:spPr bwMode="gray">
-            <a:xfrm>
-              <a:off x="2677" y="1296"/>
-              <a:ext cx="405" cy="405"/>
-            </a:xfrm>
-            <a:prstGeom prst="ellipse">
-              <a:avLst/>
-            </a:prstGeom>
-            <a:solidFill>
-              <a:srgbClr val="333333"/>
-            </a:solidFill>
-            <a:ln>
-              <a:noFill/>
-            </a:ln>
-            <a:effectLst/>
-            <a:extLst>
-              <a:ext uri="{91240B29-F687-4F45-9708-019B960494DF}">
-                <a14:hiddenLine xmlns:a14="http://schemas.microsoft.com/office/drawing/2010/main" w="38100" algn="ctr">
-                  <a:solidFill>
-                    <a:schemeClr val="bg1"/>
-                  </a:solidFill>
-                  <a:round/>
-                  <a:headEnd/>
-                  <a:tailEnd/>
-                </a14:hiddenLine>
-              </a:ext>
-              <a:ext uri="{AF507438-7753-43E0-B8FC-AC1667EBCBE1}">
-                <a14:hiddenEffects xmlns:a14="http://schemas.microsoft.com/office/drawing/2010/main">
-                  <a:effectLst>
-                    <a:outerShdw dist="109250" dir="3267739" algn="ctr" rotWithShape="0">
-                      <a:srgbClr val="808080">
-                        <a:alpha val="50000"/>
-                      </a:srgbClr>
-                    </a:outerShdw>
-                  </a:effectLst>
-                </a14:hiddenEffects>
-              </a:ext>
-            </a:extLst>
-          </p:spPr>
-          <p:txBody>
-            <a:bodyPr anchor="ctr">
-              <a:spAutoFit/>
-            </a:bodyPr>
-            <a:lstStyle/>
-            <a:p>
-              <a:endParaRPr lang="en-US"/>
-            </a:p>
-          </p:txBody>
-        </p:sp>
-        <p:sp>
-          <p:nvSpPr>
-            <p:cNvPr id="25" name="Oval 24"/>
-            <p:cNvSpPr>
-              <a:spLocks noChangeArrowheads="1"/>
-            </p:cNvSpPr>
-            <p:nvPr/>
-          </p:nvSpPr>
-          <p:spPr bwMode="gray">
-            <a:xfrm>
-              <a:off x="2681" y="1299"/>
-              <a:ext cx="392" cy="392"/>
-            </a:xfrm>
-            <a:prstGeom prst="ellipse">
-              <a:avLst/>
-            </a:prstGeom>
-            <a:gradFill rotWithShape="1">
-              <a:gsLst>
-                <a:gs pos="0">
-                  <a:srgbClr val="D6E1E2">
-                    <a:gamma/>
-                    <a:shade val="46275"/>
-                    <a:invGamma/>
-                  </a:srgbClr>
-                </a:gs>
-                <a:gs pos="100000">
-                  <a:srgbClr val="D6E1E2"/>
-                </a:gs>
-              </a:gsLst>
-              <a:lin ang="5400000" scaled="1"/>
-            </a:gradFill>
-            <a:ln>
-              <a:noFill/>
-            </a:ln>
-            <a:effectLst/>
-            <a:extLst>
-              <a:ext uri="{91240B29-F687-4F45-9708-019B960494DF}">
-                <a14:hiddenLine xmlns:a14="http://schemas.microsoft.com/office/drawing/2010/main" w="9525" algn="ctr">
-                  <a:solidFill>
-                    <a:schemeClr val="tx1"/>
-                  </a:solidFill>
-                  <a:round/>
-                  <a:headEnd/>
-                  <a:tailEnd/>
-                </a14:hiddenLine>
-              </a:ext>
-              <a:ext uri="{AF507438-7753-43E0-B8FC-AC1667EBCBE1}">
-                <a14:hiddenEffects xmlns:a14="http://schemas.microsoft.com/office/drawing/2010/main">
-                  <a:effectLst>
-                    <a:outerShdw dist="35921" dir="2700000" algn="ctr" rotWithShape="0">
-                      <a:schemeClr val="bg2"/>
-                    </a:outerShdw>
-                  </a:effectLst>
-                </a14:hiddenEffects>
-              </a:ext>
-            </a:extLst>
-          </p:spPr>
-          <p:txBody>
-            <a:bodyPr vert="eaVert" wrap="none" anchor="ctr"/>
-            <a:lstStyle/>
-            <a:p>
-              <a:endParaRPr lang="en-US"/>
-            </a:p>
-          </p:txBody>
-        </p:sp>
-        <p:sp>
-          <p:nvSpPr>
-            <p:cNvPr id="26" name="Oval 25"/>
-            <p:cNvSpPr>
-              <a:spLocks noChangeArrowheads="1"/>
-            </p:cNvSpPr>
-            <p:nvPr/>
-          </p:nvSpPr>
-          <p:spPr bwMode="gray">
-            <a:xfrm>
-              <a:off x="2686" y="1301"/>
-              <a:ext cx="383" cy="383"/>
-            </a:xfrm>
-            <a:prstGeom prst="ellipse">
-              <a:avLst/>
-            </a:prstGeom>
-            <a:gradFill rotWithShape="1">
-              <a:gsLst>
-                <a:gs pos="0">
-                  <a:srgbClr val="D6E1E2">
-                    <a:alpha val="0"/>
-                  </a:srgbClr>
-                </a:gs>
-                <a:gs pos="100000">
-                  <a:srgbClr val="D6E1E2">
-                    <a:gamma/>
-                    <a:tint val="34902"/>
-                    <a:invGamma/>
-                  </a:srgbClr>
-                </a:gs>
-              </a:gsLst>
-              <a:lin ang="5400000" scaled="1"/>
-            </a:gradFill>
-            <a:ln>
-              <a:noFill/>
-            </a:ln>
-            <a:effectLst/>
-            <a:extLst>
-              <a:ext uri="{91240B29-F687-4F45-9708-019B960494DF}">
-                <a14:hiddenLine xmlns:a14="http://schemas.microsoft.com/office/drawing/2010/main" w="9525" algn="ctr">
-                  <a:solidFill>
-                    <a:schemeClr val="tx1"/>
-                  </a:solidFill>
-                  <a:round/>
-                  <a:headEnd/>
-                  <a:tailEnd/>
-                </a14:hiddenLine>
-              </a:ext>
-              <a:ext uri="{AF507438-7753-43E0-B8FC-AC1667EBCBE1}">
-                <a14:hiddenEffects xmlns:a14="http://schemas.microsoft.com/office/drawing/2010/main">
-                  <a:effectLst>
-                    <a:outerShdw dist="35921" dir="2700000" algn="ctr" rotWithShape="0">
-                      <a:schemeClr val="bg2"/>
-                    </a:outerShdw>
-                  </a:effectLst>
-                </a14:hiddenEffects>
-              </a:ext>
-            </a:extLst>
-          </p:spPr>
-          <p:txBody>
-            <a:bodyPr vert="eaVert" wrap="none" anchor="ctr"/>
-            <a:lstStyle/>
-            <a:p>
-              <a:endParaRPr lang="en-US"/>
-            </a:p>
-          </p:txBody>
-        </p:sp>
-        <p:sp>
-          <p:nvSpPr>
-            <p:cNvPr id="27" name="Oval 26"/>
-            <p:cNvSpPr>
-              <a:spLocks noChangeArrowheads="1"/>
-            </p:cNvSpPr>
-            <p:nvPr/>
-          </p:nvSpPr>
-          <p:spPr bwMode="gray">
-            <a:xfrm>
-              <a:off x="2690" y="1305"/>
-              <a:ext cx="364" cy="357"/>
-            </a:xfrm>
-            <a:prstGeom prst="ellipse">
-              <a:avLst/>
-            </a:prstGeom>
-            <a:gradFill rotWithShape="1">
-              <a:gsLst>
-                <a:gs pos="0">
-                  <a:srgbClr val="D6E1E2">
-                    <a:gamma/>
-                    <a:shade val="79216"/>
-                    <a:invGamma/>
-                  </a:srgbClr>
-                </a:gs>
-                <a:gs pos="100000">
-                  <a:srgbClr val="D6E1E2">
-                    <a:alpha val="48000"/>
-                  </a:srgbClr>
-                </a:gs>
-              </a:gsLst>
-              <a:lin ang="5400000" scaled="1"/>
-            </a:gradFill>
-            <a:ln>
-              <a:noFill/>
-            </a:ln>
-            <a:effectLst/>
-            <a:extLst>
-              <a:ext uri="{91240B29-F687-4F45-9708-019B960494DF}">
-                <a14:hiddenLine xmlns:a14="http://schemas.microsoft.com/office/drawing/2010/main" w="9525" algn="ctr">
-                  <a:solidFill>
-                    <a:schemeClr val="tx1"/>
-                  </a:solidFill>
-                  <a:round/>
-                  <a:headEnd/>
-                  <a:tailEnd/>
-                </a14:hiddenLine>
-              </a:ext>
-              <a:ext uri="{AF507438-7753-43E0-B8FC-AC1667EBCBE1}">
-                <a14:hiddenEffects xmlns:a14="http://schemas.microsoft.com/office/drawing/2010/main">
-                  <a:effectLst>
-                    <a:outerShdw dist="35921" dir="2700000" algn="ctr" rotWithShape="0">
-                      <a:schemeClr val="bg2"/>
-                    </a:outerShdw>
-                  </a:effectLst>
-                </a14:hiddenEffects>
-              </a:ext>
-            </a:extLst>
-          </p:spPr>
-          <p:txBody>
-            <a:bodyPr vert="eaVert" wrap="none" anchor="ctr"/>
-            <a:lstStyle/>
-            <a:p>
-              <a:endParaRPr lang="en-US"/>
-            </a:p>
-          </p:txBody>
-        </p:sp>
-        <p:sp>
-          <p:nvSpPr>
-            <p:cNvPr id="28" name="Oval 27"/>
-            <p:cNvSpPr>
-              <a:spLocks noChangeArrowheads="1"/>
-            </p:cNvSpPr>
-            <p:nvPr/>
-          </p:nvSpPr>
-          <p:spPr bwMode="gray">
-            <a:xfrm>
-              <a:off x="2712" y="1315"/>
-              <a:ext cx="323" cy="290"/>
-            </a:xfrm>
-            <a:prstGeom prst="ellipse">
-              <a:avLst/>
-            </a:prstGeom>
-            <a:gradFill rotWithShape="1">
-              <a:gsLst>
-                <a:gs pos="0">
-                  <a:srgbClr val="D6E1E2">
-                    <a:gamma/>
-                    <a:tint val="0"/>
-                    <a:invGamma/>
-                  </a:srgbClr>
-                </a:gs>
-                <a:gs pos="100000">
-                  <a:srgbClr val="D6E1E2">
-                    <a:alpha val="38000"/>
-                  </a:srgbClr>
-                </a:gs>
-              </a:gsLst>
-              <a:lin ang="5400000" scaled="1"/>
-            </a:gradFill>
-            <a:ln>
-              <a:noFill/>
-            </a:ln>
-            <a:effectLst/>
-            <a:extLst>
-              <a:ext uri="{91240B29-F687-4F45-9708-019B960494DF}">
-                <a14:hiddenLine xmlns:a14="http://schemas.microsoft.com/office/drawing/2010/main" w="9525" algn="ctr">
-                  <a:solidFill>
-                    <a:schemeClr val="tx1"/>
-                  </a:solidFill>
-                  <a:round/>
-                  <a:headEnd/>
-                  <a:tailEnd/>
-                </a14:hiddenLine>
-              </a:ext>
-              <a:ext uri="{AF507438-7753-43E0-B8FC-AC1667EBCBE1}">
-                <a14:hiddenEffects xmlns:a14="http://schemas.microsoft.com/office/drawing/2010/main">
-                  <a:effectLst>
-                    <a:outerShdw dist="35921" dir="2700000" algn="ctr" rotWithShape="0">
-                      <a:schemeClr val="bg2"/>
-                    </a:outerShdw>
-                  </a:effectLst>
-                </a14:hiddenEffects>
-              </a:ext>
-            </a:extLst>
-          </p:spPr>
-          <p:txBody>
-            <a:bodyPr vert="eaVert" wrap="none" anchor="ctr"/>
-            <a:lstStyle/>
-            <a:p>
-              <a:endParaRPr lang="en-US"/>
-            </a:p>
-          </p:txBody>
-        </p:sp>
-        <p:sp>
-          <p:nvSpPr>
-            <p:cNvPr id="29" name="Text Box 28"/>
-            <p:cNvSpPr txBox="1">
-              <a:spLocks noChangeArrowheads="1"/>
-            </p:cNvSpPr>
-            <p:nvPr/>
-          </p:nvSpPr>
-          <p:spPr bwMode="gray">
-            <a:xfrm>
-              <a:off x="2764" y="1354"/>
-              <a:ext cx="223" cy="288"/>
-            </a:xfrm>
-            <a:prstGeom prst="rect">
-              <a:avLst/>
-            </a:prstGeom>
-            <a:noFill/>
-            <a:ln>
-              <a:noFill/>
-            </a:ln>
-            <a:effectLst/>
-            <a:extLst>
-              <a:ext uri="{909E8E84-426E-40DD-AFC4-6F175D3DCCD1}">
-                <a14:hiddenFill xmlns:a14="http://schemas.microsoft.com/office/drawing/2010/main">
-                  <a:solidFill>
-                    <a:schemeClr val="accent1"/>
-                  </a:solidFill>
-                </a14:hiddenFill>
-              </a:ext>
-              <a:ext uri="{91240B29-F687-4F45-9708-019B960494DF}">
-                <a14:hiddenLine xmlns:a14="http://schemas.microsoft.com/office/drawing/2010/main" w="9525" algn="ctr">
-                  <a:solidFill>
-                    <a:schemeClr val="tx1"/>
-                  </a:solidFill>
-                  <a:miter lim="800000"/>
-                  <a:headEnd/>
-                  <a:tailEnd/>
-                </a14:hiddenLine>
-              </a:ext>
-              <a:ext uri="{AF507438-7753-43E0-B8FC-AC1667EBCBE1}">
-                <a14:hiddenEffects xmlns:a14="http://schemas.microsoft.com/office/drawing/2010/main">
-                  <a:effectLst>
-                    <a:outerShdw dist="35921" dir="2700000" algn="ctr" rotWithShape="0">
-                      <a:schemeClr val="bg2"/>
-                    </a:outerShdw>
-                  </a:effectLst>
-                </a14:hiddenEffects>
-              </a:ext>
-            </a:extLst>
-          </p:spPr>
-          <p:txBody>
-            <a:bodyPr wrap="none">
-              <a:spAutoFit/>
-            </a:bodyPr>
-            <a:lstStyle/>
-            <a:p>
-              <a:pPr algn="ctr"/>
-              <a:r>
-                <a:rPr lang="en-US" sz="2400" b="0">
-                  <a:solidFill>
-                    <a:srgbClr val="000000"/>
-                  </a:solidFill>
-                </a:rPr>
-                <a:t>2</a:t>
-              </a:r>
-              <a:endParaRPr lang="en-US" b="0"/>
-            </a:p>
-          </p:txBody>
-        </p:sp>
-        <p:sp>
-          <p:nvSpPr>
-            <p:cNvPr id="30" name="Text Box 29"/>
-            <p:cNvSpPr txBox="1">
-              <a:spLocks noChangeArrowheads="1"/>
-            </p:cNvSpPr>
-            <p:nvPr/>
-          </p:nvSpPr>
-          <p:spPr bwMode="gray">
-            <a:xfrm>
-              <a:off x="2256" y="1776"/>
-              <a:ext cx="1296" cy="1415"/>
-            </a:xfrm>
-            <a:prstGeom prst="rect">
-              <a:avLst/>
-            </a:prstGeom>
-            <a:noFill/>
-            <a:ln>
-              <a:noFill/>
-            </a:ln>
-            <a:effectLst/>
-            <a:extLst>
-              <a:ext uri="{909E8E84-426E-40DD-AFC4-6F175D3DCCD1}">
-                <a14:hiddenFill xmlns:a14="http://schemas.microsoft.com/office/drawing/2010/main">
-                  <a:solidFill>
-                    <a:schemeClr val="accent1"/>
-                  </a:solidFill>
-                </a14:hiddenFill>
-              </a:ext>
-              <a:ext uri="{91240B29-F687-4F45-9708-019B960494DF}">
-                <a14:hiddenLine xmlns:a14="http://schemas.microsoft.com/office/drawing/2010/main" w="9525" algn="ctr">
-                  <a:solidFill>
-                    <a:schemeClr val="tx1"/>
-                  </a:solidFill>
-                  <a:miter lim="800000"/>
-                  <a:headEnd/>
-                  <a:tailEnd/>
-                </a14:hiddenLine>
-              </a:ext>
-              <a:ext uri="{AF507438-7753-43E0-B8FC-AC1667EBCBE1}">
-                <a14:hiddenEffects xmlns:a14="http://schemas.microsoft.com/office/drawing/2010/main">
-                  <a:effectLst>
-                    <a:outerShdw dist="35921" dir="2700000" algn="ctr" rotWithShape="0">
-                      <a:schemeClr val="bg2"/>
-                    </a:outerShdw>
-                  </a:effectLst>
-                </a14:hiddenEffects>
-              </a:ext>
-            </a:extLst>
-          </p:spPr>
-          <p:txBody>
-            <a:bodyPr>
-              <a:spAutoFit/>
-            </a:bodyPr>
-            <a:lstStyle/>
-            <a:p>
-              <a:pPr lvl="0"/>
-              <a:r>
-                <a:rPr lang="en-US" sz="2800"/>
-                <a:t>Bản chất “hộp đen” của các thành phần COTS</a:t>
-              </a:r>
-            </a:p>
-          </p:txBody>
-        </p:sp>
-        <p:sp>
-          <p:nvSpPr>
-            <p:cNvPr id="31" name="AutoShape 30"/>
-            <p:cNvSpPr>
-              <a:spLocks noChangeArrowheads="1"/>
-            </p:cNvSpPr>
-            <p:nvPr/>
-          </p:nvSpPr>
-          <p:spPr bwMode="gray">
-            <a:xfrm>
-              <a:off x="2210" y="3290"/>
-              <a:ext cx="1363" cy="548"/>
-            </a:xfrm>
-            <a:prstGeom prst="roundRect">
-              <a:avLst>
-                <a:gd name="adj" fmla="val 40389"/>
-              </a:avLst>
-            </a:prstGeom>
-            <a:gradFill rotWithShape="1">
-              <a:gsLst>
-                <a:gs pos="0">
-                  <a:srgbClr val="58A4AE"/>
-                </a:gs>
-                <a:gs pos="100000">
-                  <a:srgbClr val="FFFFFF"/>
-                </a:gs>
-              </a:gsLst>
-              <a:lin ang="5400000" scaled="1"/>
-            </a:gradFill>
-            <a:ln>
-              <a:noFill/>
-            </a:ln>
-            <a:effectLst/>
-            <a:extLst>
-              <a:ext uri="{91240B29-F687-4F45-9708-019B960494DF}">
-                <a14:hiddenLine xmlns:a14="http://schemas.microsoft.com/office/drawing/2010/main" w="9525">
-                  <a:solidFill>
-                    <a:schemeClr val="tx1"/>
-                  </a:solidFill>
-                  <a:round/>
-                  <a:headEnd/>
-                  <a:tailEnd/>
-                </a14:hiddenLine>
-              </a:ext>
-              <a:ext uri="{AF507438-7753-43E0-B8FC-AC1667EBCBE1}">
-                <a14:hiddenEffects xmlns:a14="http://schemas.microsoft.com/office/drawing/2010/main">
-                  <a:effectLst>
-                    <a:outerShdw dist="35921" dir="2700000" algn="ctr" rotWithShape="0">
-                      <a:schemeClr val="bg2"/>
-                    </a:outerShdw>
-                  </a:effectLst>
-                </a14:hiddenEffects>
-              </a:ext>
-            </a:extLst>
-          </p:spPr>
-          <p:txBody>
-            <a:bodyPr wrap="none" anchor="ctr"/>
-            <a:lstStyle/>
-            <a:p>
-              <a:endParaRPr lang="en-US"/>
-            </a:p>
-          </p:txBody>
-        </p:sp>
-        <p:sp>
-          <p:nvSpPr>
-            <p:cNvPr id="32" name="AutoShape 31"/>
-            <p:cNvSpPr>
-              <a:spLocks noChangeArrowheads="1"/>
-            </p:cNvSpPr>
-            <p:nvPr/>
-          </p:nvSpPr>
-          <p:spPr bwMode="gray">
-            <a:xfrm>
-              <a:off x="2238" y="3305"/>
-              <a:ext cx="1304" cy="487"/>
-            </a:xfrm>
-            <a:prstGeom prst="roundRect">
-              <a:avLst>
-                <a:gd name="adj" fmla="val 50000"/>
-              </a:avLst>
-            </a:prstGeom>
-            <a:gradFill rotWithShape="1">
-              <a:gsLst>
-                <a:gs pos="0">
-                  <a:srgbClr val="72B2BB"/>
-                </a:gs>
-                <a:gs pos="100000">
-                  <a:schemeClr val="bg1"/>
-                </a:gs>
-              </a:gsLst>
-              <a:lin ang="5400000" scaled="1"/>
-            </a:gradFill>
-            <a:ln>
-              <a:noFill/>
-            </a:ln>
-            <a:effectLst/>
-            <a:extLst>
-              <a:ext uri="{91240B29-F687-4F45-9708-019B960494DF}">
-                <a14:hiddenLine xmlns:a14="http://schemas.microsoft.com/office/drawing/2010/main" w="9525">
-                  <a:solidFill>
-                    <a:schemeClr val="tx1"/>
-                  </a:solidFill>
-                  <a:round/>
-                  <a:headEnd/>
-                  <a:tailEnd/>
-                </a14:hiddenLine>
-              </a:ext>
-              <a:ext uri="{AF507438-7753-43E0-B8FC-AC1667EBCBE1}">
-                <a14:hiddenEffects xmlns:a14="http://schemas.microsoft.com/office/drawing/2010/main">
-                  <a:effectLst>
-                    <a:outerShdw dist="35921" dir="2700000" algn="ctr" rotWithShape="0">
-                      <a:schemeClr val="bg2"/>
-                    </a:outerShdw>
-                  </a:effectLst>
-                </a14:hiddenEffects>
-              </a:ext>
-            </a:extLst>
-          </p:spPr>
-          <p:txBody>
-            <a:bodyPr wrap="none" anchor="ctr"/>
-            <a:lstStyle/>
-            <a:p>
-              <a:endParaRPr lang="en-US"/>
-            </a:p>
-          </p:txBody>
-        </p:sp>
-      </p:grpSp>
-      <p:grpSp>
-        <p:nvGrpSpPr>
-          <p:cNvPr id="33" name="Group 32"/>
-          <p:cNvGrpSpPr>
-            <a:grpSpLocks/>
-          </p:cNvGrpSpPr>
-          <p:nvPr/>
-        </p:nvGrpSpPr>
-        <p:grpSpPr bwMode="auto">
-          <a:xfrm>
-            <a:off x="4648200" y="1831975"/>
-            <a:ext cx="2170113" cy="4035425"/>
-            <a:chOff x="3692" y="1296"/>
-            <a:chExt cx="1367" cy="2542"/>
-          </a:xfrm>
-        </p:grpSpPr>
-        <p:sp>
-          <p:nvSpPr>
-            <p:cNvPr id="34" name="AutoShape 33"/>
-            <p:cNvSpPr>
-              <a:spLocks noChangeArrowheads="1"/>
-            </p:cNvSpPr>
-            <p:nvPr/>
-          </p:nvSpPr>
-          <p:spPr bwMode="gray">
-            <a:xfrm>
-              <a:off x="3696" y="1490"/>
-              <a:ext cx="1363" cy="1800"/>
-            </a:xfrm>
-            <a:prstGeom prst="roundRect">
-              <a:avLst>
-                <a:gd name="adj" fmla="val 17509"/>
-              </a:avLst>
-            </a:prstGeom>
-            <a:gradFill rotWithShape="1">
-              <a:gsLst>
-                <a:gs pos="0">
-                  <a:srgbClr val="B59F43"/>
-                </a:gs>
-                <a:gs pos="100000">
-                  <a:srgbClr val="8F8849"/>
-                </a:gs>
-              </a:gsLst>
-              <a:lin ang="2700000" scaled="1"/>
-            </a:gradFill>
-            <a:ln>
-              <a:noFill/>
-            </a:ln>
-            <a:effectLst/>
-            <a:extLst>
-              <a:ext uri="{91240B29-F687-4F45-9708-019B960494DF}">
-                <a14:hiddenLine xmlns:a14="http://schemas.microsoft.com/office/drawing/2010/main" w="9525">
-                  <a:solidFill>
-                    <a:schemeClr val="tx1"/>
-                  </a:solidFill>
-                  <a:round/>
-                  <a:headEnd/>
-                  <a:tailEnd/>
-                </a14:hiddenLine>
-              </a:ext>
-              <a:ext uri="{AF507438-7753-43E0-B8FC-AC1667EBCBE1}">
-                <a14:hiddenEffects xmlns:a14="http://schemas.microsoft.com/office/drawing/2010/main">
-                  <a:effectLst>
-                    <a:outerShdw dist="35921" dir="2700000" algn="ctr" rotWithShape="0">
-                      <a:schemeClr val="bg2"/>
-                    </a:outerShdw>
-                  </a:effectLst>
-                </a14:hiddenEffects>
-              </a:ext>
-            </a:extLst>
-          </p:spPr>
-          <p:txBody>
-            <a:bodyPr wrap="none" anchor="ctr"/>
-            <a:lstStyle/>
-            <a:p>
-              <a:endParaRPr lang="en-US"/>
-            </a:p>
-          </p:txBody>
-        </p:sp>
-        <p:sp>
-          <p:nvSpPr>
-            <p:cNvPr id="35" name="AutoShape 34"/>
-            <p:cNvSpPr>
-              <a:spLocks noChangeArrowheads="1"/>
-            </p:cNvSpPr>
-            <p:nvPr/>
-          </p:nvSpPr>
-          <p:spPr bwMode="gray">
-            <a:xfrm>
-              <a:off x="3717" y="1495"/>
-              <a:ext cx="1322" cy="1766"/>
-            </a:xfrm>
-            <a:prstGeom prst="roundRect">
-              <a:avLst>
-                <a:gd name="adj" fmla="val 16667"/>
-              </a:avLst>
-            </a:prstGeom>
-            <a:solidFill>
-              <a:srgbClr val="E9E065"/>
-            </a:solidFill>
-            <a:ln>
-              <a:noFill/>
-            </a:ln>
-            <a:effectLst/>
-            <a:extLst>
-              <a:ext uri="{91240B29-F687-4F45-9708-019B960494DF}">
-                <a14:hiddenLine xmlns:a14="http://schemas.microsoft.com/office/drawing/2010/main" w="9525">
-                  <a:solidFill>
-                    <a:schemeClr val="tx1"/>
-                  </a:solidFill>
-                  <a:round/>
-                  <a:headEnd/>
-                  <a:tailEnd/>
-                </a14:hiddenLine>
-              </a:ext>
-              <a:ext uri="{AF507438-7753-43E0-B8FC-AC1667EBCBE1}">
-                <a14:hiddenEffects xmlns:a14="http://schemas.microsoft.com/office/drawing/2010/main">
-                  <a:effectLst>
-                    <a:outerShdw dist="35921" dir="2700000" algn="ctr" rotWithShape="0">
-                      <a:schemeClr val="bg2"/>
-                    </a:outerShdw>
-                  </a:effectLst>
-                </a14:hiddenEffects>
-              </a:ext>
-            </a:extLst>
-          </p:spPr>
-          <p:txBody>
-            <a:bodyPr wrap="none" anchor="ctr"/>
-            <a:lstStyle/>
-            <a:p>
-              <a:endParaRPr lang="en-US"/>
-            </a:p>
-          </p:txBody>
-        </p:sp>
-        <p:sp>
-          <p:nvSpPr>
-            <p:cNvPr id="36" name="AutoShape 35"/>
-            <p:cNvSpPr>
-              <a:spLocks noChangeArrowheads="1"/>
-            </p:cNvSpPr>
-            <p:nvPr/>
-          </p:nvSpPr>
-          <p:spPr bwMode="gray">
-            <a:xfrm>
-              <a:off x="3728" y="2795"/>
-              <a:ext cx="1304" cy="447"/>
-            </a:xfrm>
-            <a:prstGeom prst="roundRect">
-              <a:avLst>
-                <a:gd name="adj" fmla="val 50000"/>
-              </a:avLst>
-            </a:prstGeom>
-            <a:gradFill rotWithShape="1">
-              <a:gsLst>
-                <a:gs pos="0">
-                  <a:srgbClr val="E9E065"/>
-                </a:gs>
-                <a:gs pos="100000">
-                  <a:srgbClr val="E9E065">
-                    <a:gamma/>
-                    <a:tint val="57647"/>
-                    <a:invGamma/>
-                  </a:srgbClr>
-                </a:gs>
-              </a:gsLst>
-              <a:lin ang="5400000" scaled="1"/>
-            </a:gradFill>
-            <a:ln>
-              <a:noFill/>
-            </a:ln>
-            <a:effectLst/>
-            <a:extLst>
-              <a:ext uri="{91240B29-F687-4F45-9708-019B960494DF}">
-                <a14:hiddenLine xmlns:a14="http://schemas.microsoft.com/office/drawing/2010/main" w="9525">
-                  <a:solidFill>
-                    <a:schemeClr val="tx1"/>
-                  </a:solidFill>
-                  <a:round/>
-                  <a:headEnd/>
-                  <a:tailEnd/>
-                </a14:hiddenLine>
-              </a:ext>
-              <a:ext uri="{AF507438-7753-43E0-B8FC-AC1667EBCBE1}">
-                <a14:hiddenEffects xmlns:a14="http://schemas.microsoft.com/office/drawing/2010/main">
-                  <a:effectLst>
-                    <a:outerShdw dist="35921" dir="2700000" algn="ctr" rotWithShape="0">
-                      <a:schemeClr val="bg2"/>
-                    </a:outerShdw>
-                  </a:effectLst>
-                </a14:hiddenEffects>
-              </a:ext>
-            </a:extLst>
-          </p:spPr>
-          <p:txBody>
-            <a:bodyPr wrap="none" anchor="ctr"/>
-            <a:lstStyle/>
-            <a:p>
-              <a:endParaRPr lang="en-US"/>
-            </a:p>
-          </p:txBody>
-        </p:sp>
-        <p:sp>
-          <p:nvSpPr>
-            <p:cNvPr id="37" name="AutoShape 36"/>
-            <p:cNvSpPr>
-              <a:spLocks noChangeArrowheads="1"/>
-            </p:cNvSpPr>
-            <p:nvPr/>
-          </p:nvSpPr>
-          <p:spPr bwMode="gray">
-            <a:xfrm>
-              <a:off x="3728" y="1509"/>
-              <a:ext cx="1304" cy="446"/>
-            </a:xfrm>
-            <a:prstGeom prst="roundRect">
-              <a:avLst>
-                <a:gd name="adj" fmla="val 50000"/>
-              </a:avLst>
-            </a:prstGeom>
-            <a:gradFill rotWithShape="1">
-              <a:gsLst>
-                <a:gs pos="0">
-                  <a:srgbClr val="E9E065">
-                    <a:gamma/>
-                    <a:tint val="33333"/>
-                    <a:invGamma/>
-                  </a:srgbClr>
-                </a:gs>
-                <a:gs pos="100000">
-                  <a:srgbClr val="E9E065"/>
-                </a:gs>
-              </a:gsLst>
-              <a:lin ang="5400000" scaled="1"/>
-            </a:gradFill>
-            <a:ln>
-              <a:noFill/>
-            </a:ln>
-            <a:effectLst/>
-            <a:extLst>
-              <a:ext uri="{91240B29-F687-4F45-9708-019B960494DF}">
-                <a14:hiddenLine xmlns:a14="http://schemas.microsoft.com/office/drawing/2010/main" w="9525">
-                  <a:solidFill>
-                    <a:schemeClr val="tx1"/>
-                  </a:solidFill>
-                  <a:round/>
-                  <a:headEnd/>
-                  <a:tailEnd/>
-                </a14:hiddenLine>
-              </a:ext>
-              <a:ext uri="{AF507438-7753-43E0-B8FC-AC1667EBCBE1}">
-                <a14:hiddenEffects xmlns:a14="http://schemas.microsoft.com/office/drawing/2010/main">
-                  <a:effectLst>
-                    <a:outerShdw dist="35921" dir="2700000" algn="ctr" rotWithShape="0">
-                      <a:schemeClr val="bg2"/>
-                    </a:outerShdw>
-                  </a:effectLst>
-                </a14:hiddenEffects>
-              </a:ext>
-            </a:extLst>
-          </p:spPr>
-          <p:txBody>
-            <a:bodyPr wrap="none" anchor="ctr"/>
-            <a:lstStyle/>
-            <a:p>
-              <a:endParaRPr lang="en-US"/>
-            </a:p>
-          </p:txBody>
-        </p:sp>
-        <p:grpSp>
-          <p:nvGrpSpPr>
-            <p:cNvPr id="38" name="Group 37"/>
-            <p:cNvGrpSpPr>
-              <a:grpSpLocks/>
-            </p:cNvGrpSpPr>
-            <p:nvPr/>
-          </p:nvGrpSpPr>
-          <p:grpSpPr bwMode="auto">
-            <a:xfrm>
-              <a:off x="4165" y="1296"/>
-              <a:ext cx="405" cy="405"/>
-              <a:chOff x="1289" y="582"/>
-              <a:chExt cx="668" cy="668"/>
-            </a:xfrm>
-          </p:grpSpPr>
-          <p:sp>
-            <p:nvSpPr>
-              <p:cNvPr id="43" name="Oval 38"/>
-              <p:cNvSpPr>
-                <a:spLocks noChangeArrowheads="1"/>
-              </p:cNvSpPr>
-              <p:nvPr/>
-            </p:nvSpPr>
-            <p:spPr bwMode="gray">
-              <a:xfrm>
-                <a:off x="1289" y="582"/>
-                <a:ext cx="668" cy="668"/>
-              </a:xfrm>
-              <a:prstGeom prst="ellipse">
-                <a:avLst/>
-              </a:prstGeom>
-              <a:solidFill>
-                <a:srgbClr val="333333"/>
-              </a:solidFill>
-              <a:ln>
-                <a:noFill/>
-              </a:ln>
-              <a:effectLst/>
-              <a:extLst>
-                <a:ext uri="{91240B29-F687-4F45-9708-019B960494DF}">
-                  <a14:hiddenLine xmlns:a14="http://schemas.microsoft.com/office/drawing/2010/main" w="38100" algn="ctr">
-                    <a:solidFill>
-                      <a:schemeClr val="bg1"/>
-                    </a:solidFill>
-                    <a:round/>
-                    <a:headEnd/>
-                    <a:tailEnd/>
-                  </a14:hiddenLine>
-                </a:ext>
-                <a:ext uri="{AF507438-7753-43E0-B8FC-AC1667EBCBE1}">
-                  <a14:hiddenEffects xmlns:a14="http://schemas.microsoft.com/office/drawing/2010/main">
-                    <a:effectLst>
-                      <a:outerShdw dist="109250" dir="3267739" algn="ctr" rotWithShape="0">
-                        <a:srgbClr val="808080">
-                          <a:alpha val="50000"/>
-                        </a:srgbClr>
-                      </a:outerShdw>
-                    </a:effectLst>
-                  </a14:hiddenEffects>
-                </a:ext>
-              </a:extLst>
-            </p:spPr>
-            <p:txBody>
-              <a:bodyPr anchor="ctr">
-                <a:spAutoFit/>
-              </a:bodyPr>
-              <a:lstStyle/>
-              <a:p>
-                <a:endParaRPr lang="en-US"/>
-              </a:p>
-            </p:txBody>
-          </p:sp>
-          <p:sp>
-            <p:nvSpPr>
-              <p:cNvPr id="44" name="Oval 39"/>
-              <p:cNvSpPr>
-                <a:spLocks noChangeArrowheads="1"/>
-              </p:cNvSpPr>
-              <p:nvPr/>
-            </p:nvSpPr>
-            <p:spPr bwMode="gray">
-              <a:xfrm>
-                <a:off x="1296" y="587"/>
-                <a:ext cx="646" cy="647"/>
-              </a:xfrm>
-              <a:prstGeom prst="ellipse">
-                <a:avLst/>
-              </a:prstGeom>
-              <a:gradFill rotWithShape="1">
-                <a:gsLst>
-                  <a:gs pos="0">
-                    <a:srgbClr val="D6E1E2">
-                      <a:gamma/>
-                      <a:shade val="46275"/>
-                      <a:invGamma/>
-                    </a:srgbClr>
-                  </a:gs>
-                  <a:gs pos="100000">
-                    <a:srgbClr val="D6E1E2"/>
-                  </a:gs>
-                </a:gsLst>
-                <a:lin ang="5400000" scaled="1"/>
-              </a:gradFill>
-              <a:ln>
-                <a:noFill/>
-              </a:ln>
-              <a:effectLst/>
-              <a:extLst>
-                <a:ext uri="{91240B29-F687-4F45-9708-019B960494DF}">
-                  <a14:hiddenLine xmlns:a14="http://schemas.microsoft.com/office/drawing/2010/main" w="9525" algn="ctr">
-                    <a:solidFill>
-                      <a:schemeClr val="tx1"/>
-                    </a:solidFill>
-                    <a:round/>
-                    <a:headEnd/>
-                    <a:tailEnd/>
-                  </a14:hiddenLine>
-                </a:ext>
-                <a:ext uri="{AF507438-7753-43E0-B8FC-AC1667EBCBE1}">
-                  <a14:hiddenEffects xmlns:a14="http://schemas.microsoft.com/office/drawing/2010/main">
-                    <a:effectLst>
-                      <a:outerShdw dist="35921" dir="2700000" algn="ctr" rotWithShape="0">
-                        <a:schemeClr val="bg2"/>
-                      </a:outerShdw>
-                    </a:effectLst>
-                  </a14:hiddenEffects>
-                </a:ext>
-              </a:extLst>
-            </p:spPr>
-            <p:txBody>
-              <a:bodyPr vert="eaVert" wrap="none" anchor="ctr"/>
-              <a:lstStyle/>
-              <a:p>
-                <a:endParaRPr lang="en-US"/>
-              </a:p>
-            </p:txBody>
-          </p:sp>
-          <p:sp>
-            <p:nvSpPr>
-              <p:cNvPr id="45" name="Oval 40"/>
-              <p:cNvSpPr>
-                <a:spLocks noChangeArrowheads="1"/>
-              </p:cNvSpPr>
-              <p:nvPr/>
-            </p:nvSpPr>
-            <p:spPr bwMode="gray">
-              <a:xfrm>
-                <a:off x="1304" y="591"/>
-                <a:ext cx="631" cy="631"/>
-              </a:xfrm>
-              <a:prstGeom prst="ellipse">
-                <a:avLst/>
-              </a:prstGeom>
-              <a:gradFill rotWithShape="1">
-                <a:gsLst>
-                  <a:gs pos="0">
-                    <a:srgbClr val="D6E1E2">
-                      <a:alpha val="0"/>
-                    </a:srgbClr>
-                  </a:gs>
-                  <a:gs pos="100000">
-                    <a:srgbClr val="D6E1E2">
-                      <a:gamma/>
-                      <a:tint val="34902"/>
-                      <a:invGamma/>
-                    </a:srgbClr>
-                  </a:gs>
-                </a:gsLst>
-                <a:lin ang="5400000" scaled="1"/>
-              </a:gradFill>
-              <a:ln>
-                <a:noFill/>
-              </a:ln>
-              <a:effectLst/>
-              <a:extLst>
-                <a:ext uri="{91240B29-F687-4F45-9708-019B960494DF}">
-                  <a14:hiddenLine xmlns:a14="http://schemas.microsoft.com/office/drawing/2010/main" w="9525" algn="ctr">
-                    <a:solidFill>
-                      <a:schemeClr val="tx1"/>
-                    </a:solidFill>
-                    <a:round/>
-                    <a:headEnd/>
-                    <a:tailEnd/>
-                  </a14:hiddenLine>
-                </a:ext>
-                <a:ext uri="{AF507438-7753-43E0-B8FC-AC1667EBCBE1}">
-                  <a14:hiddenEffects xmlns:a14="http://schemas.microsoft.com/office/drawing/2010/main">
-                    <a:effectLst>
-                      <a:outerShdw dist="35921" dir="2700000" algn="ctr" rotWithShape="0">
-                        <a:schemeClr val="bg2"/>
-                      </a:outerShdw>
-                    </a:effectLst>
-                  </a14:hiddenEffects>
-                </a:ext>
-              </a:extLst>
-            </p:spPr>
-            <p:txBody>
-              <a:bodyPr vert="eaVert" wrap="none" anchor="ctr"/>
-              <a:lstStyle/>
-              <a:p>
-                <a:endParaRPr lang="en-US"/>
-              </a:p>
-            </p:txBody>
-          </p:sp>
-          <p:sp>
-            <p:nvSpPr>
-              <p:cNvPr id="46" name="Oval 41"/>
-              <p:cNvSpPr>
-                <a:spLocks noChangeArrowheads="1"/>
-              </p:cNvSpPr>
-              <p:nvPr/>
-            </p:nvSpPr>
-            <p:spPr bwMode="gray">
-              <a:xfrm>
-                <a:off x="1311" y="597"/>
-                <a:ext cx="600" cy="589"/>
-              </a:xfrm>
-              <a:prstGeom prst="ellipse">
-                <a:avLst/>
-              </a:prstGeom>
-              <a:gradFill rotWithShape="1">
-                <a:gsLst>
-                  <a:gs pos="0">
-                    <a:srgbClr val="D6E1E2">
-                      <a:gamma/>
-                      <a:shade val="79216"/>
-                      <a:invGamma/>
-                    </a:srgbClr>
-                  </a:gs>
-                  <a:gs pos="100000">
-                    <a:srgbClr val="D6E1E2">
-                      <a:alpha val="48000"/>
-                    </a:srgbClr>
-                  </a:gs>
-                </a:gsLst>
-                <a:lin ang="5400000" scaled="1"/>
-              </a:gradFill>
-              <a:ln>
-                <a:noFill/>
-              </a:ln>
-              <a:effectLst/>
-              <a:extLst>
-                <a:ext uri="{91240B29-F687-4F45-9708-019B960494DF}">
-                  <a14:hiddenLine xmlns:a14="http://schemas.microsoft.com/office/drawing/2010/main" w="9525" algn="ctr">
-                    <a:solidFill>
-                      <a:schemeClr val="tx1"/>
-                    </a:solidFill>
-                    <a:round/>
-                    <a:headEnd/>
-                    <a:tailEnd/>
-                  </a14:hiddenLine>
-                </a:ext>
-                <a:ext uri="{AF507438-7753-43E0-B8FC-AC1667EBCBE1}">
-                  <a14:hiddenEffects xmlns:a14="http://schemas.microsoft.com/office/drawing/2010/main">
-                    <a:effectLst>
-                      <a:outerShdw dist="35921" dir="2700000" algn="ctr" rotWithShape="0">
-                        <a:schemeClr val="bg2"/>
-                      </a:outerShdw>
-                    </a:effectLst>
-                  </a14:hiddenEffects>
-                </a:ext>
-              </a:extLst>
-            </p:spPr>
-            <p:txBody>
-              <a:bodyPr vert="eaVert" wrap="none" anchor="ctr"/>
-              <a:lstStyle/>
-              <a:p>
-                <a:endParaRPr lang="en-US"/>
-              </a:p>
-            </p:txBody>
-          </p:sp>
-          <p:sp>
-            <p:nvSpPr>
-              <p:cNvPr id="47" name="Oval 42"/>
-              <p:cNvSpPr>
-                <a:spLocks noChangeArrowheads="1"/>
-              </p:cNvSpPr>
-              <p:nvPr/>
-            </p:nvSpPr>
-            <p:spPr bwMode="gray">
-              <a:xfrm>
-                <a:off x="1346" y="613"/>
-                <a:ext cx="533" cy="479"/>
-              </a:xfrm>
-              <a:prstGeom prst="ellipse">
-                <a:avLst/>
-              </a:prstGeom>
-              <a:gradFill rotWithShape="1">
-                <a:gsLst>
-                  <a:gs pos="0">
-                    <a:srgbClr val="D6E1E2">
-                      <a:gamma/>
-                      <a:tint val="0"/>
-                      <a:invGamma/>
-                    </a:srgbClr>
-                  </a:gs>
-                  <a:gs pos="100000">
-                    <a:srgbClr val="D6E1E2">
-                      <a:alpha val="38000"/>
-                    </a:srgbClr>
-                  </a:gs>
-                </a:gsLst>
-                <a:lin ang="5400000" scaled="1"/>
-              </a:gradFill>
-              <a:ln>
-                <a:noFill/>
-              </a:ln>
-              <a:effectLst/>
-              <a:extLst>
-                <a:ext uri="{91240B29-F687-4F45-9708-019B960494DF}">
-                  <a14:hiddenLine xmlns:a14="http://schemas.microsoft.com/office/drawing/2010/main" w="9525" algn="ctr">
-                    <a:solidFill>
-                      <a:schemeClr val="tx1"/>
-                    </a:solidFill>
-                    <a:round/>
-                    <a:headEnd/>
-                    <a:tailEnd/>
-                  </a14:hiddenLine>
-                </a:ext>
-                <a:ext uri="{AF507438-7753-43E0-B8FC-AC1667EBCBE1}">
-                  <a14:hiddenEffects xmlns:a14="http://schemas.microsoft.com/office/drawing/2010/main">
-                    <a:effectLst>
-                      <a:outerShdw dist="35921" dir="2700000" algn="ctr" rotWithShape="0">
-                        <a:schemeClr val="bg2"/>
-                      </a:outerShdw>
-                    </a:effectLst>
-                  </a14:hiddenEffects>
-                </a:ext>
-              </a:extLst>
-            </p:spPr>
-            <p:txBody>
-              <a:bodyPr vert="eaVert" wrap="none" anchor="ctr"/>
-              <a:lstStyle/>
-              <a:p>
-                <a:endParaRPr lang="en-US"/>
-              </a:p>
-            </p:txBody>
-          </p:sp>
-        </p:grpSp>
-        <p:sp>
-          <p:nvSpPr>
-            <p:cNvPr id="39" name="Text Box 43"/>
-            <p:cNvSpPr txBox="1">
-              <a:spLocks noChangeArrowheads="1"/>
-            </p:cNvSpPr>
-            <p:nvPr/>
-          </p:nvSpPr>
-          <p:spPr bwMode="gray">
-            <a:xfrm>
-              <a:off x="4252" y="1354"/>
-              <a:ext cx="223" cy="288"/>
-            </a:xfrm>
-            <a:prstGeom prst="rect">
-              <a:avLst/>
-            </a:prstGeom>
-            <a:noFill/>
-            <a:ln>
-              <a:noFill/>
-            </a:ln>
-            <a:effectLst/>
-            <a:extLst>
-              <a:ext uri="{909E8E84-426E-40DD-AFC4-6F175D3DCCD1}">
-                <a14:hiddenFill xmlns:a14="http://schemas.microsoft.com/office/drawing/2010/main">
-                  <a:solidFill>
-                    <a:schemeClr val="accent1"/>
-                  </a:solidFill>
-                </a14:hiddenFill>
-              </a:ext>
-              <a:ext uri="{91240B29-F687-4F45-9708-019B960494DF}">
-                <a14:hiddenLine xmlns:a14="http://schemas.microsoft.com/office/drawing/2010/main" w="9525" algn="ctr">
-                  <a:solidFill>
-                    <a:schemeClr val="tx1"/>
-                  </a:solidFill>
-                  <a:miter lim="800000"/>
-                  <a:headEnd/>
-                  <a:tailEnd/>
-                </a14:hiddenLine>
-              </a:ext>
-              <a:ext uri="{AF507438-7753-43E0-B8FC-AC1667EBCBE1}">
-                <a14:hiddenEffects xmlns:a14="http://schemas.microsoft.com/office/drawing/2010/main">
-                  <a:effectLst>
-                    <a:outerShdw dist="35921" dir="2700000" algn="ctr" rotWithShape="0">
-                      <a:schemeClr val="bg2"/>
-                    </a:outerShdw>
-                  </a:effectLst>
-                </a14:hiddenEffects>
-              </a:ext>
-            </a:extLst>
-          </p:spPr>
-          <p:txBody>
-            <a:bodyPr wrap="none">
-              <a:spAutoFit/>
-            </a:bodyPr>
-            <a:lstStyle/>
-            <a:p>
-              <a:pPr algn="ctr"/>
-              <a:r>
-                <a:rPr lang="en-US" sz="2400" b="0">
-                  <a:solidFill>
-                    <a:srgbClr val="000000"/>
-                  </a:solidFill>
-                </a:rPr>
-                <a:t>3</a:t>
-              </a:r>
-              <a:endParaRPr lang="en-US" b="0"/>
-            </a:p>
-          </p:txBody>
-        </p:sp>
-        <p:sp>
-          <p:nvSpPr>
-            <p:cNvPr id="40" name="Text Box 44"/>
-            <p:cNvSpPr txBox="1">
-              <a:spLocks noChangeArrowheads="1"/>
-            </p:cNvSpPr>
-            <p:nvPr/>
-          </p:nvSpPr>
-          <p:spPr bwMode="gray">
-            <a:xfrm>
-              <a:off x="3744" y="1776"/>
-              <a:ext cx="1296" cy="1144"/>
-            </a:xfrm>
-            <a:prstGeom prst="rect">
-              <a:avLst/>
-            </a:prstGeom>
-            <a:noFill/>
-            <a:ln>
-              <a:noFill/>
-            </a:ln>
-            <a:effectLst/>
-            <a:extLst>
-              <a:ext uri="{909E8E84-426E-40DD-AFC4-6F175D3DCCD1}">
-                <a14:hiddenFill xmlns:a14="http://schemas.microsoft.com/office/drawing/2010/main">
-                  <a:solidFill>
-                    <a:schemeClr val="accent1"/>
-                  </a:solidFill>
-                </a14:hiddenFill>
-              </a:ext>
-              <a:ext uri="{91240B29-F687-4F45-9708-019B960494DF}">
-                <a14:hiddenLine xmlns:a14="http://schemas.microsoft.com/office/drawing/2010/main" w="9525" algn="ctr">
-                  <a:solidFill>
-                    <a:schemeClr val="tx1"/>
-                  </a:solidFill>
-                  <a:miter lim="800000"/>
-                  <a:headEnd/>
-                  <a:tailEnd/>
-                </a14:hiddenLine>
-              </a:ext>
-              <a:ext uri="{AF507438-7753-43E0-B8FC-AC1667EBCBE1}">
-                <a14:hiddenEffects xmlns:a14="http://schemas.microsoft.com/office/drawing/2010/main">
-                  <a:effectLst>
-                    <a:outerShdw dist="35921" dir="2700000" algn="ctr" rotWithShape="0">
-                      <a:schemeClr val="bg2"/>
-                    </a:outerShdw>
-                  </a:effectLst>
-                </a14:hiddenEffects>
-              </a:ext>
-            </a:extLst>
-          </p:spPr>
-          <p:txBody>
-            <a:bodyPr>
-              <a:spAutoFit/>
-            </a:bodyPr>
-            <a:lstStyle/>
-            <a:p>
-              <a:r>
-                <a:rPr lang="en-US" sz="2800"/>
-                <a:t>Những thay đổi nhanh chóng trên thị trường</a:t>
-              </a:r>
-              <a:endParaRPr lang="en-US" sz="2800" b="0" dirty="0">
-                <a:latin typeface="Times New Roman" pitchFamily="18" charset="0"/>
-                <a:cs typeface="Times New Roman" pitchFamily="18" charset="0"/>
-              </a:endParaRPr>
-            </a:p>
-          </p:txBody>
-        </p:sp>
-        <p:sp>
-          <p:nvSpPr>
-            <p:cNvPr id="41" name="AutoShape 45"/>
-            <p:cNvSpPr>
-              <a:spLocks noChangeArrowheads="1"/>
-            </p:cNvSpPr>
-            <p:nvPr/>
-          </p:nvSpPr>
-          <p:spPr bwMode="gray">
-            <a:xfrm>
-              <a:off x="3692" y="3290"/>
-              <a:ext cx="1363" cy="548"/>
-            </a:xfrm>
-            <a:prstGeom prst="roundRect">
-              <a:avLst>
-                <a:gd name="adj" fmla="val 40389"/>
-              </a:avLst>
-            </a:prstGeom>
-            <a:gradFill rotWithShape="1">
-              <a:gsLst>
-                <a:gs pos="0">
-                  <a:srgbClr val="99BACC"/>
-                </a:gs>
-                <a:gs pos="100000">
-                  <a:schemeClr val="bg1"/>
-                </a:gs>
-              </a:gsLst>
-              <a:lin ang="5400000" scaled="1"/>
-            </a:gradFill>
-            <a:ln>
-              <a:noFill/>
-            </a:ln>
-            <a:effectLst/>
-            <a:extLst>
-              <a:ext uri="{91240B29-F687-4F45-9708-019B960494DF}">
-                <a14:hiddenLine xmlns:a14="http://schemas.microsoft.com/office/drawing/2010/main" w="9525">
-                  <a:solidFill>
-                    <a:schemeClr val="tx1"/>
-                  </a:solidFill>
-                  <a:round/>
-                  <a:headEnd/>
-                  <a:tailEnd/>
-                </a14:hiddenLine>
-              </a:ext>
-              <a:ext uri="{AF507438-7753-43E0-B8FC-AC1667EBCBE1}">
-                <a14:hiddenEffects xmlns:a14="http://schemas.microsoft.com/office/drawing/2010/main">
-                  <a:effectLst>
-                    <a:outerShdw dist="35921" dir="2700000" algn="ctr" rotWithShape="0">
-                      <a:schemeClr val="bg2"/>
-                    </a:outerShdw>
-                  </a:effectLst>
-                </a14:hiddenEffects>
-              </a:ext>
-            </a:extLst>
-          </p:spPr>
-          <p:txBody>
-            <a:bodyPr wrap="none" anchor="ctr"/>
-            <a:lstStyle/>
-            <a:p>
-              <a:endParaRPr lang="en-US"/>
-            </a:p>
-          </p:txBody>
-        </p:sp>
-        <p:sp>
-          <p:nvSpPr>
-            <p:cNvPr id="42" name="AutoShape 46"/>
-            <p:cNvSpPr>
-              <a:spLocks noChangeArrowheads="1"/>
-            </p:cNvSpPr>
-            <p:nvPr/>
-          </p:nvSpPr>
-          <p:spPr bwMode="gray">
-            <a:xfrm>
-              <a:off x="3720" y="3305"/>
-              <a:ext cx="1304" cy="487"/>
-            </a:xfrm>
-            <a:prstGeom prst="roundRect">
-              <a:avLst>
-                <a:gd name="adj" fmla="val 50000"/>
-              </a:avLst>
-            </a:prstGeom>
-            <a:gradFill rotWithShape="1">
-              <a:gsLst>
-                <a:gs pos="0">
-                  <a:srgbClr val="C8DAD4"/>
-                </a:gs>
-                <a:gs pos="100000">
-                  <a:schemeClr val="bg1"/>
-                </a:gs>
-              </a:gsLst>
-              <a:lin ang="5400000" scaled="1"/>
-            </a:gradFill>
-            <a:ln>
-              <a:noFill/>
-            </a:ln>
-            <a:effectLst/>
-            <a:extLst>
-              <a:ext uri="{91240B29-F687-4F45-9708-019B960494DF}">
-                <a14:hiddenLine xmlns:a14="http://schemas.microsoft.com/office/drawing/2010/main" w="9525">
-                  <a:solidFill>
-                    <a:schemeClr val="tx1"/>
-                  </a:solidFill>
-                  <a:round/>
-                  <a:headEnd/>
-                  <a:tailEnd/>
-                </a14:hiddenLine>
-              </a:ext>
-              <a:ext uri="{AF507438-7753-43E0-B8FC-AC1667EBCBE1}">
-                <a14:hiddenEffects xmlns:a14="http://schemas.microsoft.com/office/drawing/2010/main">
-                  <a:effectLst>
-                    <a:outerShdw dist="35921" dir="2700000" algn="ctr" rotWithShape="0">
-                      <a:schemeClr val="bg2"/>
-                    </a:outerShdw>
-                  </a:effectLst>
-                </a14:hiddenEffects>
-              </a:ext>
-            </a:extLst>
-          </p:spPr>
-          <p:txBody>
-            <a:bodyPr wrap="none" anchor="ctr"/>
-            <a:lstStyle/>
-            <a:p>
-              <a:endParaRPr lang="en-US"/>
-            </a:p>
-          </p:txBody>
-        </p:sp>
-      </p:grpSp>
-      <p:grpSp>
-        <p:nvGrpSpPr>
-          <p:cNvPr id="48" name="Group 32"/>
-          <p:cNvGrpSpPr>
-            <a:grpSpLocks/>
-          </p:cNvGrpSpPr>
-          <p:nvPr/>
-        </p:nvGrpSpPr>
-        <p:grpSpPr bwMode="auto">
-          <a:xfrm>
-            <a:off x="6908800" y="1828800"/>
-            <a:ext cx="2170113" cy="4035425"/>
-            <a:chOff x="3692" y="1296"/>
-            <a:chExt cx="1367" cy="2542"/>
-          </a:xfrm>
-        </p:grpSpPr>
-        <p:sp>
-          <p:nvSpPr>
-            <p:cNvPr id="49" name="AutoShape 33"/>
-            <p:cNvSpPr>
-              <a:spLocks noChangeArrowheads="1"/>
-            </p:cNvSpPr>
-            <p:nvPr/>
-          </p:nvSpPr>
-          <p:spPr bwMode="gray">
-            <a:xfrm>
-              <a:off x="3696" y="1490"/>
-              <a:ext cx="1363" cy="1800"/>
-            </a:xfrm>
-            <a:prstGeom prst="roundRect">
-              <a:avLst>
-                <a:gd name="adj" fmla="val 17509"/>
-              </a:avLst>
-            </a:prstGeom>
-            <a:gradFill rotWithShape="1">
-              <a:gsLst>
-                <a:gs pos="0">
-                  <a:srgbClr val="B59F43"/>
-                </a:gs>
-                <a:gs pos="100000">
-                  <a:srgbClr val="8F8849"/>
-                </a:gs>
-              </a:gsLst>
-              <a:lin ang="2700000" scaled="1"/>
-            </a:gradFill>
-            <a:ln>
-              <a:noFill/>
-            </a:ln>
-            <a:effectLst/>
-            <a:extLst>
-              <a:ext uri="{91240B29-F687-4F45-9708-019B960494DF}">
-                <a14:hiddenLine xmlns:a14="http://schemas.microsoft.com/office/drawing/2010/main" w="9525">
-                  <a:solidFill>
-                    <a:schemeClr val="tx1"/>
-                  </a:solidFill>
-                  <a:round/>
-                  <a:headEnd/>
-                  <a:tailEnd/>
-                </a14:hiddenLine>
-              </a:ext>
-              <a:ext uri="{AF507438-7753-43E0-B8FC-AC1667EBCBE1}">
-                <a14:hiddenEffects xmlns:a14="http://schemas.microsoft.com/office/drawing/2010/main">
-                  <a:effectLst>
-                    <a:outerShdw dist="35921" dir="2700000" algn="ctr" rotWithShape="0">
-                      <a:schemeClr val="bg2"/>
-                    </a:outerShdw>
-                  </a:effectLst>
-                </a14:hiddenEffects>
-              </a:ext>
-            </a:extLst>
-          </p:spPr>
-          <p:txBody>
-            <a:bodyPr wrap="none" anchor="ctr"/>
-            <a:lstStyle/>
-            <a:p>
-              <a:endParaRPr lang="en-US"/>
-            </a:p>
-          </p:txBody>
-        </p:sp>
-        <p:sp>
-          <p:nvSpPr>
-            <p:cNvPr id="50" name="AutoShape 34"/>
-            <p:cNvSpPr>
-              <a:spLocks noChangeArrowheads="1"/>
-            </p:cNvSpPr>
-            <p:nvPr/>
-          </p:nvSpPr>
-          <p:spPr bwMode="gray">
-            <a:xfrm>
-              <a:off x="3717" y="1495"/>
-              <a:ext cx="1322" cy="1766"/>
-            </a:xfrm>
-            <a:prstGeom prst="roundRect">
-              <a:avLst>
-                <a:gd name="adj" fmla="val 16667"/>
-              </a:avLst>
-            </a:prstGeom>
-            <a:ln/>
-            <a:extLst/>
-          </p:spPr>
-          <p:style>
-            <a:lnRef idx="1">
-              <a:schemeClr val="accent5"/>
-            </a:lnRef>
-            <a:fillRef idx="2">
-              <a:schemeClr val="accent5"/>
-            </a:fillRef>
-            <a:effectRef idx="1">
-              <a:schemeClr val="accent5"/>
-            </a:effectRef>
-            <a:fontRef idx="minor">
-              <a:schemeClr val="dk1"/>
-            </a:fontRef>
-          </p:style>
-          <p:txBody>
-            <a:bodyPr wrap="none" anchor="ctr"/>
-            <a:lstStyle/>
-            <a:p>
-              <a:endParaRPr lang="en-US"/>
-            </a:p>
-          </p:txBody>
-        </p:sp>
-        <p:sp>
-          <p:nvSpPr>
-            <p:cNvPr id="51" name="AutoShape 35"/>
-            <p:cNvSpPr>
-              <a:spLocks noChangeArrowheads="1"/>
-            </p:cNvSpPr>
-            <p:nvPr/>
-          </p:nvSpPr>
-          <p:spPr bwMode="gray">
-            <a:xfrm>
-              <a:off x="3728" y="2795"/>
-              <a:ext cx="1304" cy="447"/>
-            </a:xfrm>
-            <a:prstGeom prst="roundRect">
-              <a:avLst>
-                <a:gd name="adj" fmla="val 50000"/>
-              </a:avLst>
-            </a:prstGeom>
-            <a:noFill/>
-            <a:ln>
-              <a:noFill/>
-            </a:ln>
-            <a:extLst/>
-          </p:spPr>
-          <p:style>
-            <a:lnRef idx="1">
-              <a:schemeClr val="accent5"/>
-            </a:lnRef>
-            <a:fillRef idx="2">
-              <a:schemeClr val="accent5"/>
-            </a:fillRef>
-            <a:effectRef idx="1">
-              <a:schemeClr val="accent5"/>
-            </a:effectRef>
-            <a:fontRef idx="minor">
-              <a:schemeClr val="dk1"/>
-            </a:fontRef>
-          </p:style>
-          <p:txBody>
-            <a:bodyPr wrap="none" anchor="ctr"/>
-            <a:lstStyle/>
-            <a:p>
-              <a:endParaRPr lang="en-US"/>
-            </a:p>
-          </p:txBody>
-        </p:sp>
-        <p:sp>
-          <p:nvSpPr>
-            <p:cNvPr id="52" name="AutoShape 36"/>
-            <p:cNvSpPr>
-              <a:spLocks noChangeArrowheads="1"/>
-            </p:cNvSpPr>
-            <p:nvPr/>
-          </p:nvSpPr>
-          <p:spPr bwMode="gray">
-            <a:xfrm>
-              <a:off x="3728" y="1509"/>
-              <a:ext cx="1304" cy="446"/>
-            </a:xfrm>
-            <a:prstGeom prst="roundRect">
-              <a:avLst>
-                <a:gd name="adj" fmla="val 50000"/>
-              </a:avLst>
-            </a:prstGeom>
-            <a:noFill/>
-            <a:ln>
-              <a:noFill/>
-            </a:ln>
-            <a:extLst/>
-          </p:spPr>
-          <p:style>
-            <a:lnRef idx="1">
-              <a:schemeClr val="accent5"/>
-            </a:lnRef>
-            <a:fillRef idx="2">
-              <a:schemeClr val="accent5"/>
-            </a:fillRef>
-            <a:effectRef idx="1">
-              <a:schemeClr val="accent5"/>
-            </a:effectRef>
-            <a:fontRef idx="minor">
-              <a:schemeClr val="dk1"/>
-            </a:fontRef>
-          </p:style>
-          <p:txBody>
-            <a:bodyPr wrap="none" anchor="ctr"/>
-            <a:lstStyle/>
-            <a:p>
-              <a:endParaRPr lang="en-US"/>
-            </a:p>
-          </p:txBody>
-        </p:sp>
-        <p:grpSp>
-          <p:nvGrpSpPr>
-            <p:cNvPr id="53" name="Group 37"/>
-            <p:cNvGrpSpPr>
-              <a:grpSpLocks/>
-            </p:cNvGrpSpPr>
-            <p:nvPr/>
-          </p:nvGrpSpPr>
-          <p:grpSpPr bwMode="auto">
-            <a:xfrm>
-              <a:off x="4165" y="1296"/>
-              <a:ext cx="405" cy="405"/>
-              <a:chOff x="1289" y="582"/>
-              <a:chExt cx="668" cy="668"/>
-            </a:xfrm>
-          </p:grpSpPr>
-          <p:sp>
-            <p:nvSpPr>
-              <p:cNvPr id="58" name="Oval 38"/>
-              <p:cNvSpPr>
-                <a:spLocks noChangeArrowheads="1"/>
-              </p:cNvSpPr>
-              <p:nvPr/>
-            </p:nvSpPr>
-            <p:spPr bwMode="gray">
-              <a:xfrm>
-                <a:off x="1289" y="582"/>
-                <a:ext cx="668" cy="668"/>
-              </a:xfrm>
-              <a:prstGeom prst="ellipse">
-                <a:avLst/>
-              </a:prstGeom>
-              <a:solidFill>
-                <a:srgbClr val="333333"/>
-              </a:solidFill>
-              <a:ln>
-                <a:noFill/>
-              </a:ln>
-              <a:effectLst/>
-              <a:extLst>
-                <a:ext uri="{91240B29-F687-4F45-9708-019B960494DF}">
-                  <a14:hiddenLine xmlns:a14="http://schemas.microsoft.com/office/drawing/2010/main" w="38100" algn="ctr">
-                    <a:solidFill>
-                      <a:schemeClr val="bg1"/>
-                    </a:solidFill>
-                    <a:round/>
-                    <a:headEnd/>
-                    <a:tailEnd/>
-                  </a14:hiddenLine>
-                </a:ext>
-                <a:ext uri="{AF507438-7753-43E0-B8FC-AC1667EBCBE1}">
-                  <a14:hiddenEffects xmlns:a14="http://schemas.microsoft.com/office/drawing/2010/main">
-                    <a:effectLst>
-                      <a:outerShdw dist="109250" dir="3267739" algn="ctr" rotWithShape="0">
-                        <a:srgbClr val="808080">
-                          <a:alpha val="50000"/>
-                        </a:srgbClr>
-                      </a:outerShdw>
-                    </a:effectLst>
-                  </a14:hiddenEffects>
-                </a:ext>
-              </a:extLst>
-            </p:spPr>
-            <p:txBody>
-              <a:bodyPr anchor="ctr">
-                <a:spAutoFit/>
-              </a:bodyPr>
-              <a:lstStyle/>
-              <a:p>
-                <a:endParaRPr lang="en-US"/>
-              </a:p>
-            </p:txBody>
-          </p:sp>
-          <p:sp>
-            <p:nvSpPr>
-              <p:cNvPr id="59" name="Oval 39"/>
-              <p:cNvSpPr>
-                <a:spLocks noChangeArrowheads="1"/>
-              </p:cNvSpPr>
-              <p:nvPr/>
-            </p:nvSpPr>
-            <p:spPr bwMode="gray">
-              <a:xfrm>
-                <a:off x="1296" y="587"/>
-                <a:ext cx="646" cy="647"/>
-              </a:xfrm>
-              <a:prstGeom prst="ellipse">
-                <a:avLst/>
-              </a:prstGeom>
-              <a:gradFill rotWithShape="1">
-                <a:gsLst>
-                  <a:gs pos="0">
-                    <a:srgbClr val="D6E1E2">
-                      <a:gamma/>
-                      <a:shade val="46275"/>
-                      <a:invGamma/>
-                    </a:srgbClr>
-                  </a:gs>
-                  <a:gs pos="100000">
-                    <a:srgbClr val="D6E1E2"/>
-                  </a:gs>
-                </a:gsLst>
-                <a:lin ang="5400000" scaled="1"/>
-              </a:gradFill>
-              <a:ln>
-                <a:noFill/>
-              </a:ln>
-              <a:effectLst/>
-              <a:extLst>
-                <a:ext uri="{91240B29-F687-4F45-9708-019B960494DF}">
-                  <a14:hiddenLine xmlns:a14="http://schemas.microsoft.com/office/drawing/2010/main" w="9525" algn="ctr">
-                    <a:solidFill>
-                      <a:schemeClr val="tx1"/>
-                    </a:solidFill>
-                    <a:round/>
-                    <a:headEnd/>
-                    <a:tailEnd/>
-                  </a14:hiddenLine>
-                </a:ext>
-                <a:ext uri="{AF507438-7753-43E0-B8FC-AC1667EBCBE1}">
-                  <a14:hiddenEffects xmlns:a14="http://schemas.microsoft.com/office/drawing/2010/main">
-                    <a:effectLst>
-                      <a:outerShdw dist="35921" dir="2700000" algn="ctr" rotWithShape="0">
-                        <a:schemeClr val="bg2"/>
-                      </a:outerShdw>
-                    </a:effectLst>
-                  </a14:hiddenEffects>
-                </a:ext>
-              </a:extLst>
-            </p:spPr>
-            <p:txBody>
-              <a:bodyPr vert="eaVert" wrap="none" anchor="ctr"/>
-              <a:lstStyle/>
-              <a:p>
-                <a:endParaRPr lang="en-US"/>
-              </a:p>
-            </p:txBody>
-          </p:sp>
-          <p:sp>
-            <p:nvSpPr>
-              <p:cNvPr id="60" name="Oval 40"/>
-              <p:cNvSpPr>
-                <a:spLocks noChangeArrowheads="1"/>
-              </p:cNvSpPr>
-              <p:nvPr/>
-            </p:nvSpPr>
-            <p:spPr bwMode="gray">
-              <a:xfrm>
-                <a:off x="1304" y="591"/>
-                <a:ext cx="631" cy="631"/>
-              </a:xfrm>
-              <a:prstGeom prst="ellipse">
-                <a:avLst/>
-              </a:prstGeom>
-              <a:gradFill rotWithShape="1">
-                <a:gsLst>
-                  <a:gs pos="0">
-                    <a:srgbClr val="D6E1E2">
-                      <a:alpha val="0"/>
-                    </a:srgbClr>
-                  </a:gs>
-                  <a:gs pos="100000">
-                    <a:srgbClr val="D6E1E2">
-                      <a:gamma/>
-                      <a:tint val="34902"/>
-                      <a:invGamma/>
-                    </a:srgbClr>
-                  </a:gs>
-                </a:gsLst>
-                <a:lin ang="5400000" scaled="1"/>
-              </a:gradFill>
-              <a:ln>
-                <a:noFill/>
-              </a:ln>
-              <a:effectLst/>
-              <a:extLst>
-                <a:ext uri="{91240B29-F687-4F45-9708-019B960494DF}">
-                  <a14:hiddenLine xmlns:a14="http://schemas.microsoft.com/office/drawing/2010/main" w="9525" algn="ctr">
-                    <a:solidFill>
-                      <a:schemeClr val="tx1"/>
-                    </a:solidFill>
-                    <a:round/>
-                    <a:headEnd/>
-                    <a:tailEnd/>
-                  </a14:hiddenLine>
-                </a:ext>
-                <a:ext uri="{AF507438-7753-43E0-B8FC-AC1667EBCBE1}">
-                  <a14:hiddenEffects xmlns:a14="http://schemas.microsoft.com/office/drawing/2010/main">
-                    <a:effectLst>
-                      <a:outerShdw dist="35921" dir="2700000" algn="ctr" rotWithShape="0">
-                        <a:schemeClr val="bg2"/>
-                      </a:outerShdw>
-                    </a:effectLst>
-                  </a14:hiddenEffects>
-                </a:ext>
-              </a:extLst>
-            </p:spPr>
-            <p:txBody>
-              <a:bodyPr vert="eaVert" wrap="none" anchor="ctr"/>
-              <a:lstStyle/>
-              <a:p>
-                <a:endParaRPr lang="en-US"/>
-              </a:p>
-            </p:txBody>
-          </p:sp>
-          <p:sp>
-            <p:nvSpPr>
-              <p:cNvPr id="61" name="Oval 41"/>
-              <p:cNvSpPr>
-                <a:spLocks noChangeArrowheads="1"/>
-              </p:cNvSpPr>
-              <p:nvPr/>
-            </p:nvSpPr>
-            <p:spPr bwMode="gray">
-              <a:xfrm>
-                <a:off x="1311" y="597"/>
-                <a:ext cx="600" cy="589"/>
-              </a:xfrm>
-              <a:prstGeom prst="ellipse">
-                <a:avLst/>
-              </a:prstGeom>
-              <a:gradFill rotWithShape="1">
-                <a:gsLst>
-                  <a:gs pos="0">
-                    <a:srgbClr val="D6E1E2">
-                      <a:gamma/>
-                      <a:shade val="79216"/>
-                      <a:invGamma/>
-                    </a:srgbClr>
-                  </a:gs>
-                  <a:gs pos="100000">
-                    <a:srgbClr val="D6E1E2">
-                      <a:alpha val="48000"/>
-                    </a:srgbClr>
-                  </a:gs>
-                </a:gsLst>
-                <a:lin ang="5400000" scaled="1"/>
-              </a:gradFill>
-              <a:ln>
-                <a:noFill/>
-              </a:ln>
-              <a:effectLst/>
-              <a:extLst>
-                <a:ext uri="{91240B29-F687-4F45-9708-019B960494DF}">
-                  <a14:hiddenLine xmlns:a14="http://schemas.microsoft.com/office/drawing/2010/main" w="9525" algn="ctr">
-                    <a:solidFill>
-                      <a:schemeClr val="tx1"/>
-                    </a:solidFill>
-                    <a:round/>
-                    <a:headEnd/>
-                    <a:tailEnd/>
-                  </a14:hiddenLine>
-                </a:ext>
-                <a:ext uri="{AF507438-7753-43E0-B8FC-AC1667EBCBE1}">
-                  <a14:hiddenEffects xmlns:a14="http://schemas.microsoft.com/office/drawing/2010/main">
-                    <a:effectLst>
-                      <a:outerShdw dist="35921" dir="2700000" algn="ctr" rotWithShape="0">
-                        <a:schemeClr val="bg2"/>
-                      </a:outerShdw>
-                    </a:effectLst>
-                  </a14:hiddenEffects>
-                </a:ext>
-              </a:extLst>
-            </p:spPr>
-            <p:txBody>
-              <a:bodyPr vert="eaVert" wrap="none" anchor="ctr"/>
-              <a:lstStyle/>
-              <a:p>
-                <a:endParaRPr lang="en-US"/>
-              </a:p>
-            </p:txBody>
-          </p:sp>
-          <p:sp>
-            <p:nvSpPr>
-              <p:cNvPr id="62" name="Oval 42"/>
-              <p:cNvSpPr>
-                <a:spLocks noChangeArrowheads="1"/>
-              </p:cNvSpPr>
-              <p:nvPr/>
-            </p:nvSpPr>
-            <p:spPr bwMode="gray">
-              <a:xfrm>
-                <a:off x="1346" y="613"/>
-                <a:ext cx="533" cy="479"/>
-              </a:xfrm>
-              <a:prstGeom prst="ellipse">
-                <a:avLst/>
-              </a:prstGeom>
-              <a:gradFill rotWithShape="1">
-                <a:gsLst>
-                  <a:gs pos="0">
-                    <a:srgbClr val="D6E1E2">
-                      <a:gamma/>
-                      <a:tint val="0"/>
-                      <a:invGamma/>
-                    </a:srgbClr>
-                  </a:gs>
-                  <a:gs pos="100000">
-                    <a:srgbClr val="D6E1E2">
-                      <a:alpha val="38000"/>
-                    </a:srgbClr>
-                  </a:gs>
-                </a:gsLst>
-                <a:lin ang="5400000" scaled="1"/>
-              </a:gradFill>
-              <a:ln>
-                <a:noFill/>
-              </a:ln>
-              <a:effectLst/>
-              <a:extLst>
-                <a:ext uri="{91240B29-F687-4F45-9708-019B960494DF}">
-                  <a14:hiddenLine xmlns:a14="http://schemas.microsoft.com/office/drawing/2010/main" w="9525" algn="ctr">
-                    <a:solidFill>
-                      <a:schemeClr val="tx1"/>
-                    </a:solidFill>
-                    <a:round/>
-                    <a:headEnd/>
-                    <a:tailEnd/>
-                  </a14:hiddenLine>
-                </a:ext>
-                <a:ext uri="{AF507438-7753-43E0-B8FC-AC1667EBCBE1}">
-                  <a14:hiddenEffects xmlns:a14="http://schemas.microsoft.com/office/drawing/2010/main">
-                    <a:effectLst>
-                      <a:outerShdw dist="35921" dir="2700000" algn="ctr" rotWithShape="0">
-                        <a:schemeClr val="bg2"/>
-                      </a:outerShdw>
-                    </a:effectLst>
-                  </a14:hiddenEffects>
-                </a:ext>
-              </a:extLst>
-            </p:spPr>
-            <p:txBody>
-              <a:bodyPr vert="eaVert" wrap="none" anchor="ctr"/>
-              <a:lstStyle/>
-              <a:p>
-                <a:endParaRPr lang="en-US"/>
-              </a:p>
-            </p:txBody>
-          </p:sp>
-        </p:grpSp>
-        <p:sp>
-          <p:nvSpPr>
-            <p:cNvPr id="54" name="Text Box 43"/>
-            <p:cNvSpPr txBox="1">
-              <a:spLocks noChangeArrowheads="1"/>
-            </p:cNvSpPr>
-            <p:nvPr/>
-          </p:nvSpPr>
-          <p:spPr bwMode="gray">
-            <a:xfrm>
-              <a:off x="4257" y="1354"/>
-              <a:ext cx="214" cy="291"/>
-            </a:xfrm>
-            <a:prstGeom prst="rect">
-              <a:avLst/>
-            </a:prstGeom>
-            <a:noFill/>
-            <a:ln>
-              <a:noFill/>
-            </a:ln>
-            <a:effectLst/>
-            <a:extLst>
-              <a:ext uri="{909E8E84-426E-40DD-AFC4-6F175D3DCCD1}">
-                <a14:hiddenFill xmlns:a14="http://schemas.microsoft.com/office/drawing/2010/main">
-                  <a:solidFill>
-                    <a:schemeClr val="accent1"/>
-                  </a:solidFill>
-                </a14:hiddenFill>
-              </a:ext>
-              <a:ext uri="{91240B29-F687-4F45-9708-019B960494DF}">
-                <a14:hiddenLine xmlns:a14="http://schemas.microsoft.com/office/drawing/2010/main" w="9525" algn="ctr">
-                  <a:solidFill>
-                    <a:schemeClr val="tx1"/>
-                  </a:solidFill>
-                  <a:miter lim="800000"/>
-                  <a:headEnd/>
-                  <a:tailEnd/>
-                </a14:hiddenLine>
-              </a:ext>
-              <a:ext uri="{AF507438-7753-43E0-B8FC-AC1667EBCBE1}">
-                <a14:hiddenEffects xmlns:a14="http://schemas.microsoft.com/office/drawing/2010/main">
-                  <a:effectLst>
-                    <a:outerShdw dist="35921" dir="2700000" algn="ctr" rotWithShape="0">
-                      <a:schemeClr val="bg2"/>
-                    </a:outerShdw>
-                  </a:effectLst>
-                </a14:hiddenEffects>
-              </a:ext>
-            </a:extLst>
-          </p:spPr>
-          <p:txBody>
-            <a:bodyPr wrap="none">
-              <a:spAutoFit/>
-            </a:bodyPr>
-            <a:lstStyle/>
-            <a:p>
-              <a:pPr algn="ctr"/>
-              <a:r>
-                <a:rPr lang="en-US" sz="2400">
-                  <a:solidFill>
-                    <a:srgbClr val="000000"/>
-                  </a:solidFill>
-                </a:rPr>
-                <a:t>4</a:t>
-              </a:r>
-              <a:endParaRPr lang="en-US" b="0" dirty="0"/>
-            </a:p>
-          </p:txBody>
-        </p:sp>
-        <p:sp>
-          <p:nvSpPr>
-            <p:cNvPr id="55" name="Text Box 44"/>
-            <p:cNvSpPr txBox="1">
-              <a:spLocks noChangeArrowheads="1"/>
-            </p:cNvSpPr>
-            <p:nvPr/>
-          </p:nvSpPr>
-          <p:spPr bwMode="gray">
-            <a:xfrm>
-              <a:off x="3744" y="1776"/>
-              <a:ext cx="1296" cy="1144"/>
-            </a:xfrm>
-            <a:prstGeom prst="rect">
-              <a:avLst/>
-            </a:prstGeom>
-            <a:noFill/>
-            <a:ln>
-              <a:noFill/>
-            </a:ln>
-            <a:effectLst/>
-            <a:extLst>
-              <a:ext uri="{909E8E84-426E-40DD-AFC4-6F175D3DCCD1}">
-                <a14:hiddenFill xmlns:a14="http://schemas.microsoft.com/office/drawing/2010/main">
-                  <a:solidFill>
-                    <a:schemeClr val="accent1"/>
-                  </a:solidFill>
-                </a14:hiddenFill>
-              </a:ext>
-              <a:ext uri="{91240B29-F687-4F45-9708-019B960494DF}">
-                <a14:hiddenLine xmlns:a14="http://schemas.microsoft.com/office/drawing/2010/main" w="9525" algn="ctr">
-                  <a:solidFill>
-                    <a:schemeClr val="tx1"/>
-                  </a:solidFill>
-                  <a:miter lim="800000"/>
-                  <a:headEnd/>
-                  <a:tailEnd/>
-                </a14:hiddenLine>
-              </a:ext>
-              <a:ext uri="{AF507438-7753-43E0-B8FC-AC1667EBCBE1}">
-                <a14:hiddenEffects xmlns:a14="http://schemas.microsoft.com/office/drawing/2010/main">
-                  <a:effectLst>
-                    <a:outerShdw dist="35921" dir="2700000" algn="ctr" rotWithShape="0">
-                      <a:schemeClr val="bg2"/>
-                    </a:outerShdw>
-                  </a:effectLst>
-                </a14:hiddenEffects>
-              </a:ext>
-            </a:extLst>
-          </p:spPr>
-          <p:txBody>
-            <a:bodyPr>
-              <a:spAutoFit/>
-            </a:bodyPr>
-            <a:lstStyle/>
-            <a:p>
-              <a:r>
-                <a:rPr lang="en-US" sz="2800"/>
-                <a:t>Sử dụng sai phương pháp hợp nhất dữ liệu</a:t>
-              </a:r>
-              <a:endParaRPr lang="en-US" sz="2800" b="0" dirty="0">
-                <a:latin typeface="Times New Roman" pitchFamily="18" charset="0"/>
-                <a:cs typeface="Times New Roman" pitchFamily="18" charset="0"/>
-              </a:endParaRPr>
-            </a:p>
-          </p:txBody>
-        </p:sp>
-        <p:sp>
-          <p:nvSpPr>
-            <p:cNvPr id="56" name="AutoShape 45"/>
-            <p:cNvSpPr>
-              <a:spLocks noChangeArrowheads="1"/>
-            </p:cNvSpPr>
-            <p:nvPr/>
-          </p:nvSpPr>
-          <p:spPr bwMode="gray">
-            <a:xfrm>
-              <a:off x="3692" y="3290"/>
-              <a:ext cx="1363" cy="548"/>
-            </a:xfrm>
-            <a:prstGeom prst="roundRect">
-              <a:avLst>
-                <a:gd name="adj" fmla="val 40389"/>
-              </a:avLst>
-            </a:prstGeom>
-            <a:gradFill rotWithShape="1">
-              <a:gsLst>
-                <a:gs pos="0">
-                  <a:srgbClr val="99BACC"/>
-                </a:gs>
-                <a:gs pos="100000">
-                  <a:schemeClr val="bg1"/>
-                </a:gs>
-              </a:gsLst>
-              <a:lin ang="5400000" scaled="1"/>
-            </a:gradFill>
-            <a:ln>
-              <a:noFill/>
-            </a:ln>
-            <a:effectLst/>
-            <a:extLst>
-              <a:ext uri="{91240B29-F687-4F45-9708-019B960494DF}">
-                <a14:hiddenLine xmlns:a14="http://schemas.microsoft.com/office/drawing/2010/main" w="9525">
-                  <a:solidFill>
-                    <a:schemeClr val="tx1"/>
-                  </a:solidFill>
-                  <a:round/>
-                  <a:headEnd/>
-                  <a:tailEnd/>
-                </a14:hiddenLine>
-              </a:ext>
-              <a:ext uri="{AF507438-7753-43E0-B8FC-AC1667EBCBE1}">
-                <a14:hiddenEffects xmlns:a14="http://schemas.microsoft.com/office/drawing/2010/main">
-                  <a:effectLst>
-                    <a:outerShdw dist="35921" dir="2700000" algn="ctr" rotWithShape="0">
-                      <a:schemeClr val="bg2"/>
-                    </a:outerShdw>
-                  </a:effectLst>
-                </a14:hiddenEffects>
-              </a:ext>
-            </a:extLst>
-          </p:spPr>
-          <p:txBody>
-            <a:bodyPr wrap="none" anchor="ctr"/>
-            <a:lstStyle/>
-            <a:p>
-              <a:endParaRPr lang="en-US"/>
-            </a:p>
-          </p:txBody>
-        </p:sp>
-        <p:sp>
-          <p:nvSpPr>
-            <p:cNvPr id="57" name="AutoShape 46"/>
-            <p:cNvSpPr>
-              <a:spLocks noChangeArrowheads="1"/>
-            </p:cNvSpPr>
-            <p:nvPr/>
-          </p:nvSpPr>
-          <p:spPr bwMode="gray">
-            <a:xfrm>
-              <a:off x="3720" y="3305"/>
-              <a:ext cx="1304" cy="487"/>
-            </a:xfrm>
-            <a:prstGeom prst="roundRect">
-              <a:avLst>
-                <a:gd name="adj" fmla="val 50000"/>
-              </a:avLst>
-            </a:prstGeom>
-            <a:gradFill rotWithShape="1">
-              <a:gsLst>
-                <a:gs pos="0">
-                  <a:srgbClr val="C8DAD4"/>
-                </a:gs>
-                <a:gs pos="100000">
-                  <a:schemeClr val="bg1"/>
-                </a:gs>
-              </a:gsLst>
-              <a:lin ang="5400000" scaled="1"/>
-            </a:gradFill>
-            <a:ln>
-              <a:noFill/>
-            </a:ln>
-            <a:effectLst/>
-            <a:extLst>
-              <a:ext uri="{91240B29-F687-4F45-9708-019B960494DF}">
-                <a14:hiddenLine xmlns:a14="http://schemas.microsoft.com/office/drawing/2010/main" w="9525">
-                  <a:solidFill>
-                    <a:schemeClr val="tx1"/>
-                  </a:solidFill>
-                  <a:round/>
-                  <a:headEnd/>
-                  <a:tailEnd/>
-                </a14:hiddenLine>
-              </a:ext>
-              <a:ext uri="{AF507438-7753-43E0-B8FC-AC1667EBCBE1}">
-                <a14:hiddenEffects xmlns:a14="http://schemas.microsoft.com/office/drawing/2010/main">
-                  <a:effectLst>
-                    <a:outerShdw dist="35921" dir="2700000" algn="ctr" rotWithShape="0">
-                      <a:schemeClr val="bg2"/>
-                    </a:outerShdw>
-                  </a:effectLst>
-                </a14:hiddenEffects>
-              </a:ext>
-            </a:extLst>
-          </p:spPr>
-          <p:txBody>
-            <a:bodyPr wrap="none" anchor="ctr"/>
-            <a:lstStyle/>
-            <a:p>
-              <a:endParaRPr lang="en-US"/>
-            </a:p>
-          </p:txBody>
-        </p:sp>
-      </p:grpSp>
-    </p:spTree>
-    <p:extLst>
-      <p:ext uri="{BB962C8B-B14F-4D97-AF65-F5344CB8AC3E}">
-        <p14:creationId xmlns:p14="http://schemas.microsoft.com/office/powerpoint/2010/main" val="110863897"/>
-      </p:ext>
-    </p:extLst>
-  </p:cSld>
-  <p:clrMapOvr>
-    <a:masterClrMapping/>
-  </p:clrMapOvr>
-  <p:timing>
-    <p:tnLst>
-      <p:par>
-        <p:cTn id="1" dur="indefinite" restart="never" nodeType="tmRoot">
-          <p:childTnLst>
-            <p:seq concurrent="1" nextAc="seek">
-              <p:cTn id="2" dur="indefinite" nodeType="mainSeq">
-                <p:childTnLst>
-                  <p:par>
-                    <p:cTn id="3" fill="hold">
-                      <p:stCondLst>
-                        <p:cond delay="indefinite"/>
-                      </p:stCondLst>
-                      <p:childTnLst>
-                        <p:par>
-                          <p:cTn id="4" fill="hold">
-                            <p:stCondLst>
-                              <p:cond delay="0"/>
-                            </p:stCondLst>
-                            <p:childTnLst>
-                              <p:par>
-                                <p:cTn id="5" presetID="16" presetClass="entr" presetSubtype="21" fill="hold" nodeType="clickEffect">
-                                  <p:stCondLst>
-                                    <p:cond delay="0"/>
-                                  </p:stCondLst>
-                                  <p:childTnLst>
-                                    <p:set>
-                                      <p:cBhvr>
-                                        <p:cTn id="6" dur="1" fill="hold">
-                                          <p:stCondLst>
-                                            <p:cond delay="0"/>
-                                          </p:stCondLst>
-                                        </p:cTn>
-                                        <p:tgtEl>
-                                          <p:spTgt spid="4"/>
-                                        </p:tgtEl>
-                                        <p:attrNameLst>
-                                          <p:attrName>style.visibility</p:attrName>
-                                        </p:attrNameLst>
-                                      </p:cBhvr>
-                                      <p:to>
-                                        <p:strVal val="visible"/>
-                                      </p:to>
-                                    </p:set>
-                                    <p:animEffect transition="in" filter="barn(inVertical)">
-                                      <p:cBhvr>
-                                        <p:cTn id="7" dur="500"/>
-                                        <p:tgtEl>
-                                          <p:spTgt spid="4"/>
-                                        </p:tgtEl>
-                                      </p:cBhvr>
-                                    </p:animEffect>
-                                  </p:childTnLst>
-                                </p:cTn>
-                              </p:par>
-                            </p:childTnLst>
-                          </p:cTn>
-                        </p:par>
-                      </p:childTnLst>
-                    </p:cTn>
-                  </p:par>
-                  <p:par>
-                    <p:cTn id="8" fill="hold">
-                      <p:stCondLst>
-                        <p:cond delay="indefinite"/>
-                      </p:stCondLst>
-                      <p:childTnLst>
-                        <p:par>
-                          <p:cTn id="9" fill="hold">
-                            <p:stCondLst>
-                              <p:cond delay="0"/>
-                            </p:stCondLst>
-                            <p:childTnLst>
-                              <p:par>
-                                <p:cTn id="10" presetID="16" presetClass="entr" presetSubtype="21" fill="hold" nodeType="clickEffect">
-                                  <p:stCondLst>
-                                    <p:cond delay="0"/>
-                                  </p:stCondLst>
-                                  <p:childTnLst>
-                                    <p:set>
-                                      <p:cBhvr>
-                                        <p:cTn id="11" dur="1" fill="hold">
-                                          <p:stCondLst>
-                                            <p:cond delay="0"/>
-                                          </p:stCondLst>
-                                        </p:cTn>
-                                        <p:tgtEl>
-                                          <p:spTgt spid="19"/>
-                                        </p:tgtEl>
-                                        <p:attrNameLst>
-                                          <p:attrName>style.visibility</p:attrName>
-                                        </p:attrNameLst>
-                                      </p:cBhvr>
-                                      <p:to>
-                                        <p:strVal val="visible"/>
-                                      </p:to>
-                                    </p:set>
-                                    <p:animEffect transition="in" filter="barn(inVertical)">
-                                      <p:cBhvr>
-                                        <p:cTn id="12" dur="500"/>
-                                        <p:tgtEl>
-                                          <p:spTgt spid="19"/>
-                                        </p:tgtEl>
-                                      </p:cBhvr>
-                                    </p:animEffect>
-                                  </p:childTnLst>
-                                </p:cTn>
-                              </p:par>
-                            </p:childTnLst>
-                          </p:cTn>
-                        </p:par>
-                      </p:childTnLst>
-                    </p:cTn>
-                  </p:par>
-                  <p:par>
-                    <p:cTn id="13" fill="hold">
-                      <p:stCondLst>
-                        <p:cond delay="indefinite"/>
-                      </p:stCondLst>
-                      <p:childTnLst>
-                        <p:par>
-                          <p:cTn id="14" fill="hold">
-                            <p:stCondLst>
-                              <p:cond delay="0"/>
-                            </p:stCondLst>
-                            <p:childTnLst>
-                              <p:par>
-                                <p:cTn id="15" presetID="16" presetClass="entr" presetSubtype="21" fill="hold" nodeType="clickEffect">
-                                  <p:stCondLst>
-                                    <p:cond delay="0"/>
-                                  </p:stCondLst>
-                                  <p:childTnLst>
-                                    <p:set>
-                                      <p:cBhvr>
-                                        <p:cTn id="16" dur="1" fill="hold">
-                                          <p:stCondLst>
-                                            <p:cond delay="0"/>
-                                          </p:stCondLst>
-                                        </p:cTn>
-                                        <p:tgtEl>
-                                          <p:spTgt spid="33"/>
-                                        </p:tgtEl>
-                                        <p:attrNameLst>
-                                          <p:attrName>style.visibility</p:attrName>
-                                        </p:attrNameLst>
-                                      </p:cBhvr>
-                                      <p:to>
-                                        <p:strVal val="visible"/>
-                                      </p:to>
-                                    </p:set>
-                                    <p:animEffect transition="in" filter="barn(inVertical)">
-                                      <p:cBhvr>
-                                        <p:cTn id="17" dur="500"/>
-                                        <p:tgtEl>
-                                          <p:spTgt spid="33"/>
-                                        </p:tgtEl>
-                                      </p:cBhvr>
-                                    </p:animEffect>
-                                  </p:childTnLst>
-                                </p:cTn>
-                              </p:par>
-                            </p:childTnLst>
-                          </p:cTn>
-                        </p:par>
-                      </p:childTnLst>
-                    </p:cTn>
-                  </p:par>
-                  <p:par>
-                    <p:cTn id="18" fill="hold">
-                      <p:stCondLst>
-                        <p:cond delay="indefinite"/>
-                      </p:stCondLst>
-                      <p:childTnLst>
-                        <p:par>
-                          <p:cTn id="19" fill="hold">
-                            <p:stCondLst>
-                              <p:cond delay="0"/>
-                            </p:stCondLst>
-                            <p:childTnLst>
-                              <p:par>
-                                <p:cTn id="20" presetID="16" presetClass="entr" presetSubtype="21" fill="hold" nodeType="clickEffect">
-                                  <p:stCondLst>
-                                    <p:cond delay="0"/>
-                                  </p:stCondLst>
-                                  <p:childTnLst>
-                                    <p:set>
-                                      <p:cBhvr>
-                                        <p:cTn id="21" dur="1" fill="hold">
-                                          <p:stCondLst>
-                                            <p:cond delay="0"/>
-                                          </p:stCondLst>
-                                        </p:cTn>
-                                        <p:tgtEl>
-                                          <p:spTgt spid="48"/>
-                                        </p:tgtEl>
-                                        <p:attrNameLst>
-                                          <p:attrName>style.visibility</p:attrName>
-                                        </p:attrNameLst>
-                                      </p:cBhvr>
-                                      <p:to>
-                                        <p:strVal val="visible"/>
-                                      </p:to>
-                                    </p:set>
-                                    <p:animEffect transition="in" filter="barn(inVertical)">
-                                      <p:cBhvr>
-                                        <p:cTn id="22" dur="500"/>
-                                        <p:tgtEl>
-                                          <p:spTgt spid="48"/>
-                                        </p:tgtEl>
-                                      </p:cBhvr>
-                                    </p:animEffect>
-                                  </p:childTnLst>
-                                </p:cTn>
-                              </p:par>
-                            </p:childTnLst>
-                          </p:cTn>
-                        </p:par>
-                      </p:childTnLst>
-                    </p:cTn>
-                  </p:par>
-                </p:childTnLst>
-              </p:cTn>
-              <p:prevCondLst>
-                <p:cond evt="onPrev" delay="0">
-                  <p:tgtEl>
-                    <p:sldTgt/>
-                  </p:tgtEl>
-                </p:cond>
-              </p:prevCondLst>
-              <p:nextCondLst>
-                <p:cond evt="onNext" delay="0">
-                  <p:tgtEl>
-                    <p:sldTgt/>
-                  </p:tgtEl>
-                </p:cond>
-              </p:nextCondLst>
-            </p:seq>
-          </p:childTnLst>
-        </p:cTn>
-      </p:par>
-    </p:tnLst>
-  </p:timing>
-</p:sld>
-</file>
-
-<file path=ppt/slides/slide17.xml><?xml version="1.0" encoding="utf-8"?>
-<p:sld xmlns:a="http://schemas.openxmlformats.org/drawingml/2006/main" xmlns:r="http://schemas.openxmlformats.org/officeDocument/2006/relationships" xmlns:p="http://schemas.openxmlformats.org/presentationml/2006/main">
-  <p:cSld>
     <p:bg>
       <p:bgPr>
         <a:blipFill dpi="0" rotWithShape="1">
@@ -17914,7 +14037,7 @@
 </p:sld>
 </file>
 
-<file path=ppt/slides/slide18.xml><?xml version="1.0" encoding="utf-8"?>
+<file path=ppt/slides/slide17.xml><?xml version="1.0" encoding="utf-8"?>
 <p:sld xmlns:a="http://schemas.openxmlformats.org/drawingml/2006/main" xmlns:r="http://schemas.openxmlformats.org/officeDocument/2006/relationships" xmlns:p="http://schemas.openxmlformats.org/presentationml/2006/main">
   <p:cSld>
     <p:spTree>
@@ -18056,6 +14179,124 @@
 </p:sld>
 </file>
 
+<file path=ppt/slides/slide18.xml><?xml version="1.0" encoding="utf-8"?>
+<p:sld xmlns:a="http://schemas.openxmlformats.org/drawingml/2006/main" xmlns:r="http://schemas.openxmlformats.org/officeDocument/2006/relationships" xmlns:p="http://schemas.openxmlformats.org/presentationml/2006/main">
+  <p:cSld>
+    <p:spTree>
+      <p:nvGrpSpPr>
+        <p:cNvPr id="1" name=""/>
+        <p:cNvGrpSpPr/>
+        <p:nvPr/>
+      </p:nvGrpSpPr>
+      <p:grpSpPr>
+        <a:xfrm>
+          <a:off x="0" y="0"/>
+          <a:ext cx="0" cy="0"/>
+          <a:chOff x="0" y="0"/>
+          <a:chExt cx="0" cy="0"/>
+        </a:xfrm>
+      </p:grpSpPr>
+      <p:sp>
+        <p:nvSpPr>
+          <p:cNvPr id="2" name="Title 1"/>
+          <p:cNvSpPr>
+            <a:spLocks noGrp="1"/>
+          </p:cNvSpPr>
+          <p:nvPr>
+            <p:ph type="title"/>
+          </p:nvPr>
+        </p:nvSpPr>
+        <p:spPr/>
+        <p:txBody>
+          <a:bodyPr/>
+          <a:lstStyle/>
+          <a:p>
+            <a:r>
+              <a:rPr lang="en-US"/>
+              <a:t>Quyết định đa tiêu chí</a:t>
+            </a:r>
+            <a:endParaRPr lang="en-US">
+              <a:latin typeface="Arial" panose="020B0604020202020204" pitchFamily="34" charset="0"/>
+              <a:cs typeface="Arial" panose="020B0604020202020204" pitchFamily="34" charset="0"/>
+            </a:endParaRPr>
+          </a:p>
+        </p:txBody>
+      </p:sp>
+      <p:sp>
+        <p:nvSpPr>
+          <p:cNvPr id="3" name="Content Placeholder 2"/>
+          <p:cNvSpPr>
+            <a:spLocks noGrp="1"/>
+          </p:cNvSpPr>
+          <p:nvPr>
+            <p:ph idx="1"/>
+          </p:nvPr>
+        </p:nvSpPr>
+        <p:spPr>
+          <a:xfrm>
+            <a:off x="457200" y="1600200"/>
+            <a:ext cx="8229600" cy="4572000"/>
+          </a:xfrm>
+        </p:spPr>
+        <p:txBody>
+          <a:bodyPr>
+            <a:noAutofit/>
+          </a:bodyPr>
+          <a:lstStyle/>
+          <a:p>
+            <a:pPr marL="0" indent="0">
+              <a:buNone/>
+            </a:pPr>
+            <a:r>
+              <a:rPr lang="en-US" sz="2400"/>
+              <a:t>Một trong những mục tiêu của MCDA là </a:t>
+            </a:r>
+            <a:r>
+              <a:rPr lang="en-US" sz="2400">
+                <a:solidFill>
+                  <a:srgbClr val="FF0000"/>
+                </a:solidFill>
+              </a:rPr>
+              <a:t>tối thiểu hóa tiềm năng hối tiếc về những quyết định đã ra </a:t>
+            </a:r>
+            <a:r>
+              <a:rPr lang="en-US" sz="2400"/>
+              <a:t>bằng việc thỏa mãn rằng tất cả tiêu chí đã được xem xét.</a:t>
+            </a:r>
+          </a:p>
+          <a:p>
+            <a:pPr marL="0" lvl="0" indent="0">
+              <a:buNone/>
+            </a:pPr>
+            <a:endParaRPr lang="en-US" sz="2400"/>
+          </a:p>
+        </p:txBody>
+      </p:sp>
+    </p:spTree>
+    <p:extLst>
+      <p:ext uri="{BB962C8B-B14F-4D97-AF65-F5344CB8AC3E}">
+        <p14:creationId xmlns:p14="http://schemas.microsoft.com/office/powerpoint/2010/main" val="3293861469"/>
+      </p:ext>
+    </p:extLst>
+  </p:cSld>
+  <p:clrMapOvr>
+    <a:masterClrMapping/>
+  </p:clrMapOvr>
+  <mc:AlternateContent xmlns:mc="http://schemas.openxmlformats.org/markup-compatibility/2006" xmlns:p14="http://schemas.microsoft.com/office/powerpoint/2010/main">
+    <mc:Choice Requires="p14">
+      <p:transition spd="slow" p14:dur="1200">
+        <p14:prism/>
+      </p:transition>
+    </mc:Choice>
+    <mc:Fallback xmlns="">
+      <p:transition spd="slow">
+        <p:fade/>
+      </p:transition>
+    </mc:Fallback>
+  </mc:AlternateContent>
+</p:sld>
+</file>
+
 <file path=ppt/slides/slide19.xml><?xml version="1.0" encoding="utf-8"?>
 <p:sld xmlns:a="http://schemas.openxmlformats.org/drawingml/2006/main" xmlns:r="http://schemas.openxmlformats.org/officeDocument/2006/relationships" xmlns:p="http://schemas.openxmlformats.org/presentationml/2006/main">
   <p:cSld>
@@ -18090,7 +14331,7 @@
           <a:p>
             <a:r>
               <a:rPr lang="en-US"/>
-              <a:t>Quyết định đa tiêu chí</a:t>
+              <a:t>Weighed Sum Method - WSM</a:t>
             </a:r>
             <a:endParaRPr lang="en-US">
               <a:latin typeface="Arial" panose="020B0604020202020204" pitchFamily="34" charset="0"/>
@@ -18099,60 +14340,313 @@
           </a:p>
         </p:txBody>
       </p:sp>
-      <p:sp>
-        <p:nvSpPr>
-          <p:cNvPr id="3" name="Content Placeholder 2"/>
-          <p:cNvSpPr>
-            <a:spLocks noGrp="1"/>
-          </p:cNvSpPr>
-          <p:nvPr>
-            <p:ph idx="1"/>
-          </p:nvPr>
-        </p:nvSpPr>
-        <p:spPr>
-          <a:xfrm>
-            <a:off x="457200" y="1600200"/>
-            <a:ext cx="8229600" cy="4572000"/>
-          </a:xfrm>
-        </p:spPr>
-        <p:txBody>
-          <a:bodyPr>
-            <a:noAutofit/>
-          </a:bodyPr>
-          <a:lstStyle/>
-          <a:p>
-            <a:pPr marL="0" indent="0">
-              <a:buNone/>
-            </a:pPr>
-            <a:r>
-              <a:rPr lang="en-US" sz="2400"/>
-              <a:t>Một trong những mục tiêu của MCDA là </a:t>
-            </a:r>
-            <a:r>
-              <a:rPr lang="en-US" sz="2400">
-                <a:solidFill>
-                  <a:srgbClr val="FF0000"/>
-                </a:solidFill>
-              </a:rPr>
-              <a:t>tối thiểu hóa tiềm năng hối tiếc về những quyết định đã ra </a:t>
-            </a:r>
-            <a:r>
-              <a:rPr lang="en-US" sz="2400"/>
-              <a:t>bằng việc thỏa mãn rằng tất cả tiêu chí đã được xem xét.</a:t>
-            </a:r>
-          </a:p>
-          <a:p>
-            <a:pPr marL="0" lvl="0" indent="0">
-              <a:buNone/>
-            </a:pPr>
-            <a:endParaRPr lang="en-US" sz="2400"/>
-          </a:p>
-        </p:txBody>
-      </p:sp>
+      <mc:AlternateContent xmlns:mc="http://schemas.openxmlformats.org/markup-compatibility/2006" xmlns:a14="http://schemas.microsoft.com/office/drawing/2010/main">
+        <mc:Choice Requires="a14">
+          <p:sp>
+            <p:nvSpPr>
+              <p:cNvPr id="3" name="Content Placeholder 2"/>
+              <p:cNvSpPr>
+                <a:spLocks noGrp="1"/>
+              </p:cNvSpPr>
+              <p:nvPr>
+                <p:ph idx="1"/>
+              </p:nvPr>
+            </p:nvSpPr>
+            <p:spPr>
+              <a:xfrm>
+                <a:off x="457200" y="1600200"/>
+                <a:ext cx="8229600" cy="4572000"/>
+              </a:xfrm>
+            </p:spPr>
+            <p:txBody>
+              <a:bodyPr>
+                <a:noAutofit/>
+              </a:bodyPr>
+              <a:lstStyle/>
+              <a:p>
+                <a:pPr marL="0" indent="0">
+                  <a:buNone/>
+                </a:pPr>
+                <a:r>
+                  <a:rPr lang="en-US" sz="2400"/>
+                  <a:t>Mỗi tiêu chí được gán cho một trọng số, và tổng của các trọng số này bằng 1. </a:t>
+                </a:r>
+              </a:p>
+              <a:p>
+                <a:pPr marL="0" indent="0">
+                  <a:buNone/>
+                </a:pPr>
+                <a:r>
+                  <a:rPr lang="en-US" sz="2400"/>
+                  <a:t>Mỗi giải pháp được đánh giá trên tất cả tiêu chí. Điểm tổng hợp của một giải pháp theo công thức sau: </a:t>
+                </a:r>
+              </a:p>
+              <a:p>
+                <a:pPr marL="0" indent="0">
+                  <a:buNone/>
+                </a:pPr>
+                <a:endParaRPr lang="en-US" sz="2400"/>
+              </a:p>
+              <a:p>
+                <a:pPr marL="0" indent="0">
+                  <a:buNone/>
+                </a:pPr>
+                <a14:m>
+                  <m:oMathPara xmlns:m="http://schemas.openxmlformats.org/officeDocument/2006/math">
+                    <m:oMathParaPr>
+                      <m:jc m:val="centerGroup"/>
+                    </m:oMathParaPr>
+                    <m:oMath xmlns:m="http://schemas.openxmlformats.org/officeDocument/2006/math">
+                      <m:sSub>
+                        <m:sSubPr>
+                          <m:ctrlPr>
+                            <a:rPr lang="en-US" sz="2400" i="1">
+                              <a:latin typeface="Cambria Math" panose="02040503050406030204" pitchFamily="18" charset="0"/>
+                            </a:rPr>
+                          </m:ctrlPr>
+                        </m:sSubPr>
+                        <m:e>
+                          <m:r>
+                            <a:rPr lang="en-US" sz="2400" i="1">
+                              <a:latin typeface="Cambria Math" panose="02040503050406030204" pitchFamily="18" charset="0"/>
+                            </a:rPr>
+                            <m:t>𝑃</m:t>
+                          </m:r>
+                        </m:e>
+                        <m:sub>
+                          <m:r>
+                            <a:rPr lang="en-US" sz="2400" i="1">
+                              <a:latin typeface="Cambria Math" panose="02040503050406030204" pitchFamily="18" charset="0"/>
+                            </a:rPr>
+                            <m:t>𝑖</m:t>
+                          </m:r>
+                        </m:sub>
+                      </m:sSub>
+                      <m:r>
+                        <a:rPr lang="en-US" sz="2400" i="1">
+                          <a:latin typeface="Cambria Math" panose="02040503050406030204" pitchFamily="18" charset="0"/>
+                        </a:rPr>
+                        <m:t>=</m:t>
+                      </m:r>
+                      <m:nary>
+                        <m:naryPr>
+                          <m:chr m:val="∑"/>
+                          <m:limLoc m:val="undOvr"/>
+                          <m:ctrlPr>
+                            <a:rPr lang="en-US" sz="2400" i="1">
+                              <a:latin typeface="Cambria Math" panose="02040503050406030204" pitchFamily="18" charset="0"/>
+                            </a:rPr>
+                          </m:ctrlPr>
+                        </m:naryPr>
+                        <m:sub>
+                          <m:r>
+                            <a:rPr lang="en-US" sz="2400" i="1">
+                              <a:latin typeface="Cambria Math" panose="02040503050406030204" pitchFamily="18" charset="0"/>
+                            </a:rPr>
+                            <m:t>𝑗</m:t>
+                          </m:r>
+                          <m:r>
+                            <a:rPr lang="en-US" sz="2400" i="1">
+                              <a:latin typeface="Cambria Math" panose="02040503050406030204" pitchFamily="18" charset="0"/>
+                            </a:rPr>
+                            <m:t>=1</m:t>
+                          </m:r>
+                        </m:sub>
+                        <m:sup>
+                          <m:r>
+                            <a:rPr lang="en-US" sz="2400" i="1">
+                              <a:latin typeface="Cambria Math" panose="02040503050406030204" pitchFamily="18" charset="0"/>
+                            </a:rPr>
+                            <m:t>𝑚</m:t>
+                          </m:r>
+                        </m:sup>
+                        <m:e>
+                          <m:r>
+                            <a:rPr lang="en-US" sz="2400" i="1">
+                              <a:latin typeface="Cambria Math" panose="02040503050406030204" pitchFamily="18" charset="0"/>
+                            </a:rPr>
+                            <m:t>(</m:t>
+                          </m:r>
+                          <m:sSub>
+                            <m:sSubPr>
+                              <m:ctrlPr>
+                                <a:rPr lang="en-US" sz="2400" i="1">
+                                  <a:latin typeface="Cambria Math" panose="02040503050406030204" pitchFamily="18" charset="0"/>
+                                </a:rPr>
+                              </m:ctrlPr>
+                            </m:sSubPr>
+                            <m:e>
+                              <m:r>
+                                <a:rPr lang="en-US" sz="2400" i="1">
+                                  <a:latin typeface="Cambria Math" panose="02040503050406030204" pitchFamily="18" charset="0"/>
+                                </a:rPr>
+                                <m:t>𝑤</m:t>
+                              </m:r>
+                            </m:e>
+                            <m:sub>
+                              <m:r>
+                                <a:rPr lang="en-US" sz="2400" i="1">
+                                  <a:latin typeface="Cambria Math" panose="02040503050406030204" pitchFamily="18" charset="0"/>
+                                </a:rPr>
+                                <m:t>𝑗</m:t>
+                              </m:r>
+                            </m:sub>
+                          </m:sSub>
+                          <m:sSub>
+                            <m:sSubPr>
+                              <m:ctrlPr>
+                                <a:rPr lang="en-US" sz="2400" i="1">
+                                  <a:latin typeface="Cambria Math" panose="02040503050406030204" pitchFamily="18" charset="0"/>
+                                </a:rPr>
+                              </m:ctrlPr>
+                            </m:sSubPr>
+                            <m:e>
+                              <m:r>
+                                <a:rPr lang="en-US" sz="2400" i="1">
+                                  <a:latin typeface="Cambria Math" panose="02040503050406030204" pitchFamily="18" charset="0"/>
+                                </a:rPr>
+                                <m:t>𝑚</m:t>
+                              </m:r>
+                            </m:e>
+                            <m:sub>
+                              <m:r>
+                                <a:rPr lang="en-US" sz="2400" i="1">
+                                  <a:latin typeface="Cambria Math" panose="02040503050406030204" pitchFamily="18" charset="0"/>
+                                </a:rPr>
+                                <m:t>𝑖𝑗</m:t>
+                              </m:r>
+                            </m:sub>
+                          </m:sSub>
+                          <m:r>
+                            <a:rPr lang="en-US" sz="2400" i="1">
+                              <a:latin typeface="Cambria Math" panose="02040503050406030204" pitchFamily="18" charset="0"/>
+                            </a:rPr>
+                            <m:t>)</m:t>
+                          </m:r>
+                        </m:e>
+                      </m:nary>
+                    </m:oMath>
+                  </m:oMathPara>
+                </a14:m>
+                <a:endParaRPr lang="en-US" sz="2400"/>
+              </a:p>
+              <a:p>
+                <a:pPr marL="0" indent="0" algn="ctr">
+                  <a:buNone/>
+                </a:pPr>
+                <a:r>
+                  <a:rPr lang="en-US" sz="2400"/>
+                  <a:t>P</a:t>
+                </a:r>
+                <a:r>
+                  <a:rPr lang="en-US" sz="2400" baseline="-25000"/>
+                  <a:t>i</a:t>
+                </a:r>
+                <a:r>
+                  <a:rPr lang="en-US" sz="2400"/>
+                  <a:t> : điểm tổng hợp của giải pháp A</a:t>
+                </a:r>
+                <a:r>
+                  <a:rPr lang="en-US" sz="2400" baseline="-25000"/>
+                  <a:t>i</a:t>
+                </a:r>
+              </a:p>
+              <a:p>
+                <a:pPr marL="0" indent="0" algn="ctr">
+                  <a:buNone/>
+                </a:pPr>
+                <a:r>
+                  <a:rPr lang="en-US" sz="2400"/>
+                  <a:t>w</a:t>
+                </a:r>
+                <a:r>
+                  <a:rPr lang="en-US" sz="2400" baseline="-25000"/>
+                  <a:t>j </a:t>
+                </a:r>
+                <a:r>
+                  <a:rPr lang="en-US" sz="2400"/>
+                  <a:t>: trọng số của tiêu chí j</a:t>
+                </a:r>
+              </a:p>
+              <a:p>
+                <a:pPr marL="0" indent="0" algn="ctr">
+                  <a:buNone/>
+                </a:pPr>
+                <a:r>
+                  <a:rPr lang="en-US" sz="2400"/>
+                  <a:t>m</a:t>
+                </a:r>
+                <a:r>
+                  <a:rPr lang="en-US" sz="2400" baseline="-25000"/>
+                  <a:t>ij</a:t>
+                </a:r>
+                <a:r>
+                  <a:rPr lang="en-US" sz="2400"/>
+                  <a:t>: điểm đánh giá tiêu chí j của giải pháp A</a:t>
+                </a:r>
+                <a:r>
+                  <a:rPr lang="en-US" sz="2400" baseline="-25000"/>
+                  <a:t>i</a:t>
+                </a:r>
+                <a:endParaRPr lang="en-US" sz="2400"/>
+              </a:p>
+              <a:p>
+                <a:pPr marL="0" indent="0">
+                  <a:buNone/>
+                </a:pPr>
+                <a:endParaRPr lang="en-US" sz="2400"/>
+              </a:p>
+              <a:p>
+                <a:pPr marL="0" lvl="0" indent="0">
+                  <a:buNone/>
+                </a:pPr>
+                <a:endParaRPr lang="en-US" sz="2400"/>
+              </a:p>
+            </p:txBody>
+          </p:sp>
+        </mc:Choice>
+        <mc:Fallback xmlns="">
+          <p:sp>
+            <p:nvSpPr>
+              <p:cNvPr id="3" name="Content Placeholder 2"/>
+              <p:cNvSpPr>
+                <a:spLocks noGrp="1" noRot="1" noChangeAspect="1" noMove="1" noResize="1" noEditPoints="1" noAdjustHandles="1" noChangeArrowheads="1" noChangeShapeType="1" noTextEdit="1"/>
+              </p:cNvSpPr>
+              <p:nvPr>
+                <p:ph idx="1"/>
+              </p:nvPr>
+            </p:nvSpPr>
+            <p:spPr>
+              <a:xfrm>
+                <a:off x="457200" y="1600200"/>
+                <a:ext cx="8229600" cy="4572000"/>
+              </a:xfrm>
+              <a:blipFill>
+                <a:blip r:embed="rId3"/>
+                <a:stretch>
+                  <a:fillRect l="-1111" t="-1067" r="-1185"/>
+                </a:stretch>
+              </a:blipFill>
+            </p:spPr>
+            <p:txBody>
+              <a:bodyPr/>
+              <a:lstStyle/>
+              <a:p>
+                <a:r>
+                  <a:rPr lang="en-US">
+                    <a:noFill/>
+                  </a:rPr>
+                  <a:t> </a:t>
+                </a:r>
+              </a:p>
+            </p:txBody>
+          </p:sp>
+        </mc:Fallback>
+      </mc:AlternateContent>
     </p:spTree>
     <p:extLst>
       <p:ext uri="{BB962C8B-B14F-4D97-AF65-F5344CB8AC3E}">
-        <p14:creationId xmlns:p14="http://schemas.microsoft.com/office/powerpoint/2010/main" val="3293861469"/>
+        <p14:creationId xmlns:p14="http://schemas.microsoft.com/office/powerpoint/2010/main" val="3677976251"/>
       </p:ext>
     </p:extLst>
   </p:cSld>
@@ -19510,377 +16004,6 @@
           </a:p>
         </p:txBody>
       </p:sp>
-      <mc:AlternateContent xmlns:mc="http://schemas.openxmlformats.org/markup-compatibility/2006" xmlns:a14="http://schemas.microsoft.com/office/drawing/2010/main">
-        <mc:Choice Requires="a14">
-          <p:sp>
-            <p:nvSpPr>
-              <p:cNvPr id="3" name="Content Placeholder 2"/>
-              <p:cNvSpPr>
-                <a:spLocks noGrp="1"/>
-              </p:cNvSpPr>
-              <p:nvPr>
-                <p:ph idx="1"/>
-              </p:nvPr>
-            </p:nvSpPr>
-            <p:spPr>
-              <a:xfrm>
-                <a:off x="457200" y="1600200"/>
-                <a:ext cx="8229600" cy="4572000"/>
-              </a:xfrm>
-            </p:spPr>
-            <p:txBody>
-              <a:bodyPr>
-                <a:noAutofit/>
-              </a:bodyPr>
-              <a:lstStyle/>
-              <a:p>
-                <a:pPr marL="0" indent="0">
-                  <a:buNone/>
-                </a:pPr>
-                <a:r>
-                  <a:rPr lang="en-US" sz="2400"/>
-                  <a:t>Mỗi tiêu chí được gán cho một trọng số, và tổng của các trọng số này bằng 1. </a:t>
-                </a:r>
-              </a:p>
-              <a:p>
-                <a:pPr marL="0" indent="0">
-                  <a:buNone/>
-                </a:pPr>
-                <a:r>
-                  <a:rPr lang="en-US" sz="2400"/>
-                  <a:t>Mỗi giải pháp được đánh giá trên tất cả tiêu chí. Điểm tổng hợp của một giải pháp theo công thức sau: </a:t>
-                </a:r>
-              </a:p>
-              <a:p>
-                <a:pPr marL="0" indent="0">
-                  <a:buNone/>
-                </a:pPr>
-                <a:endParaRPr lang="en-US" sz="2400"/>
-              </a:p>
-              <a:p>
-                <a:pPr marL="0" indent="0">
-                  <a:buNone/>
-                </a:pPr>
-                <a14:m>
-                  <m:oMathPara xmlns:m="http://schemas.openxmlformats.org/officeDocument/2006/math">
-                    <m:oMathParaPr>
-                      <m:jc m:val="centerGroup"/>
-                    </m:oMathParaPr>
-                    <m:oMath xmlns:m="http://schemas.openxmlformats.org/officeDocument/2006/math">
-                      <m:sSub>
-                        <m:sSubPr>
-                          <m:ctrlPr>
-                            <a:rPr lang="en-US" sz="2400" i="1">
-                              <a:latin typeface="Cambria Math" panose="02040503050406030204" pitchFamily="18" charset="0"/>
-                            </a:rPr>
-                          </m:ctrlPr>
-                        </m:sSubPr>
-                        <m:e>
-                          <m:r>
-                            <a:rPr lang="en-US" sz="2400" i="1">
-                              <a:latin typeface="Cambria Math" panose="02040503050406030204" pitchFamily="18" charset="0"/>
-                            </a:rPr>
-                            <m:t>𝑃</m:t>
-                          </m:r>
-                        </m:e>
-                        <m:sub>
-                          <m:r>
-                            <a:rPr lang="en-US" sz="2400" i="1">
-                              <a:latin typeface="Cambria Math" panose="02040503050406030204" pitchFamily="18" charset="0"/>
-                            </a:rPr>
-                            <m:t>𝑖</m:t>
-                          </m:r>
-                        </m:sub>
-                      </m:sSub>
-                      <m:r>
-                        <a:rPr lang="en-US" sz="2400" i="1">
-                          <a:latin typeface="Cambria Math" panose="02040503050406030204" pitchFamily="18" charset="0"/>
-                        </a:rPr>
-                        <m:t>=</m:t>
-                      </m:r>
-                      <m:nary>
-                        <m:naryPr>
-                          <m:chr m:val="∑"/>
-                          <m:limLoc m:val="undOvr"/>
-                          <m:ctrlPr>
-                            <a:rPr lang="en-US" sz="2400" i="1">
-                              <a:latin typeface="Cambria Math" panose="02040503050406030204" pitchFamily="18" charset="0"/>
-                            </a:rPr>
-                          </m:ctrlPr>
-                        </m:naryPr>
-                        <m:sub>
-                          <m:r>
-                            <a:rPr lang="en-US" sz="2400" i="1">
-                              <a:latin typeface="Cambria Math" panose="02040503050406030204" pitchFamily="18" charset="0"/>
-                            </a:rPr>
-                            <m:t>𝑗</m:t>
-                          </m:r>
-                          <m:r>
-                            <a:rPr lang="en-US" sz="2400" i="1">
-                              <a:latin typeface="Cambria Math" panose="02040503050406030204" pitchFamily="18" charset="0"/>
-                            </a:rPr>
-                            <m:t>=1</m:t>
-                          </m:r>
-                        </m:sub>
-                        <m:sup>
-                          <m:r>
-                            <a:rPr lang="en-US" sz="2400" i="1">
-                              <a:latin typeface="Cambria Math" panose="02040503050406030204" pitchFamily="18" charset="0"/>
-                            </a:rPr>
-                            <m:t>𝑚</m:t>
-                          </m:r>
-                        </m:sup>
-                        <m:e>
-                          <m:r>
-                            <a:rPr lang="en-US" sz="2400" i="1">
-                              <a:latin typeface="Cambria Math" panose="02040503050406030204" pitchFamily="18" charset="0"/>
-                            </a:rPr>
-                            <m:t>(</m:t>
-                          </m:r>
-                          <m:sSub>
-                            <m:sSubPr>
-                              <m:ctrlPr>
-                                <a:rPr lang="en-US" sz="2400" i="1">
-                                  <a:latin typeface="Cambria Math" panose="02040503050406030204" pitchFamily="18" charset="0"/>
-                                </a:rPr>
-                              </m:ctrlPr>
-                            </m:sSubPr>
-                            <m:e>
-                              <m:r>
-                                <a:rPr lang="en-US" sz="2400" i="1">
-                                  <a:latin typeface="Cambria Math" panose="02040503050406030204" pitchFamily="18" charset="0"/>
-                                </a:rPr>
-                                <m:t>𝑤</m:t>
-                              </m:r>
-                            </m:e>
-                            <m:sub>
-                              <m:r>
-                                <a:rPr lang="en-US" sz="2400" i="1">
-                                  <a:latin typeface="Cambria Math" panose="02040503050406030204" pitchFamily="18" charset="0"/>
-                                </a:rPr>
-                                <m:t>𝑗</m:t>
-                              </m:r>
-                            </m:sub>
-                          </m:sSub>
-                          <m:sSub>
-                            <m:sSubPr>
-                              <m:ctrlPr>
-                                <a:rPr lang="en-US" sz="2400" i="1">
-                                  <a:latin typeface="Cambria Math" panose="02040503050406030204" pitchFamily="18" charset="0"/>
-                                </a:rPr>
-                              </m:ctrlPr>
-                            </m:sSubPr>
-                            <m:e>
-                              <m:r>
-                                <a:rPr lang="en-US" sz="2400" i="1">
-                                  <a:latin typeface="Cambria Math" panose="02040503050406030204" pitchFamily="18" charset="0"/>
-                                </a:rPr>
-                                <m:t>𝑚</m:t>
-                              </m:r>
-                            </m:e>
-                            <m:sub>
-                              <m:r>
-                                <a:rPr lang="en-US" sz="2400" i="1">
-                                  <a:latin typeface="Cambria Math" panose="02040503050406030204" pitchFamily="18" charset="0"/>
-                                </a:rPr>
-                                <m:t>𝑖𝑗</m:t>
-                              </m:r>
-                            </m:sub>
-                          </m:sSub>
-                          <m:r>
-                            <a:rPr lang="en-US" sz="2400" i="1">
-                              <a:latin typeface="Cambria Math" panose="02040503050406030204" pitchFamily="18" charset="0"/>
-                            </a:rPr>
-                            <m:t>)</m:t>
-                          </m:r>
-                        </m:e>
-                      </m:nary>
-                    </m:oMath>
-                  </m:oMathPara>
-                </a14:m>
-                <a:endParaRPr lang="en-US" sz="2400"/>
-              </a:p>
-              <a:p>
-                <a:pPr marL="0" indent="0" algn="ctr">
-                  <a:buNone/>
-                </a:pPr>
-                <a:r>
-                  <a:rPr lang="en-US" sz="2400"/>
-                  <a:t>P</a:t>
-                </a:r>
-                <a:r>
-                  <a:rPr lang="en-US" sz="2400" baseline="-25000"/>
-                  <a:t>i</a:t>
-                </a:r>
-                <a:r>
-                  <a:rPr lang="en-US" sz="2400"/>
-                  <a:t> : điểm tổng hợp của giải pháp A</a:t>
-                </a:r>
-                <a:r>
-                  <a:rPr lang="en-US" sz="2400" baseline="-25000"/>
-                  <a:t>i</a:t>
-                </a:r>
-              </a:p>
-              <a:p>
-                <a:pPr marL="0" indent="0" algn="ctr">
-                  <a:buNone/>
-                </a:pPr>
-                <a:r>
-                  <a:rPr lang="en-US" sz="2400"/>
-                  <a:t>w</a:t>
-                </a:r>
-                <a:r>
-                  <a:rPr lang="en-US" sz="2400" baseline="-25000"/>
-                  <a:t>j </a:t>
-                </a:r>
-                <a:r>
-                  <a:rPr lang="en-US" sz="2400"/>
-                  <a:t>: trọng số của tiêu chí j</a:t>
-                </a:r>
-              </a:p>
-              <a:p>
-                <a:pPr marL="0" indent="0" algn="ctr">
-                  <a:buNone/>
-                </a:pPr>
-                <a:r>
-                  <a:rPr lang="en-US" sz="2400"/>
-                  <a:t>m</a:t>
-                </a:r>
-                <a:r>
-                  <a:rPr lang="en-US" sz="2400" baseline="-25000"/>
-                  <a:t>ij</a:t>
-                </a:r>
-                <a:r>
-                  <a:rPr lang="en-US" sz="2400"/>
-                  <a:t>: điểm đánh giá tiêu chí j của giải pháp A</a:t>
-                </a:r>
-                <a:r>
-                  <a:rPr lang="en-US" sz="2400" baseline="-25000"/>
-                  <a:t>i</a:t>
-                </a:r>
-                <a:endParaRPr lang="en-US" sz="2400"/>
-              </a:p>
-              <a:p>
-                <a:pPr marL="0" indent="0">
-                  <a:buNone/>
-                </a:pPr>
-                <a:endParaRPr lang="en-US" sz="2400"/>
-              </a:p>
-              <a:p>
-                <a:pPr marL="0" lvl="0" indent="0">
-                  <a:buNone/>
-                </a:pPr>
-                <a:endParaRPr lang="en-US" sz="2400"/>
-              </a:p>
-            </p:txBody>
-          </p:sp>
-        </mc:Choice>
-        <mc:Fallback xmlns="">
-          <p:sp>
-            <p:nvSpPr>
-              <p:cNvPr id="3" name="Content Placeholder 2"/>
-              <p:cNvSpPr>
-                <a:spLocks noGrp="1" noRot="1" noChangeAspect="1" noMove="1" noResize="1" noEditPoints="1" noAdjustHandles="1" noChangeArrowheads="1" noChangeShapeType="1" noTextEdit="1"/>
-              </p:cNvSpPr>
-              <p:nvPr>
-                <p:ph idx="1"/>
-              </p:nvPr>
-            </p:nvSpPr>
-            <p:spPr>
-              <a:xfrm>
-                <a:off x="457200" y="1600200"/>
-                <a:ext cx="8229600" cy="4572000"/>
-              </a:xfrm>
-              <a:blipFill>
-                <a:blip r:embed="rId3"/>
-                <a:stretch>
-                  <a:fillRect l="-1111" t="-1067" r="-1185"/>
-                </a:stretch>
-              </a:blipFill>
-            </p:spPr>
-            <p:txBody>
-              <a:bodyPr/>
-              <a:lstStyle/>
-              <a:p>
-                <a:r>
-                  <a:rPr lang="en-US">
-                    <a:noFill/>
-                  </a:rPr>
-                  <a:t> </a:t>
-                </a:r>
-              </a:p>
-            </p:txBody>
-          </p:sp>
-        </mc:Fallback>
-      </mc:AlternateContent>
-    </p:spTree>
-    <p:extLst>
-      <p:ext uri="{BB962C8B-B14F-4D97-AF65-F5344CB8AC3E}">
-        <p14:creationId xmlns:p14="http://schemas.microsoft.com/office/powerpoint/2010/main" val="3677976251"/>
-      </p:ext>
-    </p:extLst>
-  </p:cSld>
-  <p:clrMapOvr>
-    <a:masterClrMapping/>
-  </p:clrMapOvr>
-  <mc:AlternateContent xmlns:mc="http://schemas.openxmlformats.org/markup-compatibility/2006" xmlns:p14="http://schemas.microsoft.com/office/powerpoint/2010/main">
-    <mc:Choice Requires="p14">
-      <p:transition spd="slow" p14:dur="1200">
-        <p14:prism/>
-      </p:transition>
-    </mc:Choice>
-    <mc:Fallback xmlns="">
-      <p:transition spd="slow">
-        <p:fade/>
-      </p:transition>
-    </mc:Fallback>
-  </mc:AlternateContent>
-</p:sld>
-</file>
-
-<file path=ppt/slides/slide21.xml><?xml version="1.0" encoding="utf-8"?>
-<p:sld xmlns:a="http://schemas.openxmlformats.org/drawingml/2006/main" xmlns:r="http://schemas.openxmlformats.org/officeDocument/2006/relationships" xmlns:p="http://schemas.openxmlformats.org/presentationml/2006/main">
-  <p:cSld>
-    <p:spTree>
-      <p:nvGrpSpPr>
-        <p:cNvPr id="1" name=""/>
-        <p:cNvGrpSpPr/>
-        <p:nvPr/>
-      </p:nvGrpSpPr>
-      <p:grpSpPr>
-        <a:xfrm>
-          <a:off x="0" y="0"/>
-          <a:ext cx="0" cy="0"/>
-          <a:chOff x="0" y="0"/>
-          <a:chExt cx="0" cy="0"/>
-        </a:xfrm>
-      </p:grpSpPr>
-      <p:sp>
-        <p:nvSpPr>
-          <p:cNvPr id="2" name="Title 1"/>
-          <p:cNvSpPr>
-            <a:spLocks noGrp="1"/>
-          </p:cNvSpPr>
-          <p:nvPr>
-            <p:ph type="title"/>
-          </p:nvPr>
-        </p:nvSpPr>
-        <p:spPr/>
-        <p:txBody>
-          <a:bodyPr/>
-          <a:lstStyle/>
-          <a:p>
-            <a:r>
-              <a:rPr lang="en-US"/>
-              <a:t>Weighed Sum Method - WSM</a:t>
-            </a:r>
-            <a:endParaRPr lang="en-US">
-              <a:latin typeface="Arial" panose="020B0604020202020204" pitchFamily="34" charset="0"/>
-              <a:cs typeface="Arial" panose="020B0604020202020204" pitchFamily="34" charset="0"/>
-            </a:endParaRPr>
-          </a:p>
-        </p:txBody>
-      </p:sp>
       <p:sp>
         <p:nvSpPr>
           <p:cNvPr id="3" name="Content Placeholder 2"/>
@@ -20138,7 +16261,7 @@
 </p:sld>
 </file>
 
-<file path=ppt/slides/slide22.xml><?xml version="1.0" encoding="utf-8"?>
+<file path=ppt/slides/slide21.xml><?xml version="1.0" encoding="utf-8"?>
 <p:sld xmlns:a="http://schemas.openxmlformats.org/drawingml/2006/main" xmlns:r="http://schemas.openxmlformats.org/officeDocument/2006/relationships" xmlns:p="http://schemas.openxmlformats.org/presentationml/2006/main">
   <p:cSld>
     <p:spTree>
@@ -20442,7 +16565,7 @@
 </p:sld>
 </file>
 
-<file path=ppt/slides/slide23.xml><?xml version="1.0" encoding="utf-8"?>
+<file path=ppt/slides/slide22.xml><?xml version="1.0" encoding="utf-8"?>
 <p:sld xmlns:a="http://schemas.openxmlformats.org/drawingml/2006/main" xmlns:r="http://schemas.openxmlformats.org/officeDocument/2006/relationships" xmlns:p="http://schemas.openxmlformats.org/presentationml/2006/main">
   <p:cSld>
     <p:spTree>
@@ -20770,7 +16893,7 @@
 </p:sld>
 </file>
 
-<file path=ppt/slides/slide24.xml><?xml version="1.0" encoding="utf-8"?>
+<file path=ppt/slides/slide23.xml><?xml version="1.0" encoding="utf-8"?>
 <p:sld xmlns:a="http://schemas.openxmlformats.org/drawingml/2006/main" xmlns:r="http://schemas.openxmlformats.org/officeDocument/2006/relationships" xmlns:p="http://schemas.openxmlformats.org/presentationml/2006/main">
   <p:cSld>
     <p:spTree>
@@ -21770,7 +17893,7 @@
 </p:sld>
 </file>
 
-<file path=ppt/slides/slide25.xml><?xml version="1.0" encoding="utf-8"?>
+<file path=ppt/slides/slide24.xml><?xml version="1.0" encoding="utf-8"?>
 <p:sld xmlns:a="http://schemas.openxmlformats.org/drawingml/2006/main" xmlns:r="http://schemas.openxmlformats.org/officeDocument/2006/relationships" xmlns:p="http://schemas.openxmlformats.org/presentationml/2006/main">
   <p:cSld>
     <p:spTree>
@@ -22804,7 +18927,7 @@
 </p:sld>
 </file>
 
-<file path=ppt/slides/slide26.xml><?xml version="1.0" encoding="utf-8"?>
+<file path=ppt/slides/slide25.xml><?xml version="1.0" encoding="utf-8"?>
 <p:sld xmlns:a="http://schemas.openxmlformats.org/drawingml/2006/main" xmlns:r="http://schemas.openxmlformats.org/officeDocument/2006/relationships" xmlns:p="http://schemas.openxmlformats.org/presentationml/2006/main">
   <p:cSld>
     <p:spTree>
@@ -22962,7 +19085,7 @@
 </p:sld>
 </file>
 
-<file path=ppt/slides/slide27.xml><?xml version="1.0" encoding="utf-8"?>
+<file path=ppt/slides/slide26.xml><?xml version="1.0" encoding="utf-8"?>
 <p:sld xmlns:a="http://schemas.openxmlformats.org/drawingml/2006/main" xmlns:r="http://schemas.openxmlformats.org/officeDocument/2006/relationships" xmlns:p="http://schemas.openxmlformats.org/presentationml/2006/main">
   <p:cSld>
     <p:spTree>
@@ -24004,7 +20127,7 @@
 </p:sld>
 </file>
 
-<file path=ppt/slides/slide28.xml><?xml version="1.0" encoding="utf-8"?>
+<file path=ppt/slides/slide27.xml><?xml version="1.0" encoding="utf-8"?>
 <p:sld xmlns:a="http://schemas.openxmlformats.org/drawingml/2006/main" xmlns:r="http://schemas.openxmlformats.org/officeDocument/2006/relationships" xmlns:p="http://schemas.openxmlformats.org/presentationml/2006/main">
   <p:cSld>
     <p:spTree>
@@ -24102,7 +20225,7 @@
 </p:sld>
 </file>
 
-<file path=ppt/slides/slide29.xml><?xml version="1.0" encoding="utf-8"?>
+<file path=ppt/slides/slide28.xml><?xml version="1.0" encoding="utf-8"?>
 <p:sld xmlns:a="http://schemas.openxmlformats.org/drawingml/2006/main" xmlns:r="http://schemas.openxmlformats.org/officeDocument/2006/relationships" xmlns:p="http://schemas.openxmlformats.org/presentationml/2006/main">
   <p:cSld>
     <p:spTree>
@@ -25191,162 +21314,7 @@
 </p:sld>
 </file>
 
-<file path=ppt/slides/slide3.xml><?xml version="1.0" encoding="utf-8"?>
-<p:sld xmlns:a="http://schemas.openxmlformats.org/drawingml/2006/main" xmlns:r="http://schemas.openxmlformats.org/officeDocument/2006/relationships" xmlns:p="http://schemas.openxmlformats.org/presentationml/2006/main">
-  <p:cSld>
-    <p:spTree>
-      <p:nvGrpSpPr>
-        <p:cNvPr id="1" name=""/>
-        <p:cNvGrpSpPr/>
-        <p:nvPr/>
-      </p:nvGrpSpPr>
-      <p:grpSpPr>
-        <a:xfrm>
-          <a:off x="0" y="0"/>
-          <a:ext cx="0" cy="0"/>
-          <a:chOff x="0" y="0"/>
-          <a:chExt cx="0" cy="0"/>
-        </a:xfrm>
-      </p:grpSpPr>
-      <p:sp>
-        <p:nvSpPr>
-          <p:cNvPr id="4" name="Title 3"/>
-          <p:cNvSpPr>
-            <a:spLocks noGrp="1"/>
-          </p:cNvSpPr>
-          <p:nvPr>
-            <p:ph type="title"/>
-          </p:nvPr>
-        </p:nvSpPr>
-        <p:spPr/>
-        <p:txBody>
-          <a:bodyPr>
-            <a:noAutofit/>
-          </a:bodyPr>
-          <a:lstStyle/>
-          <a:p>
-            <a:pPr lvl="0">
-              <a:spcBef>
-                <a:spcPts val="0"/>
-              </a:spcBef>
-            </a:pPr>
-            <a:r>
-              <a:rPr lang="en-US" sz="4000" cap="none">
-                <a:solidFill>
-                  <a:prstClr val="black">
-                    <a:lumMod val="85000"/>
-                    <a:lumOff val="15000"/>
-                  </a:prstClr>
-                </a:solidFill>
-                <a:ea typeface="+mn-ea"/>
-                <a:cs typeface="+mn-cs"/>
-              </a:rPr>
-              <a:t>CBSD &amp; COTS</a:t>
-            </a:r>
-          </a:p>
-        </p:txBody>
-      </p:sp>
-      <p:sp>
-        <p:nvSpPr>
-          <p:cNvPr id="5" name="Text Placeholder 4"/>
-          <p:cNvSpPr>
-            <a:spLocks noGrp="1"/>
-          </p:cNvSpPr>
-          <p:nvPr>
-            <p:ph type="body" idx="1"/>
-          </p:nvPr>
-        </p:nvSpPr>
-        <p:spPr/>
-        <p:txBody>
-          <a:bodyPr/>
-          <a:lstStyle/>
-          <a:p>
-            <a:r>
-              <a:rPr lang="en-US" sz="1700" b="1">
-                <a:solidFill>
-                  <a:schemeClr val="tx1">
-                    <a:lumMod val="75000"/>
-                    <a:lumOff val="25000"/>
-                  </a:schemeClr>
-                </a:solidFill>
-              </a:rPr>
-              <a:t>Component-based Software Quality</a:t>
-            </a:r>
-            <a:endParaRPr lang="en-US" sz="1700" b="1" dirty="0">
-              <a:solidFill>
-                <a:schemeClr val="tx1">
-                  <a:lumMod val="75000"/>
-                  <a:lumOff val="25000"/>
-                </a:schemeClr>
-              </a:solidFill>
-            </a:endParaRPr>
-          </a:p>
-        </p:txBody>
-      </p:sp>
-      <p:sp>
-        <p:nvSpPr>
-          <p:cNvPr id="6" name="TextBox 5"/>
-          <p:cNvSpPr txBox="1"/>
-          <p:nvPr/>
-        </p:nvSpPr>
-        <p:spPr>
-          <a:xfrm>
-            <a:off x="1121392" y="1557456"/>
-            <a:ext cx="1219200" cy="2708434"/>
-          </a:xfrm>
-          <a:prstGeom prst="rect">
-            <a:avLst/>
-          </a:prstGeom>
-          <a:noFill/>
-        </p:spPr>
-        <p:txBody>
-          <a:bodyPr wrap="square" rtlCol="0">
-            <a:spAutoFit/>
-          </a:bodyPr>
-          <a:lstStyle/>
-          <a:p>
-            <a:r>
-              <a:rPr lang="en-US" sz="17000" b="1" dirty="0">
-                <a:solidFill>
-                  <a:srgbClr val="F26200">
-                    <a:alpha val="40000"/>
-                  </a:srgbClr>
-                </a:solidFill>
-                <a:cs typeface="Arial" pitchFamily="34" charset="0"/>
-              </a:rPr>
-              <a:t>1</a:t>
-            </a:r>
-          </a:p>
-        </p:txBody>
-      </p:sp>
-    </p:spTree>
-  </p:cSld>
-  <p:clrMapOvr>
-    <a:masterClrMapping/>
-  </p:clrMapOvr>
-  <mc:AlternateContent xmlns:mc="http://schemas.openxmlformats.org/markup-compatibility/2006" xmlns:p14="http://schemas.microsoft.com/office/powerpoint/2010/main">
-    <mc:Choice Requires="p14">
-      <p:transition spd="slow" p14:dur="1250">
-        <p14:flip dir="r"/>
-      </p:transition>
-    </mc:Choice>
-    <mc:Fallback xmlns="">
-      <p:transition spd="slow">
-        <p:fade/>
-      </p:transition>
-    </mc:Fallback>
-  </mc:AlternateContent>
-  <p:timing>
-    <p:tnLst>
-      <p:par>
-        <p:cTn id="1" dur="indefinite" restart="never" nodeType="tmRoot"/>
-      </p:par>
-    </p:tnLst>
-  </p:timing>
-</p:sld>
-</file>
-
-<file path=ppt/slides/slide30.xml><?xml version="1.0" encoding="utf-8"?>
+<file path=ppt/slides/slide29.xml><?xml version="1.0" encoding="utf-8"?>
 <p:sld xmlns:a="http://schemas.openxmlformats.org/drawingml/2006/main" xmlns:r="http://schemas.openxmlformats.org/officeDocument/2006/relationships" xmlns:p="http://schemas.openxmlformats.org/presentationml/2006/main">
   <p:cSld>
     <p:spTree>
@@ -25534,7 +21502,162 @@
 </p:sld>
 </file>
 
-<file path=ppt/slides/slide31.xml><?xml version="1.0" encoding="utf-8"?>
+<file path=ppt/slides/slide3.xml><?xml version="1.0" encoding="utf-8"?>
+<p:sld xmlns:a="http://schemas.openxmlformats.org/drawingml/2006/main" xmlns:r="http://schemas.openxmlformats.org/officeDocument/2006/relationships" xmlns:p="http://schemas.openxmlformats.org/presentationml/2006/main">
+  <p:cSld>
+    <p:spTree>
+      <p:nvGrpSpPr>
+        <p:cNvPr id="1" name=""/>
+        <p:cNvGrpSpPr/>
+        <p:nvPr/>
+      </p:nvGrpSpPr>
+      <p:grpSpPr>
+        <a:xfrm>
+          <a:off x="0" y="0"/>
+          <a:ext cx="0" cy="0"/>
+          <a:chOff x="0" y="0"/>
+          <a:chExt cx="0" cy="0"/>
+        </a:xfrm>
+      </p:grpSpPr>
+      <p:sp>
+        <p:nvSpPr>
+          <p:cNvPr id="4" name="Title 3"/>
+          <p:cNvSpPr>
+            <a:spLocks noGrp="1"/>
+          </p:cNvSpPr>
+          <p:nvPr>
+            <p:ph type="title"/>
+          </p:nvPr>
+        </p:nvSpPr>
+        <p:spPr/>
+        <p:txBody>
+          <a:bodyPr>
+            <a:noAutofit/>
+          </a:bodyPr>
+          <a:lstStyle/>
+          <a:p>
+            <a:pPr lvl="0">
+              <a:spcBef>
+                <a:spcPts val="0"/>
+              </a:spcBef>
+            </a:pPr>
+            <a:r>
+              <a:rPr lang="en-US" sz="4000" cap="none">
+                <a:solidFill>
+                  <a:prstClr val="black">
+                    <a:lumMod val="85000"/>
+                    <a:lumOff val="15000"/>
+                  </a:prstClr>
+                </a:solidFill>
+                <a:ea typeface="+mn-ea"/>
+                <a:cs typeface="+mn-cs"/>
+              </a:rPr>
+              <a:t>CBSD &amp; COTS</a:t>
+            </a:r>
+          </a:p>
+        </p:txBody>
+      </p:sp>
+      <p:sp>
+        <p:nvSpPr>
+          <p:cNvPr id="5" name="Text Placeholder 4"/>
+          <p:cNvSpPr>
+            <a:spLocks noGrp="1"/>
+          </p:cNvSpPr>
+          <p:nvPr>
+            <p:ph type="body" idx="1"/>
+          </p:nvPr>
+        </p:nvSpPr>
+        <p:spPr/>
+        <p:txBody>
+          <a:bodyPr/>
+          <a:lstStyle/>
+          <a:p>
+            <a:r>
+              <a:rPr lang="en-US" sz="1700" b="1">
+                <a:solidFill>
+                  <a:schemeClr val="tx1">
+                    <a:lumMod val="75000"/>
+                    <a:lumOff val="25000"/>
+                  </a:schemeClr>
+                </a:solidFill>
+              </a:rPr>
+              <a:t>Component-based Software Quality</a:t>
+            </a:r>
+            <a:endParaRPr lang="en-US" sz="1700" b="1" dirty="0">
+              <a:solidFill>
+                <a:schemeClr val="tx1">
+                  <a:lumMod val="75000"/>
+                  <a:lumOff val="25000"/>
+                </a:schemeClr>
+              </a:solidFill>
+            </a:endParaRPr>
+          </a:p>
+        </p:txBody>
+      </p:sp>
+      <p:sp>
+        <p:nvSpPr>
+          <p:cNvPr id="6" name="TextBox 5"/>
+          <p:cNvSpPr txBox="1"/>
+          <p:nvPr/>
+        </p:nvSpPr>
+        <p:spPr>
+          <a:xfrm>
+            <a:off x="1121392" y="1557456"/>
+            <a:ext cx="1219200" cy="2708434"/>
+          </a:xfrm>
+          <a:prstGeom prst="rect">
+            <a:avLst/>
+          </a:prstGeom>
+          <a:noFill/>
+        </p:spPr>
+        <p:txBody>
+          <a:bodyPr wrap="square" rtlCol="0">
+            <a:spAutoFit/>
+          </a:bodyPr>
+          <a:lstStyle/>
+          <a:p>
+            <a:r>
+              <a:rPr lang="en-US" sz="17000" b="1" dirty="0">
+                <a:solidFill>
+                  <a:srgbClr val="F26200">
+                    <a:alpha val="40000"/>
+                  </a:srgbClr>
+                </a:solidFill>
+                <a:cs typeface="Arial" pitchFamily="34" charset="0"/>
+              </a:rPr>
+              <a:t>1</a:t>
+            </a:r>
+          </a:p>
+        </p:txBody>
+      </p:sp>
+    </p:spTree>
+  </p:cSld>
+  <p:clrMapOvr>
+    <a:masterClrMapping/>
+  </p:clrMapOvr>
+  <mc:AlternateContent xmlns:mc="http://schemas.openxmlformats.org/markup-compatibility/2006" xmlns:p14="http://schemas.microsoft.com/office/powerpoint/2010/main">
+    <mc:Choice Requires="p14">
+      <p:transition spd="slow" p14:dur="1250">
+        <p14:flip dir="r"/>
+      </p:transition>
+    </mc:Choice>
+    <mc:Fallback xmlns="">
+      <p:transition spd="slow">
+        <p:fade/>
+      </p:transition>
+    </mc:Fallback>
+  </mc:AlternateContent>
+  <p:timing>
+    <p:tnLst>
+      <p:par>
+        <p:cTn id="1" dur="indefinite" restart="never" nodeType="tmRoot"/>
+      </p:par>
+    </p:tnLst>
+  </p:timing>
+</p:sld>
+</file>
+
+<file path=ppt/slides/slide30.xml><?xml version="1.0" encoding="utf-8"?>
 <p:sld xmlns:a="http://schemas.openxmlformats.org/drawingml/2006/main" xmlns:r="http://schemas.openxmlformats.org/officeDocument/2006/relationships" xmlns:p="http://schemas.openxmlformats.org/presentationml/2006/main">
   <p:cSld>
     <p:spTree>
@@ -26631,7 +22754,7 @@
 </p:sld>
 </file>
 
-<file path=ppt/slides/slide32.xml><?xml version="1.0" encoding="utf-8"?>
+<file path=ppt/slides/slide31.xml><?xml version="1.0" encoding="utf-8"?>
 <p:sld xmlns:a="http://schemas.openxmlformats.org/drawingml/2006/main" xmlns:r="http://schemas.openxmlformats.org/officeDocument/2006/relationships" xmlns:p="http://schemas.openxmlformats.org/presentationml/2006/main">
   <p:cSld>
     <p:spTree>
@@ -26770,7 +22893,7 @@
 </p:sld>
 </file>
 
-<file path=ppt/slides/slide33.xml><?xml version="1.0" encoding="utf-8"?>
+<file path=ppt/slides/slide32.xml><?xml version="1.0" encoding="utf-8"?>
 <p:sld xmlns:a="http://schemas.openxmlformats.org/drawingml/2006/main" xmlns:r="http://schemas.openxmlformats.org/officeDocument/2006/relationships" xmlns:p="http://schemas.openxmlformats.org/presentationml/2006/main">
   <p:cSld>
     <p:spTree>
@@ -28682,7 +24805,7 @@
 </p:sld>
 </file>
 
-<file path=ppt/slides/slide34.xml><?xml version="1.0" encoding="utf-8"?>
+<file path=ppt/slides/slide33.xml><?xml version="1.0" encoding="utf-8"?>
 <p:sld xmlns:a="http://schemas.openxmlformats.org/drawingml/2006/main" xmlns:r="http://schemas.openxmlformats.org/officeDocument/2006/relationships" xmlns:p="http://schemas.openxmlformats.org/presentationml/2006/main">
   <p:cSld>
     <p:spTree>
@@ -29086,7 +25209,7 @@
 </p:sld>
 </file>
 
-<file path=ppt/slides/slide35.xml><?xml version="1.0" encoding="utf-8"?>
+<file path=ppt/slides/slide34.xml><?xml version="1.0" encoding="utf-8"?>
 <p:sld xmlns:a="http://schemas.openxmlformats.org/drawingml/2006/main" xmlns:r="http://schemas.openxmlformats.org/officeDocument/2006/relationships" xmlns:p="http://schemas.openxmlformats.org/presentationml/2006/main">
   <p:cSld>
     <p:spTree>
@@ -31002,7 +27125,7 @@
 </p:sld>
 </file>
 
-<file path=ppt/slides/slide36.xml><?xml version="1.0" encoding="utf-8"?>
+<file path=ppt/slides/slide35.xml><?xml version="1.0" encoding="utf-8"?>
 <p:sld xmlns:a="http://schemas.openxmlformats.org/drawingml/2006/main" xmlns:r="http://schemas.openxmlformats.org/officeDocument/2006/relationships" xmlns:p="http://schemas.openxmlformats.org/presentationml/2006/main">
   <p:cSld>
     <p:spTree>
@@ -31525,7 +27648,7 @@
 </p:sld>
 </file>
 
-<file path=ppt/slides/slide37.xml><?xml version="1.0" encoding="utf-8"?>
+<file path=ppt/slides/slide36.xml><?xml version="1.0" encoding="utf-8"?>
 <p:sld xmlns:a="http://schemas.openxmlformats.org/drawingml/2006/main" xmlns:r="http://schemas.openxmlformats.org/officeDocument/2006/relationships" xmlns:p="http://schemas.openxmlformats.org/presentationml/2006/main">
   <p:cSld>
     <p:spTree>
@@ -32900,7 +29023,7 @@
 </p:sld>
 </file>
 
-<file path=ppt/slides/slide38.xml><?xml version="1.0" encoding="utf-8"?>
+<file path=ppt/slides/slide37.xml><?xml version="1.0" encoding="utf-8"?>
 <p:sld xmlns:a="http://schemas.openxmlformats.org/drawingml/2006/main" xmlns:r="http://schemas.openxmlformats.org/officeDocument/2006/relationships" xmlns:p="http://schemas.openxmlformats.org/presentationml/2006/main">
   <p:cSld>
     <p:spTree>
@@ -33092,7 +29215,7 @@
 </p:sld>
 </file>
 
-<file path=ppt/slides/slide39.xml><?xml version="1.0" encoding="utf-8"?>
+<file path=ppt/slides/slide38.xml><?xml version="1.0" encoding="utf-8"?>
 <p:sld xmlns:a="http://schemas.openxmlformats.org/drawingml/2006/main" xmlns:r="http://schemas.openxmlformats.org/officeDocument/2006/relationships" xmlns:p="http://schemas.openxmlformats.org/presentationml/2006/main">
   <p:cSld>
     <p:spTree>
